--- a/intro_presentation.pptx
+++ b/intro_presentation.pptx
@@ -1,43 +1,43 @@
 
 <file path=ppt/presentation.xml><?xml version="1.0" encoding="utf-8"?>
-<p:presentation xmlns:a="http://schemas.openxmlformats.org/drawingml/2006/main" xmlns:r="http://schemas.openxmlformats.org/officeDocument/2006/relationships" xmlns:mc="http://schemas.openxmlformats.org/markup-compatibility/2006" xmlns:mv="urn:schemas-microsoft-com:mac:vml" xmlns:p="http://schemas.openxmlformats.org/presentationml/2006/main" xmlns:c="http://schemas.openxmlformats.org/drawingml/2006/chart" xmlns:dgm="http://schemas.openxmlformats.org/drawingml/2006/diagram" xmlns:o="urn:schemas-microsoft-com:office:office" xmlns:v="urn:schemas-microsoft-com:vml" xmlns:pvml="urn:schemas-microsoft-com:office:powerpoint" xmlns:com="http://schemas.openxmlformats.org/drawingml/2006/compatibility" xmlns:p14="http://schemas.microsoft.com/office/powerpoint/2010/main" autoCompressPictures="0" embedTrueTypeFonts="1" strictFirstAndLastChars="0" saveSubsetFonts="1">
+<p:presentation xmlns:a="http://schemas.openxmlformats.org/drawingml/2006/main" xmlns:r="http://schemas.openxmlformats.org/officeDocument/2006/relationships" xmlns:p="http://schemas.openxmlformats.org/presentationml/2006/main" strictFirstAndLastChars="0" embedTrueTypeFonts="1" saveSubsetFonts="1" autoCompressPictures="0">
   <p:sldMasterIdLst>
-    <p:sldMasterId id="2147483659" r:id="rId3"/>
+    <p:sldMasterId id="2147483659" r:id="rId1"/>
   </p:sldMasterIdLst>
   <p:notesMasterIdLst>
-    <p:notesMasterId r:id="rId4"/>
+    <p:notesMasterId r:id="rId18"/>
   </p:notesMasterIdLst>
   <p:sldIdLst>
-    <p:sldId id="256" r:id="rId5"/>
-    <p:sldId id="257" r:id="rId6"/>
-    <p:sldId id="258" r:id="rId7"/>
-    <p:sldId id="259" r:id="rId8"/>
-    <p:sldId id="260" r:id="rId9"/>
-    <p:sldId id="261" r:id="rId10"/>
-    <p:sldId id="262" r:id="rId11"/>
-    <p:sldId id="263" r:id="rId12"/>
-    <p:sldId id="264" r:id="rId13"/>
-    <p:sldId id="265" r:id="rId14"/>
-    <p:sldId id="266" r:id="rId15"/>
-    <p:sldId id="267" r:id="rId16"/>
-    <p:sldId id="268" r:id="rId17"/>
-    <p:sldId id="269" r:id="rId18"/>
-    <p:sldId id="270" r:id="rId19"/>
-    <p:sldId id="271" r:id="rId20"/>
+    <p:sldId id="256" r:id="rId2"/>
+    <p:sldId id="257" r:id="rId3"/>
+    <p:sldId id="258" r:id="rId4"/>
+    <p:sldId id="259" r:id="rId5"/>
+    <p:sldId id="260" r:id="rId6"/>
+    <p:sldId id="261" r:id="rId7"/>
+    <p:sldId id="262" r:id="rId8"/>
+    <p:sldId id="263" r:id="rId9"/>
+    <p:sldId id="264" r:id="rId10"/>
+    <p:sldId id="265" r:id="rId11"/>
+    <p:sldId id="266" r:id="rId12"/>
+    <p:sldId id="267" r:id="rId13"/>
+    <p:sldId id="268" r:id="rId14"/>
+    <p:sldId id="269" r:id="rId15"/>
+    <p:sldId id="270" r:id="rId16"/>
+    <p:sldId id="271" r:id="rId17"/>
   </p:sldIdLst>
-  <p:sldSz cy="5143500" cx="9144000"/>
+  <p:sldSz cx="9144000" cy="5143500" type="screen16x9"/>
   <p:notesSz cx="6858000" cy="9144000"/>
   <p:embeddedFontLst>
     <p:embeddedFont>
-      <p:font typeface="Roboto"/>
-      <p:regular r:id="rId21"/>
-      <p:bold r:id="rId22"/>
-      <p:italic r:id="rId23"/>
-      <p:boldItalic r:id="rId24"/>
+      <p:font typeface="Roboto" panose="020B0604020202020204" charset="0"/>
+      <p:regular r:id="rId19"/>
+      <p:bold r:id="rId20"/>
+      <p:italic r:id="rId21"/>
+      <p:boldItalic r:id="rId22"/>
     </p:embeddedFont>
   </p:embeddedFontLst>
   <p:defaultTextStyle>
-    <a:defPPr lvl="0" marR="0" rtl="0" algn="l">
+    <a:defPPr marR="0" lvl="0" algn="l" rtl="0">
       <a:lnSpc>
         <a:spcPct val="100000"/>
       </a:lnSpc>
@@ -48,7 +48,7 @@
         <a:spcPts val="0"/>
       </a:spcAft>
     </a:defPPr>
-    <a:lvl1pPr lvl="0" marR="0" rtl="0" algn="l">
+    <a:lvl1pPr marR="0" lvl="0" algn="l" rtl="0">
       <a:lnSpc>
         <a:spcPct val="100000"/>
       </a:lnSpc>
@@ -59,7 +59,7 @@
         <a:spcPts val="0"/>
       </a:spcAft>
       <a:buNone/>
-      <a:defRPr b="0" i="0" sz="1400" u="none" cap="none" strike="noStrike">
+      <a:defRPr sz="1400" b="0" i="0" u="none" strike="noStrike" cap="none">
         <a:solidFill>
           <a:srgbClr val="000000"/>
         </a:solidFill>
@@ -70,7 +70,7 @@
         <a:rtl val="0"/>
       </a:defRPr>
     </a:lvl1pPr>
-    <a:lvl2pPr lvl="1" marR="0" rtl="0" algn="l">
+    <a:lvl2pPr marR="0" lvl="1" algn="l" rtl="0">
       <a:lnSpc>
         <a:spcPct val="100000"/>
       </a:lnSpc>
@@ -81,7 +81,7 @@
         <a:spcPts val="0"/>
       </a:spcAft>
       <a:buNone/>
-      <a:defRPr b="0" i="0" sz="1400" u="none" cap="none" strike="noStrike">
+      <a:defRPr sz="1400" b="0" i="0" u="none" strike="noStrike" cap="none">
         <a:solidFill>
           <a:srgbClr val="000000"/>
         </a:solidFill>
@@ -92,7 +92,7 @@
         <a:rtl val="0"/>
       </a:defRPr>
     </a:lvl2pPr>
-    <a:lvl3pPr lvl="2" marR="0" rtl="0" algn="l">
+    <a:lvl3pPr marR="0" lvl="2" algn="l" rtl="0">
       <a:lnSpc>
         <a:spcPct val="100000"/>
       </a:lnSpc>
@@ -103,7 +103,7 @@
         <a:spcPts val="0"/>
       </a:spcAft>
       <a:buNone/>
-      <a:defRPr b="0" i="0" sz="1400" u="none" cap="none" strike="noStrike">
+      <a:defRPr sz="1400" b="0" i="0" u="none" strike="noStrike" cap="none">
         <a:solidFill>
           <a:srgbClr val="000000"/>
         </a:solidFill>
@@ -114,7 +114,7 @@
         <a:rtl val="0"/>
       </a:defRPr>
     </a:lvl3pPr>
-    <a:lvl4pPr lvl="3" marR="0" rtl="0" algn="l">
+    <a:lvl4pPr marR="0" lvl="3" algn="l" rtl="0">
       <a:lnSpc>
         <a:spcPct val="100000"/>
       </a:lnSpc>
@@ -125,7 +125,7 @@
         <a:spcPts val="0"/>
       </a:spcAft>
       <a:buNone/>
-      <a:defRPr b="0" i="0" sz="1400" u="none" cap="none" strike="noStrike">
+      <a:defRPr sz="1400" b="0" i="0" u="none" strike="noStrike" cap="none">
         <a:solidFill>
           <a:srgbClr val="000000"/>
         </a:solidFill>
@@ -136,7 +136,7 @@
         <a:rtl val="0"/>
       </a:defRPr>
     </a:lvl4pPr>
-    <a:lvl5pPr lvl="4" marR="0" rtl="0" algn="l">
+    <a:lvl5pPr marR="0" lvl="4" algn="l" rtl="0">
       <a:lnSpc>
         <a:spcPct val="100000"/>
       </a:lnSpc>
@@ -147,7 +147,7 @@
         <a:spcPts val="0"/>
       </a:spcAft>
       <a:buNone/>
-      <a:defRPr b="0" i="0" sz="1400" u="none" cap="none" strike="noStrike">
+      <a:defRPr sz="1400" b="0" i="0" u="none" strike="noStrike" cap="none">
         <a:solidFill>
           <a:srgbClr val="000000"/>
         </a:solidFill>
@@ -158,7 +158,7 @@
         <a:rtl val="0"/>
       </a:defRPr>
     </a:lvl5pPr>
-    <a:lvl6pPr lvl="5" marR="0" rtl="0" algn="l">
+    <a:lvl6pPr marR="0" lvl="5" algn="l" rtl="0">
       <a:lnSpc>
         <a:spcPct val="100000"/>
       </a:lnSpc>
@@ -169,7 +169,7 @@
         <a:spcPts val="0"/>
       </a:spcAft>
       <a:buNone/>
-      <a:defRPr b="0" i="0" sz="1400" u="none" cap="none" strike="noStrike">
+      <a:defRPr sz="1400" b="0" i="0" u="none" strike="noStrike" cap="none">
         <a:solidFill>
           <a:srgbClr val="000000"/>
         </a:solidFill>
@@ -180,7 +180,7 @@
         <a:rtl val="0"/>
       </a:defRPr>
     </a:lvl6pPr>
-    <a:lvl7pPr lvl="6" marR="0" rtl="0" algn="l">
+    <a:lvl7pPr marR="0" lvl="6" algn="l" rtl="0">
       <a:lnSpc>
         <a:spcPct val="100000"/>
       </a:lnSpc>
@@ -191,7 +191,7 @@
         <a:spcPts val="0"/>
       </a:spcAft>
       <a:buNone/>
-      <a:defRPr b="0" i="0" sz="1400" u="none" cap="none" strike="noStrike">
+      <a:defRPr sz="1400" b="0" i="0" u="none" strike="noStrike" cap="none">
         <a:solidFill>
           <a:srgbClr val="000000"/>
         </a:solidFill>
@@ -202,7 +202,7 @@
         <a:rtl val="0"/>
       </a:defRPr>
     </a:lvl7pPr>
-    <a:lvl8pPr lvl="7" marR="0" rtl="0" algn="l">
+    <a:lvl8pPr marR="0" lvl="7" algn="l" rtl="0">
       <a:lnSpc>
         <a:spcPct val="100000"/>
       </a:lnSpc>
@@ -213,7 +213,7 @@
         <a:spcPts val="0"/>
       </a:spcAft>
       <a:buNone/>
-      <a:defRPr b="0" i="0" sz="1400" u="none" cap="none" strike="noStrike">
+      <a:defRPr sz="1400" b="0" i="0" u="none" strike="noStrike" cap="none">
         <a:solidFill>
           <a:srgbClr val="000000"/>
         </a:solidFill>
@@ -224,7 +224,7 @@
         <a:rtl val="0"/>
       </a:defRPr>
     </a:lvl8pPr>
-    <a:lvl9pPr lvl="8" marR="0" rtl="0" algn="l">
+    <a:lvl9pPr marR="0" lvl="8" algn="l" rtl="0">
       <a:lnSpc>
         <a:spcPct val="100000"/>
       </a:lnSpc>
@@ -235,7 +235,7 @@
         <a:spcPts val="0"/>
       </a:spcAft>
       <a:buNone/>
-      <a:defRPr b="0" i="0" sz="1400" u="none" cap="none" strike="noStrike">
+      <a:defRPr sz="1400" b="0" i="0" u="none" strike="noStrike" cap="none">
         <a:solidFill>
           <a:srgbClr val="000000"/>
         </a:solidFill>
@@ -250,12 +250,17 @@
 </p:presentation>
 </file>
 
-<file path=ppt/notesMasters/notesMaster.xml><?xml version="1.0" encoding="utf-8"?>
-<p:notesMaster xmlns:a="http://schemas.openxmlformats.org/drawingml/2006/main" xmlns:r="http://schemas.openxmlformats.org/officeDocument/2006/relationships" xmlns:mc="http://schemas.openxmlformats.org/markup-compatibility/2006" xmlns:mv="urn:schemas-microsoft-com:mac:vml" xmlns:p="http://schemas.openxmlformats.org/presentationml/2006/main" xmlns:c="http://schemas.openxmlformats.org/drawingml/2006/chart" xmlns:dgm="http://schemas.openxmlformats.org/drawingml/2006/diagram" xmlns:o="urn:schemas-microsoft-com:office:office" xmlns:v="urn:schemas-microsoft-com:vml" xmlns:pvml="urn:schemas-microsoft-com:office:powerpoint" xmlns:com="http://schemas.openxmlformats.org/drawingml/2006/compatibility" xmlns:p14="http://schemas.microsoft.com/office/powerpoint/2010/main">
+<file path=ppt/notesMasters/notesMaster1.xml><?xml version="1.0" encoding="utf-8"?>
+<p:notesMaster xmlns:a="http://schemas.openxmlformats.org/drawingml/2006/main" xmlns:r="http://schemas.openxmlformats.org/officeDocument/2006/relationships" xmlns:p="http://schemas.openxmlformats.org/presentationml/2006/main">
   <p:cSld>
+    <p:bg>
+      <p:bgRef idx="1001">
+        <a:schemeClr val="bg1"/>
+      </p:bgRef>
+    </p:bg>
     <p:spTree>
       <p:nvGrpSpPr>
-        <p:cNvPr id="2" name="Shape 2"/>
+        <p:cNvPr id="1" name="Shape 2"/>
         <p:cNvGrpSpPr/>
         <p:nvPr/>
       </p:nvGrpSpPr>
@@ -270,9 +275,11 @@
       <p:sp>
         <p:nvSpPr>
           <p:cNvPr id="3" name="Shape 3"/>
-          <p:cNvSpPr/>
+          <p:cNvSpPr>
+            <a:spLocks noGrp="1" noRot="1" noChangeAspect="1"/>
+          </p:cNvSpPr>
           <p:nvPr>
-            <p:ph idx="2" type="sldImg"/>
+            <p:ph type="sldImg" idx="2"/>
           </p:nvPr>
         </p:nvSpPr>
         <p:spPr>
@@ -281,8 +288,13 @@
             <a:ext cx="6096075" cy="3429000"/>
           </a:xfrm>
           <a:custGeom>
+            <a:avLst/>
+            <a:gdLst/>
+            <a:ahLst/>
+            <a:cxnLst/>
+            <a:rect l="0" t="0" r="0" b="0"/>
             <a:pathLst>
-              <a:path extrusionOk="0" h="120000" w="120000">
+              <a:path w="120000" h="120000" extrusionOk="0">
                 <a:moveTo>
                   <a:pt x="0" y="0"/>
                 </a:moveTo>
@@ -300,23 +312,25 @@
             </a:pathLst>
           </a:custGeom>
           <a:noFill/>
-          <a:ln cap="flat" cmpd="sng" w="9525">
+          <a:ln w="9525" cap="flat" cmpd="sng">
             <a:solidFill>
               <a:srgbClr val="000000"/>
             </a:solidFill>
             <a:prstDash val="solid"/>
             <a:round/>
-            <a:headEnd len="med" w="med" type="none"/>
-            <a:tailEnd len="med" w="med" type="none"/>
+            <a:headEnd type="none" w="med" len="med"/>
+            <a:tailEnd type="none" w="med" len="med"/>
           </a:ln>
         </p:spPr>
       </p:sp>
       <p:sp>
         <p:nvSpPr>
           <p:cNvPr id="4" name="Shape 4"/>
-          <p:cNvSpPr txBox="1"/>
+          <p:cNvSpPr txBox="1">
+            <a:spLocks noGrp="1"/>
+          </p:cNvSpPr>
           <p:nvPr>
-            <p:ph idx="1" type="body"/>
+            <p:ph type="body" idx="1"/>
           </p:nvPr>
         </p:nvSpPr>
         <p:spPr>
@@ -333,7 +347,7 @@
           </a:ln>
         </p:spPr>
         <p:txBody>
-          <a:bodyPr anchorCtr="0" anchor="t" bIns="91425" lIns="91425" rIns="91425" tIns="91425"/>
+          <a:bodyPr lIns="91425" tIns="91425" rIns="91425" bIns="91425" anchor="t" anchorCtr="0"/>
           <a:lstStyle>
             <a:lvl1pPr lvl="0">
               <a:spcBef>
@@ -390,21 +404,120 @@
               <a:defRPr sz="1100"/>
             </a:lvl9pPr>
           </a:lstStyle>
-          <a:p/>
+          <a:p>
+            <a:endParaRPr/>
+          </a:p>
         </p:txBody>
       </p:sp>
     </p:spTree>
+    <p:extLst>
+      <p:ext uri="{BB962C8B-B14F-4D97-AF65-F5344CB8AC3E}">
+        <p14:creationId xmlns:p14="http://schemas.microsoft.com/office/powerpoint/2010/main" val="1424022452"/>
+      </p:ext>
+    </p:extLst>
   </p:cSld>
-  <p:clrMap accent1="accent1" accent2="accent2" accent3="accent3" accent4="accent4" accent5="accent5" accent6="accent6" bg1="lt1" bg2="dk2" tx1="dk1" tx2="lt2" folHlink="folHlink" hlink="hlink"/>
+  <p:clrMap bg1="lt1" tx1="dk1" bg2="dk2" tx2="lt2" accent1="accent1" accent2="accent2" accent3="accent3" accent4="accent4" accent5="accent5" accent6="accent6" hlink="hlink" folHlink="folHlink"/>
+  <p:notesStyle>
+    <a:lvl1pPr marL="0" algn="l" defTabSz="914400" rtl="0" eaLnBrk="1" latinLnBrk="0" hangingPunct="1">
+      <a:defRPr sz="1200" kern="1200">
+        <a:solidFill>
+          <a:schemeClr val="tx1"/>
+        </a:solidFill>
+        <a:latin typeface="+mn-lt"/>
+        <a:ea typeface="+mn-ea"/>
+        <a:cs typeface="+mn-cs"/>
+      </a:defRPr>
+    </a:lvl1pPr>
+    <a:lvl2pPr marL="457200" algn="l" defTabSz="914400" rtl="0" eaLnBrk="1" latinLnBrk="0" hangingPunct="1">
+      <a:defRPr sz="1200" kern="1200">
+        <a:solidFill>
+          <a:schemeClr val="tx1"/>
+        </a:solidFill>
+        <a:latin typeface="+mn-lt"/>
+        <a:ea typeface="+mn-ea"/>
+        <a:cs typeface="+mn-cs"/>
+      </a:defRPr>
+    </a:lvl2pPr>
+    <a:lvl3pPr marL="914400" algn="l" defTabSz="914400" rtl="0" eaLnBrk="1" latinLnBrk="0" hangingPunct="1">
+      <a:defRPr sz="1200" kern="1200">
+        <a:solidFill>
+          <a:schemeClr val="tx1"/>
+        </a:solidFill>
+        <a:latin typeface="+mn-lt"/>
+        <a:ea typeface="+mn-ea"/>
+        <a:cs typeface="+mn-cs"/>
+      </a:defRPr>
+    </a:lvl3pPr>
+    <a:lvl4pPr marL="1371600" algn="l" defTabSz="914400" rtl="0" eaLnBrk="1" latinLnBrk="0" hangingPunct="1">
+      <a:defRPr sz="1200" kern="1200">
+        <a:solidFill>
+          <a:schemeClr val="tx1"/>
+        </a:solidFill>
+        <a:latin typeface="+mn-lt"/>
+        <a:ea typeface="+mn-ea"/>
+        <a:cs typeface="+mn-cs"/>
+      </a:defRPr>
+    </a:lvl4pPr>
+    <a:lvl5pPr marL="1828800" algn="l" defTabSz="914400" rtl="0" eaLnBrk="1" latinLnBrk="0" hangingPunct="1">
+      <a:defRPr sz="1200" kern="1200">
+        <a:solidFill>
+          <a:schemeClr val="tx1"/>
+        </a:solidFill>
+        <a:latin typeface="+mn-lt"/>
+        <a:ea typeface="+mn-ea"/>
+        <a:cs typeface="+mn-cs"/>
+      </a:defRPr>
+    </a:lvl5pPr>
+    <a:lvl6pPr marL="2286000" algn="l" defTabSz="914400" rtl="0" eaLnBrk="1" latinLnBrk="0" hangingPunct="1">
+      <a:defRPr sz="1200" kern="1200">
+        <a:solidFill>
+          <a:schemeClr val="tx1"/>
+        </a:solidFill>
+        <a:latin typeface="+mn-lt"/>
+        <a:ea typeface="+mn-ea"/>
+        <a:cs typeface="+mn-cs"/>
+      </a:defRPr>
+    </a:lvl6pPr>
+    <a:lvl7pPr marL="2743200" algn="l" defTabSz="914400" rtl="0" eaLnBrk="1" latinLnBrk="0" hangingPunct="1">
+      <a:defRPr sz="1200" kern="1200">
+        <a:solidFill>
+          <a:schemeClr val="tx1"/>
+        </a:solidFill>
+        <a:latin typeface="+mn-lt"/>
+        <a:ea typeface="+mn-ea"/>
+        <a:cs typeface="+mn-cs"/>
+      </a:defRPr>
+    </a:lvl7pPr>
+    <a:lvl8pPr marL="3200400" algn="l" defTabSz="914400" rtl="0" eaLnBrk="1" latinLnBrk="0" hangingPunct="1">
+      <a:defRPr sz="1200" kern="1200">
+        <a:solidFill>
+          <a:schemeClr val="tx1"/>
+        </a:solidFill>
+        <a:latin typeface="+mn-lt"/>
+        <a:ea typeface="+mn-ea"/>
+        <a:cs typeface="+mn-cs"/>
+      </a:defRPr>
+    </a:lvl8pPr>
+    <a:lvl9pPr marL="3657600" algn="l" defTabSz="914400" rtl="0" eaLnBrk="1" latinLnBrk="0" hangingPunct="1">
+      <a:defRPr sz="1200" kern="1200">
+        <a:solidFill>
+          <a:schemeClr val="tx1"/>
+        </a:solidFill>
+        <a:latin typeface="+mn-lt"/>
+        <a:ea typeface="+mn-ea"/>
+        <a:cs typeface="+mn-cs"/>
+      </a:defRPr>
+    </a:lvl9pPr>
+  </p:notesStyle>
 </p:notesMaster>
 </file>
 
-<file path=ppt/notesSlides/notesSlide.xml><?xml version="1.0" encoding="utf-8"?>
-<p:notes xmlns:a="http://schemas.openxmlformats.org/drawingml/2006/main" xmlns:r="http://schemas.openxmlformats.org/officeDocument/2006/relationships" xmlns:mc="http://schemas.openxmlformats.org/markup-compatibility/2006" xmlns:mv="urn:schemas-microsoft-com:mac:vml" xmlns:p="http://schemas.openxmlformats.org/presentationml/2006/main" xmlns:c="http://schemas.openxmlformats.org/drawingml/2006/chart" xmlns:dgm="http://schemas.openxmlformats.org/drawingml/2006/diagram" xmlns:o="urn:schemas-microsoft-com:office:office" xmlns:v="urn:schemas-microsoft-com:vml" xmlns:pvml="urn:schemas-microsoft-com:office:powerpoint" xmlns:com="http://schemas.openxmlformats.org/drawingml/2006/compatibility" xmlns:p14="http://schemas.microsoft.com/office/powerpoint/2010/main" showMasterPhAnim="0" showMasterSp="0">
+<file path=ppt/notesSlides/notesSlide1.xml><?xml version="1.0" encoding="utf-8"?>
+<p:notes xmlns:a="http://schemas.openxmlformats.org/drawingml/2006/main" xmlns:r="http://schemas.openxmlformats.org/officeDocument/2006/relationships" xmlns:p="http://schemas.openxmlformats.org/presentationml/2006/main" showMasterSp="0" showMasterPhAnim="0">
   <p:cSld>
     <p:spTree>
       <p:nvGrpSpPr>
-        <p:cNvPr id="63" name="Shape 63"/>
+        <p:cNvPr id="1" name="Shape 63"/>
         <p:cNvGrpSpPr/>
         <p:nvPr/>
       </p:nvGrpSpPr>
@@ -419,9 +532,11 @@
       <p:sp>
         <p:nvSpPr>
           <p:cNvPr id="64" name="Shape 64"/>
-          <p:cNvSpPr/>
+          <p:cNvSpPr>
+            <a:spLocks noGrp="1" noRot="1" noChangeAspect="1"/>
+          </p:cNvSpPr>
           <p:nvPr>
-            <p:ph idx="2" type="sldImg"/>
+            <p:ph type="sldImg" idx="2"/>
           </p:nvPr>
         </p:nvSpPr>
         <p:spPr>
@@ -430,8 +545,13 @@
             <a:ext cx="6096075" cy="3429000"/>
           </a:xfrm>
           <a:custGeom>
+            <a:avLst/>
+            <a:gdLst/>
+            <a:ahLst/>
+            <a:cxnLst/>
+            <a:rect l="0" t="0" r="0" b="0"/>
             <a:pathLst>
-              <a:path extrusionOk="0" h="120000" w="120000">
+              <a:path w="120000" h="120000" extrusionOk="0">
                 <a:moveTo>
                   <a:pt x="0" y="0"/>
                 </a:moveTo>
@@ -453,9 +573,11 @@
       <p:sp>
         <p:nvSpPr>
           <p:cNvPr id="65" name="Shape 65"/>
-          <p:cNvSpPr txBox="1"/>
+          <p:cNvSpPr txBox="1">
+            <a:spLocks noGrp="1"/>
+          </p:cNvSpPr>
           <p:nvPr>
-            <p:ph idx="1" type="body"/>
+            <p:ph type="body" idx="1"/>
           </p:nvPr>
         </p:nvSpPr>
         <p:spPr>
@@ -468,7 +590,7 @@
           </a:prstGeom>
         </p:spPr>
         <p:txBody>
-          <a:bodyPr anchorCtr="0" anchor="t" bIns="91425" lIns="91425" rIns="91425" tIns="91425">
+          <a:bodyPr lIns="91425" tIns="91425" rIns="91425" bIns="91425" anchor="t" anchorCtr="0">
             <a:noAutofit/>
           </a:bodyPr>
           <a:lstStyle/>
@@ -479,9 +601,6 @@
               </a:spcBef>
               <a:buNone/>
             </a:pPr>
-            <a:r>
-              <a:t/>
-            </a:r>
             <a:endParaRPr/>
           </a:p>
         </p:txBody>
@@ -494,12 +613,12 @@
 </p:notes>
 </file>
 
-<file path=ppt/notesSlides/notesSlide1.xml><?xml version="1.0" encoding="utf-8"?>
-<p:notes xmlns:a="http://schemas.openxmlformats.org/drawingml/2006/main" xmlns:r="http://schemas.openxmlformats.org/officeDocument/2006/relationships" xmlns:mc="http://schemas.openxmlformats.org/markup-compatibility/2006" xmlns:mv="urn:schemas-microsoft-com:mac:vml" xmlns:p="http://schemas.openxmlformats.org/presentationml/2006/main" xmlns:c="http://schemas.openxmlformats.org/drawingml/2006/chart" xmlns:dgm="http://schemas.openxmlformats.org/drawingml/2006/diagram" xmlns:o="urn:schemas-microsoft-com:office:office" xmlns:v="urn:schemas-microsoft-com:vml" xmlns:pvml="urn:schemas-microsoft-com:office:powerpoint" xmlns:com="http://schemas.openxmlformats.org/drawingml/2006/compatibility" xmlns:p14="http://schemas.microsoft.com/office/powerpoint/2010/main" showMasterPhAnim="0" showMasterSp="0">
+<file path=ppt/notesSlides/notesSlide10.xml><?xml version="1.0" encoding="utf-8"?>
+<p:notes xmlns:a="http://schemas.openxmlformats.org/drawingml/2006/main" xmlns:r="http://schemas.openxmlformats.org/officeDocument/2006/relationships" xmlns:p="http://schemas.openxmlformats.org/presentationml/2006/main" showMasterSp="0" showMasterPhAnim="0">
   <p:cSld>
     <p:spTree>
       <p:nvGrpSpPr>
-        <p:cNvPr id="70" name="Shape 70"/>
+        <p:cNvPr id="1" name="Shape 124"/>
         <p:cNvGrpSpPr/>
         <p:nvPr/>
       </p:nvGrpSpPr>
@@ -513,10 +632,12 @@
       </p:grpSpPr>
       <p:sp>
         <p:nvSpPr>
-          <p:cNvPr id="71" name="Shape 71"/>
-          <p:cNvSpPr/>
+          <p:cNvPr id="125" name="Shape 125"/>
+          <p:cNvSpPr>
+            <a:spLocks noGrp="1" noRot="1" noChangeAspect="1"/>
+          </p:cNvSpPr>
           <p:nvPr>
-            <p:ph idx="2" type="sldImg"/>
+            <p:ph type="sldImg" idx="2"/>
           </p:nvPr>
         </p:nvSpPr>
         <p:spPr>
@@ -525,8 +646,13 @@
             <a:ext cx="6096000" cy="3429000"/>
           </a:xfrm>
           <a:custGeom>
+            <a:avLst/>
+            <a:gdLst/>
+            <a:ahLst/>
+            <a:cxnLst/>
+            <a:rect l="0" t="0" r="0" b="0"/>
             <a:pathLst>
-              <a:path extrusionOk="0" h="120000" w="120000">
+              <a:path w="120000" h="120000" extrusionOk="0">
                 <a:moveTo>
                   <a:pt x="0" y="0"/>
                 </a:moveTo>
@@ -547,10 +673,12 @@
       </p:sp>
       <p:sp>
         <p:nvSpPr>
-          <p:cNvPr id="72" name="Shape 72"/>
-          <p:cNvSpPr txBox="1"/>
+          <p:cNvPr id="126" name="Shape 126"/>
+          <p:cNvSpPr txBox="1">
+            <a:spLocks noGrp="1"/>
+          </p:cNvSpPr>
           <p:nvPr>
-            <p:ph idx="1" type="body"/>
+            <p:ph type="body" idx="1"/>
           </p:nvPr>
         </p:nvSpPr>
         <p:spPr>
@@ -563,7 +691,7 @@
           </a:prstGeom>
         </p:spPr>
         <p:txBody>
-          <a:bodyPr anchorCtr="0" anchor="t" bIns="91425" lIns="91425" rIns="91425" tIns="91425">
+          <a:bodyPr lIns="91425" tIns="91425" rIns="91425" bIns="91425" anchor="t" anchorCtr="0">
             <a:noAutofit/>
           </a:bodyPr>
           <a:lstStyle/>
@@ -574,9 +702,6 @@
               </a:spcBef>
               <a:buNone/>
             </a:pPr>
-            <a:r>
-              <a:t/>
-            </a:r>
             <a:endParaRPr/>
           </a:p>
         </p:txBody>
@@ -589,12 +714,12 @@
 </p:notes>
 </file>
 
-<file path=ppt/notesSlides/notesSlide10.xml><?xml version="1.0" encoding="utf-8"?>
-<p:notes xmlns:a="http://schemas.openxmlformats.org/drawingml/2006/main" xmlns:r="http://schemas.openxmlformats.org/officeDocument/2006/relationships" xmlns:mc="http://schemas.openxmlformats.org/markup-compatibility/2006" xmlns:mv="urn:schemas-microsoft-com:mac:vml" xmlns:p="http://schemas.openxmlformats.org/presentationml/2006/main" xmlns:c="http://schemas.openxmlformats.org/drawingml/2006/chart" xmlns:dgm="http://schemas.openxmlformats.org/drawingml/2006/diagram" xmlns:o="urn:schemas-microsoft-com:office:office" xmlns:v="urn:schemas-microsoft-com:vml" xmlns:pvml="urn:schemas-microsoft-com:office:powerpoint" xmlns:com="http://schemas.openxmlformats.org/drawingml/2006/compatibility" xmlns:p14="http://schemas.microsoft.com/office/powerpoint/2010/main" showMasterPhAnim="0" showMasterSp="0">
+<file path=ppt/notesSlides/notesSlide11.xml><?xml version="1.0" encoding="utf-8"?>
+<p:notes xmlns:a="http://schemas.openxmlformats.org/drawingml/2006/main" xmlns:r="http://schemas.openxmlformats.org/officeDocument/2006/relationships" xmlns:p="http://schemas.openxmlformats.org/presentationml/2006/main" showMasterSp="0" showMasterPhAnim="0">
   <p:cSld>
     <p:spTree>
       <p:nvGrpSpPr>
-        <p:cNvPr id="131" name="Shape 131"/>
+        <p:cNvPr id="1" name="Shape 131"/>
         <p:cNvGrpSpPr/>
         <p:nvPr/>
       </p:nvGrpSpPr>
@@ -609,9 +734,11 @@
       <p:sp>
         <p:nvSpPr>
           <p:cNvPr id="132" name="Shape 132"/>
-          <p:cNvSpPr/>
+          <p:cNvSpPr>
+            <a:spLocks noGrp="1" noRot="1" noChangeAspect="1"/>
+          </p:cNvSpPr>
           <p:nvPr>
-            <p:ph idx="2" type="sldImg"/>
+            <p:ph type="sldImg" idx="2"/>
           </p:nvPr>
         </p:nvSpPr>
         <p:spPr>
@@ -620,8 +747,13 @@
             <a:ext cx="6096000" cy="3429000"/>
           </a:xfrm>
           <a:custGeom>
+            <a:avLst/>
+            <a:gdLst/>
+            <a:ahLst/>
+            <a:cxnLst/>
+            <a:rect l="0" t="0" r="0" b="0"/>
             <a:pathLst>
-              <a:path extrusionOk="0" h="120000" w="120000">
+              <a:path w="120000" h="120000" extrusionOk="0">
                 <a:moveTo>
                   <a:pt x="0" y="0"/>
                 </a:moveTo>
@@ -643,9 +775,11 @@
       <p:sp>
         <p:nvSpPr>
           <p:cNvPr id="133" name="Shape 133"/>
-          <p:cNvSpPr txBox="1"/>
+          <p:cNvSpPr txBox="1">
+            <a:spLocks noGrp="1"/>
+          </p:cNvSpPr>
           <p:nvPr>
-            <p:ph idx="1" type="body"/>
+            <p:ph type="body" idx="1"/>
           </p:nvPr>
         </p:nvSpPr>
         <p:spPr>
@@ -658,7 +792,7 @@
           </a:prstGeom>
         </p:spPr>
         <p:txBody>
-          <a:bodyPr anchorCtr="0" anchor="t" bIns="91425" lIns="91425" rIns="91425" tIns="91425">
+          <a:bodyPr lIns="91425" tIns="91425" rIns="91425" bIns="91425" anchor="t" anchorCtr="0">
             <a:noAutofit/>
           </a:bodyPr>
           <a:lstStyle/>
@@ -669,9 +803,6 @@
               </a:spcBef>
               <a:buNone/>
             </a:pPr>
-            <a:r>
-              <a:t/>
-            </a:r>
             <a:endParaRPr/>
           </a:p>
         </p:txBody>
@@ -684,12 +815,12 @@
 </p:notes>
 </file>
 
-<file path=ppt/notesSlides/notesSlide11.xml><?xml version="1.0" encoding="utf-8"?>
-<p:notes xmlns:a="http://schemas.openxmlformats.org/drawingml/2006/main" xmlns:r="http://schemas.openxmlformats.org/officeDocument/2006/relationships" xmlns:mc="http://schemas.openxmlformats.org/markup-compatibility/2006" xmlns:mv="urn:schemas-microsoft-com:mac:vml" xmlns:p="http://schemas.openxmlformats.org/presentationml/2006/main" xmlns:c="http://schemas.openxmlformats.org/drawingml/2006/chart" xmlns:dgm="http://schemas.openxmlformats.org/drawingml/2006/diagram" xmlns:o="urn:schemas-microsoft-com:office:office" xmlns:v="urn:schemas-microsoft-com:vml" xmlns:pvml="urn:schemas-microsoft-com:office:powerpoint" xmlns:com="http://schemas.openxmlformats.org/drawingml/2006/compatibility" xmlns:p14="http://schemas.microsoft.com/office/powerpoint/2010/main" showMasterPhAnim="0" showMasterSp="0">
+<file path=ppt/notesSlides/notesSlide12.xml><?xml version="1.0" encoding="utf-8"?>
+<p:notes xmlns:a="http://schemas.openxmlformats.org/drawingml/2006/main" xmlns:r="http://schemas.openxmlformats.org/officeDocument/2006/relationships" xmlns:p="http://schemas.openxmlformats.org/presentationml/2006/main" showMasterSp="0" showMasterPhAnim="0">
   <p:cSld>
     <p:spTree>
       <p:nvGrpSpPr>
-        <p:cNvPr id="137" name="Shape 137"/>
+        <p:cNvPr id="1" name="Shape 137"/>
         <p:cNvGrpSpPr/>
         <p:nvPr/>
       </p:nvGrpSpPr>
@@ -704,9 +835,11 @@
       <p:sp>
         <p:nvSpPr>
           <p:cNvPr id="138" name="Shape 138"/>
-          <p:cNvSpPr/>
+          <p:cNvSpPr>
+            <a:spLocks noGrp="1" noRot="1" noChangeAspect="1"/>
+          </p:cNvSpPr>
           <p:nvPr>
-            <p:ph idx="2" type="sldImg"/>
+            <p:ph type="sldImg" idx="2"/>
           </p:nvPr>
         </p:nvSpPr>
         <p:spPr>
@@ -715,8 +848,13 @@
             <a:ext cx="6096000" cy="3429000"/>
           </a:xfrm>
           <a:custGeom>
+            <a:avLst/>
+            <a:gdLst/>
+            <a:ahLst/>
+            <a:cxnLst/>
+            <a:rect l="0" t="0" r="0" b="0"/>
             <a:pathLst>
-              <a:path extrusionOk="0" h="120000" w="120000">
+              <a:path w="120000" h="120000" extrusionOk="0">
                 <a:moveTo>
                   <a:pt x="0" y="0"/>
                 </a:moveTo>
@@ -738,9 +876,11 @@
       <p:sp>
         <p:nvSpPr>
           <p:cNvPr id="139" name="Shape 139"/>
-          <p:cNvSpPr txBox="1"/>
+          <p:cNvSpPr txBox="1">
+            <a:spLocks noGrp="1"/>
+          </p:cNvSpPr>
           <p:nvPr>
-            <p:ph idx="1" type="body"/>
+            <p:ph type="body" idx="1"/>
           </p:nvPr>
         </p:nvSpPr>
         <p:spPr>
@@ -753,7 +893,7 @@
           </a:prstGeom>
         </p:spPr>
         <p:txBody>
-          <a:bodyPr anchorCtr="0" anchor="t" bIns="91425" lIns="91425" rIns="91425" tIns="91425">
+          <a:bodyPr lIns="91425" tIns="91425" rIns="91425" bIns="91425" anchor="t" anchorCtr="0">
             <a:noAutofit/>
           </a:bodyPr>
           <a:lstStyle/>
@@ -764,9 +904,6 @@
               </a:spcBef>
               <a:buNone/>
             </a:pPr>
-            <a:r>
-              <a:t/>
-            </a:r>
             <a:endParaRPr/>
           </a:p>
         </p:txBody>
@@ -779,12 +916,12 @@
 </p:notes>
 </file>
 
-<file path=ppt/notesSlides/notesSlide12.xml><?xml version="1.0" encoding="utf-8"?>
-<p:notes xmlns:a="http://schemas.openxmlformats.org/drawingml/2006/main" xmlns:r="http://schemas.openxmlformats.org/officeDocument/2006/relationships" xmlns:mc="http://schemas.openxmlformats.org/markup-compatibility/2006" xmlns:mv="urn:schemas-microsoft-com:mac:vml" xmlns:p="http://schemas.openxmlformats.org/presentationml/2006/main" xmlns:c="http://schemas.openxmlformats.org/drawingml/2006/chart" xmlns:dgm="http://schemas.openxmlformats.org/drawingml/2006/diagram" xmlns:o="urn:schemas-microsoft-com:office:office" xmlns:v="urn:schemas-microsoft-com:vml" xmlns:pvml="urn:schemas-microsoft-com:office:powerpoint" xmlns:com="http://schemas.openxmlformats.org/drawingml/2006/compatibility" xmlns:p14="http://schemas.microsoft.com/office/powerpoint/2010/main" showMasterPhAnim="0" showMasterSp="0">
+<file path=ppt/notesSlides/notesSlide13.xml><?xml version="1.0" encoding="utf-8"?>
+<p:notes xmlns:a="http://schemas.openxmlformats.org/drawingml/2006/main" xmlns:r="http://schemas.openxmlformats.org/officeDocument/2006/relationships" xmlns:p="http://schemas.openxmlformats.org/presentationml/2006/main" showMasterSp="0" showMasterPhAnim="0">
   <p:cSld>
     <p:spTree>
       <p:nvGrpSpPr>
-        <p:cNvPr id="142" name="Shape 142"/>
+        <p:cNvPr id="1" name="Shape 142"/>
         <p:cNvGrpSpPr/>
         <p:nvPr/>
       </p:nvGrpSpPr>
@@ -799,9 +936,11 @@
       <p:sp>
         <p:nvSpPr>
           <p:cNvPr id="143" name="Shape 143"/>
-          <p:cNvSpPr/>
+          <p:cNvSpPr>
+            <a:spLocks noGrp="1" noRot="1" noChangeAspect="1"/>
+          </p:cNvSpPr>
           <p:nvPr>
-            <p:ph idx="2" type="sldImg"/>
+            <p:ph type="sldImg" idx="2"/>
           </p:nvPr>
         </p:nvSpPr>
         <p:spPr>
@@ -810,8 +949,13 @@
             <a:ext cx="6096000" cy="3429000"/>
           </a:xfrm>
           <a:custGeom>
+            <a:avLst/>
+            <a:gdLst/>
+            <a:ahLst/>
+            <a:cxnLst/>
+            <a:rect l="0" t="0" r="0" b="0"/>
             <a:pathLst>
-              <a:path extrusionOk="0" h="120000" w="120000">
+              <a:path w="120000" h="120000" extrusionOk="0">
                 <a:moveTo>
                   <a:pt x="0" y="0"/>
                 </a:moveTo>
@@ -833,9 +977,11 @@
       <p:sp>
         <p:nvSpPr>
           <p:cNvPr id="144" name="Shape 144"/>
-          <p:cNvSpPr txBox="1"/>
+          <p:cNvSpPr txBox="1">
+            <a:spLocks noGrp="1"/>
+          </p:cNvSpPr>
           <p:nvPr>
-            <p:ph idx="1" type="body"/>
+            <p:ph type="body" idx="1"/>
           </p:nvPr>
         </p:nvSpPr>
         <p:spPr>
@@ -848,7 +994,7 @@
           </a:prstGeom>
         </p:spPr>
         <p:txBody>
-          <a:bodyPr anchorCtr="0" anchor="t" bIns="91425" lIns="91425" rIns="91425" tIns="91425">
+          <a:bodyPr lIns="91425" tIns="91425" rIns="91425" bIns="91425" anchor="t" anchorCtr="0">
             <a:noAutofit/>
           </a:bodyPr>
           <a:lstStyle/>
@@ -859,9 +1005,6 @@
               </a:spcBef>
               <a:buNone/>
             </a:pPr>
-            <a:r>
-              <a:t/>
-            </a:r>
             <a:endParaRPr/>
           </a:p>
         </p:txBody>
@@ -874,12 +1017,12 @@
 </p:notes>
 </file>
 
-<file path=ppt/notesSlides/notesSlide13.xml><?xml version="1.0" encoding="utf-8"?>
-<p:notes xmlns:a="http://schemas.openxmlformats.org/drawingml/2006/main" xmlns:r="http://schemas.openxmlformats.org/officeDocument/2006/relationships" xmlns:mc="http://schemas.openxmlformats.org/markup-compatibility/2006" xmlns:mv="urn:schemas-microsoft-com:mac:vml" xmlns:p="http://schemas.openxmlformats.org/presentationml/2006/main" xmlns:c="http://schemas.openxmlformats.org/drawingml/2006/chart" xmlns:dgm="http://schemas.openxmlformats.org/drawingml/2006/diagram" xmlns:o="urn:schemas-microsoft-com:office:office" xmlns:v="urn:schemas-microsoft-com:vml" xmlns:pvml="urn:schemas-microsoft-com:office:powerpoint" xmlns:com="http://schemas.openxmlformats.org/drawingml/2006/compatibility" xmlns:p14="http://schemas.microsoft.com/office/powerpoint/2010/main" showMasterPhAnim="0" showMasterSp="0">
+<file path=ppt/notesSlides/notesSlide14.xml><?xml version="1.0" encoding="utf-8"?>
+<p:notes xmlns:a="http://schemas.openxmlformats.org/drawingml/2006/main" xmlns:r="http://schemas.openxmlformats.org/officeDocument/2006/relationships" xmlns:p="http://schemas.openxmlformats.org/presentationml/2006/main" showMasterSp="0" showMasterPhAnim="0">
   <p:cSld>
     <p:spTree>
       <p:nvGrpSpPr>
-        <p:cNvPr id="148" name="Shape 148"/>
+        <p:cNvPr id="1" name="Shape 148"/>
         <p:cNvGrpSpPr/>
         <p:nvPr/>
       </p:nvGrpSpPr>
@@ -894,9 +1037,11 @@
       <p:sp>
         <p:nvSpPr>
           <p:cNvPr id="149" name="Shape 149"/>
-          <p:cNvSpPr/>
+          <p:cNvSpPr>
+            <a:spLocks noGrp="1" noRot="1" noChangeAspect="1"/>
+          </p:cNvSpPr>
           <p:nvPr>
-            <p:ph idx="2" type="sldImg"/>
+            <p:ph type="sldImg" idx="2"/>
           </p:nvPr>
         </p:nvSpPr>
         <p:spPr>
@@ -905,8 +1050,13 @@
             <a:ext cx="6096000" cy="3429000"/>
           </a:xfrm>
           <a:custGeom>
+            <a:avLst/>
+            <a:gdLst/>
+            <a:ahLst/>
+            <a:cxnLst/>
+            <a:rect l="0" t="0" r="0" b="0"/>
             <a:pathLst>
-              <a:path extrusionOk="0" h="120000" w="120000">
+              <a:path w="120000" h="120000" extrusionOk="0">
                 <a:moveTo>
                   <a:pt x="0" y="0"/>
                 </a:moveTo>
@@ -928,9 +1078,11 @@
       <p:sp>
         <p:nvSpPr>
           <p:cNvPr id="150" name="Shape 150"/>
-          <p:cNvSpPr txBox="1"/>
+          <p:cNvSpPr txBox="1">
+            <a:spLocks noGrp="1"/>
+          </p:cNvSpPr>
           <p:nvPr>
-            <p:ph idx="1" type="body"/>
+            <p:ph type="body" idx="1"/>
           </p:nvPr>
         </p:nvSpPr>
         <p:spPr>
@@ -943,7 +1095,7 @@
           </a:prstGeom>
         </p:spPr>
         <p:txBody>
-          <a:bodyPr anchorCtr="0" anchor="t" bIns="91425" lIns="91425" rIns="91425" tIns="91425">
+          <a:bodyPr lIns="91425" tIns="91425" rIns="91425" bIns="91425" anchor="t" anchorCtr="0">
             <a:noAutofit/>
           </a:bodyPr>
           <a:lstStyle/>
@@ -954,9 +1106,6 @@
               </a:spcBef>
               <a:buNone/>
             </a:pPr>
-            <a:r>
-              <a:t/>
-            </a:r>
             <a:endParaRPr/>
           </a:p>
         </p:txBody>
@@ -969,12 +1118,12 @@
 </p:notes>
 </file>
 
-<file path=ppt/notesSlides/notesSlide14.xml><?xml version="1.0" encoding="utf-8"?>
-<p:notes xmlns:a="http://schemas.openxmlformats.org/drawingml/2006/main" xmlns:r="http://schemas.openxmlformats.org/officeDocument/2006/relationships" xmlns:mc="http://schemas.openxmlformats.org/markup-compatibility/2006" xmlns:mv="urn:schemas-microsoft-com:mac:vml" xmlns:p="http://schemas.openxmlformats.org/presentationml/2006/main" xmlns:c="http://schemas.openxmlformats.org/drawingml/2006/chart" xmlns:dgm="http://schemas.openxmlformats.org/drawingml/2006/diagram" xmlns:o="urn:schemas-microsoft-com:office:office" xmlns:v="urn:schemas-microsoft-com:vml" xmlns:pvml="urn:schemas-microsoft-com:office:powerpoint" xmlns:com="http://schemas.openxmlformats.org/drawingml/2006/compatibility" xmlns:p14="http://schemas.microsoft.com/office/powerpoint/2010/main" showMasterPhAnim="0" showMasterSp="0">
+<file path=ppt/notesSlides/notesSlide15.xml><?xml version="1.0" encoding="utf-8"?>
+<p:notes xmlns:a="http://schemas.openxmlformats.org/drawingml/2006/main" xmlns:r="http://schemas.openxmlformats.org/officeDocument/2006/relationships" xmlns:p="http://schemas.openxmlformats.org/presentationml/2006/main" showMasterSp="0" showMasterPhAnim="0">
   <p:cSld>
     <p:spTree>
       <p:nvGrpSpPr>
-        <p:cNvPr id="154" name="Shape 154"/>
+        <p:cNvPr id="1" name="Shape 154"/>
         <p:cNvGrpSpPr/>
         <p:nvPr/>
       </p:nvGrpSpPr>
@@ -989,19 +1138,26 @@
       <p:sp>
         <p:nvSpPr>
           <p:cNvPr id="155" name="Shape 155"/>
-          <p:cNvSpPr/>
+          <p:cNvSpPr>
+            <a:spLocks noGrp="1" noRot="1" noChangeAspect="1"/>
+          </p:cNvSpPr>
           <p:nvPr>
-            <p:ph idx="2" type="sldImg"/>
+            <p:ph type="sldImg" idx="2"/>
           </p:nvPr>
         </p:nvSpPr>
         <p:spPr>
           <a:xfrm>
-            <a:off x="381300" y="685800"/>
+            <a:off x="381000" y="685800"/>
             <a:ext cx="6096000" cy="3429000"/>
           </a:xfrm>
           <a:custGeom>
+            <a:avLst/>
+            <a:gdLst/>
+            <a:ahLst/>
+            <a:cxnLst/>
+            <a:rect l="0" t="0" r="0" b="0"/>
             <a:pathLst>
-              <a:path extrusionOk="0" h="120000" w="120000">
+              <a:path w="120000" h="120000" extrusionOk="0">
                 <a:moveTo>
                   <a:pt x="0" y="0"/>
                 </a:moveTo>
@@ -1023,9 +1179,11 @@
       <p:sp>
         <p:nvSpPr>
           <p:cNvPr id="156" name="Shape 156"/>
-          <p:cNvSpPr txBox="1"/>
+          <p:cNvSpPr txBox="1">
+            <a:spLocks noGrp="1"/>
+          </p:cNvSpPr>
           <p:nvPr>
-            <p:ph idx="1" type="body"/>
+            <p:ph type="body" idx="1"/>
           </p:nvPr>
         </p:nvSpPr>
         <p:spPr>
@@ -1038,7 +1196,7 @@
           </a:prstGeom>
         </p:spPr>
         <p:txBody>
-          <a:bodyPr anchorCtr="0" anchor="t" bIns="91425" lIns="91425" rIns="91425" tIns="91425">
+          <a:bodyPr lIns="91425" tIns="91425" rIns="91425" bIns="91425" anchor="t" anchorCtr="0">
             <a:noAutofit/>
           </a:bodyPr>
           <a:lstStyle/>
@@ -1049,9 +1207,6 @@
               </a:spcBef>
               <a:buNone/>
             </a:pPr>
-            <a:r>
-              <a:t/>
-            </a:r>
             <a:endParaRPr/>
           </a:p>
         </p:txBody>
@@ -1064,12 +1219,12 @@
 </p:notes>
 </file>
 
-<file path=ppt/notesSlides/notesSlide15.xml><?xml version="1.0" encoding="utf-8"?>
-<p:notes xmlns:a="http://schemas.openxmlformats.org/drawingml/2006/main" xmlns:r="http://schemas.openxmlformats.org/officeDocument/2006/relationships" xmlns:mc="http://schemas.openxmlformats.org/markup-compatibility/2006" xmlns:mv="urn:schemas-microsoft-com:mac:vml" xmlns:p="http://schemas.openxmlformats.org/presentationml/2006/main" xmlns:c="http://schemas.openxmlformats.org/drawingml/2006/chart" xmlns:dgm="http://schemas.openxmlformats.org/drawingml/2006/diagram" xmlns:o="urn:schemas-microsoft-com:office:office" xmlns:v="urn:schemas-microsoft-com:vml" xmlns:pvml="urn:schemas-microsoft-com:office:powerpoint" xmlns:com="http://schemas.openxmlformats.org/drawingml/2006/compatibility" xmlns:p14="http://schemas.microsoft.com/office/powerpoint/2010/main" showMasterPhAnim="0" showMasterSp="0">
+<file path=ppt/notesSlides/notesSlide16.xml><?xml version="1.0" encoding="utf-8"?>
+<p:notes xmlns:a="http://schemas.openxmlformats.org/drawingml/2006/main" xmlns:r="http://schemas.openxmlformats.org/officeDocument/2006/relationships" xmlns:p="http://schemas.openxmlformats.org/presentationml/2006/main" showMasterSp="0" showMasterPhAnim="0">
   <p:cSld>
     <p:spTree>
       <p:nvGrpSpPr>
-        <p:cNvPr id="160" name="Shape 160"/>
+        <p:cNvPr id="1" name="Shape 160"/>
         <p:cNvGrpSpPr/>
         <p:nvPr/>
       </p:nvGrpSpPr>
@@ -1084,9 +1239,11 @@
       <p:sp>
         <p:nvSpPr>
           <p:cNvPr id="161" name="Shape 161"/>
-          <p:cNvSpPr/>
+          <p:cNvSpPr>
+            <a:spLocks noGrp="1" noRot="1" noChangeAspect="1"/>
+          </p:cNvSpPr>
           <p:nvPr>
-            <p:ph idx="2" type="sldImg"/>
+            <p:ph type="sldImg" idx="2"/>
           </p:nvPr>
         </p:nvSpPr>
         <p:spPr>
@@ -1095,8 +1252,13 @@
             <a:ext cx="6096000" cy="3429000"/>
           </a:xfrm>
           <a:custGeom>
+            <a:avLst/>
+            <a:gdLst/>
+            <a:ahLst/>
+            <a:cxnLst/>
+            <a:rect l="0" t="0" r="0" b="0"/>
             <a:pathLst>
-              <a:path extrusionOk="0" h="120000" w="120000">
+              <a:path w="120000" h="120000" extrusionOk="0">
                 <a:moveTo>
                   <a:pt x="0" y="0"/>
                 </a:moveTo>
@@ -1118,9 +1280,11 @@
       <p:sp>
         <p:nvSpPr>
           <p:cNvPr id="162" name="Shape 162"/>
-          <p:cNvSpPr txBox="1"/>
+          <p:cNvSpPr txBox="1">
+            <a:spLocks noGrp="1"/>
+          </p:cNvSpPr>
           <p:nvPr>
-            <p:ph idx="1" type="body"/>
+            <p:ph type="body" idx="1"/>
           </p:nvPr>
         </p:nvSpPr>
         <p:spPr>
@@ -1133,7 +1297,7 @@
           </a:prstGeom>
         </p:spPr>
         <p:txBody>
-          <a:bodyPr anchorCtr="0" anchor="t" bIns="91425" lIns="91425" rIns="91425" tIns="91425">
+          <a:bodyPr lIns="91425" tIns="91425" rIns="91425" bIns="91425" anchor="t" anchorCtr="0">
             <a:noAutofit/>
           </a:bodyPr>
           <a:lstStyle/>
@@ -1144,9 +1308,6 @@
               </a:spcBef>
               <a:buNone/>
             </a:pPr>
-            <a:r>
-              <a:t/>
-            </a:r>
             <a:endParaRPr/>
           </a:p>
         </p:txBody>
@@ -1160,11 +1321,11 @@
 </file>
 
 <file path=ppt/notesSlides/notesSlide2.xml><?xml version="1.0" encoding="utf-8"?>
-<p:notes xmlns:a="http://schemas.openxmlformats.org/drawingml/2006/main" xmlns:r="http://schemas.openxmlformats.org/officeDocument/2006/relationships" xmlns:mc="http://schemas.openxmlformats.org/markup-compatibility/2006" xmlns:mv="urn:schemas-microsoft-com:mac:vml" xmlns:p="http://schemas.openxmlformats.org/presentationml/2006/main" xmlns:c="http://schemas.openxmlformats.org/drawingml/2006/chart" xmlns:dgm="http://schemas.openxmlformats.org/drawingml/2006/diagram" xmlns:o="urn:schemas-microsoft-com:office:office" xmlns:v="urn:schemas-microsoft-com:vml" xmlns:pvml="urn:schemas-microsoft-com:office:powerpoint" xmlns:com="http://schemas.openxmlformats.org/drawingml/2006/compatibility" xmlns:p14="http://schemas.microsoft.com/office/powerpoint/2010/main" showMasterPhAnim="0" showMasterSp="0">
+<p:notes xmlns:a="http://schemas.openxmlformats.org/drawingml/2006/main" xmlns:r="http://schemas.openxmlformats.org/officeDocument/2006/relationships" xmlns:p="http://schemas.openxmlformats.org/presentationml/2006/main" showMasterSp="0" showMasterPhAnim="0">
   <p:cSld>
     <p:spTree>
       <p:nvGrpSpPr>
-        <p:cNvPr id="77" name="Shape 77"/>
+        <p:cNvPr id="1" name="Shape 70"/>
         <p:cNvGrpSpPr/>
         <p:nvPr/>
       </p:nvGrpSpPr>
@@ -1178,10 +1339,12 @@
       </p:grpSpPr>
       <p:sp>
         <p:nvSpPr>
-          <p:cNvPr id="78" name="Shape 78"/>
-          <p:cNvSpPr/>
+          <p:cNvPr id="71" name="Shape 71"/>
+          <p:cNvSpPr>
+            <a:spLocks noGrp="1" noRot="1" noChangeAspect="1"/>
+          </p:cNvSpPr>
           <p:nvPr>
-            <p:ph idx="2" type="sldImg"/>
+            <p:ph type="sldImg" idx="2"/>
           </p:nvPr>
         </p:nvSpPr>
         <p:spPr>
@@ -1190,8 +1353,13 @@
             <a:ext cx="6096000" cy="3429000"/>
           </a:xfrm>
           <a:custGeom>
+            <a:avLst/>
+            <a:gdLst/>
+            <a:ahLst/>
+            <a:cxnLst/>
+            <a:rect l="0" t="0" r="0" b="0"/>
             <a:pathLst>
-              <a:path extrusionOk="0" h="120000" w="120000">
+              <a:path w="120000" h="120000" extrusionOk="0">
                 <a:moveTo>
                   <a:pt x="0" y="0"/>
                 </a:moveTo>
@@ -1212,10 +1380,12 @@
       </p:sp>
       <p:sp>
         <p:nvSpPr>
-          <p:cNvPr id="79" name="Shape 79"/>
-          <p:cNvSpPr txBox="1"/>
+          <p:cNvPr id="72" name="Shape 72"/>
+          <p:cNvSpPr txBox="1">
+            <a:spLocks noGrp="1"/>
+          </p:cNvSpPr>
           <p:nvPr>
-            <p:ph idx="1" type="body"/>
+            <p:ph type="body" idx="1"/>
           </p:nvPr>
         </p:nvSpPr>
         <p:spPr>
@@ -1228,20 +1398,17 @@
           </a:prstGeom>
         </p:spPr>
         <p:txBody>
-          <a:bodyPr anchorCtr="0" anchor="t" bIns="91425" lIns="91425" rIns="91425" tIns="91425">
+          <a:bodyPr lIns="91425" tIns="91425" rIns="91425" bIns="91425" anchor="t" anchorCtr="0">
             <a:noAutofit/>
           </a:bodyPr>
           <a:lstStyle/>
           <a:p>
-            <a:pPr lvl="0" rtl="0">
+            <a:pPr lvl="0">
               <a:spcBef>
                 <a:spcPts val="0"/>
               </a:spcBef>
               <a:buNone/>
             </a:pPr>
-            <a:r>
-              <a:t/>
-            </a:r>
             <a:endParaRPr/>
           </a:p>
         </p:txBody>
@@ -1255,11 +1422,11 @@
 </file>
 
 <file path=ppt/notesSlides/notesSlide3.xml><?xml version="1.0" encoding="utf-8"?>
-<p:notes xmlns:a="http://schemas.openxmlformats.org/drawingml/2006/main" xmlns:r="http://schemas.openxmlformats.org/officeDocument/2006/relationships" xmlns:mc="http://schemas.openxmlformats.org/markup-compatibility/2006" xmlns:mv="urn:schemas-microsoft-com:mac:vml" xmlns:p="http://schemas.openxmlformats.org/presentationml/2006/main" xmlns:c="http://schemas.openxmlformats.org/drawingml/2006/chart" xmlns:dgm="http://schemas.openxmlformats.org/drawingml/2006/diagram" xmlns:o="urn:schemas-microsoft-com:office:office" xmlns:v="urn:schemas-microsoft-com:vml" xmlns:pvml="urn:schemas-microsoft-com:office:powerpoint" xmlns:com="http://schemas.openxmlformats.org/drawingml/2006/compatibility" xmlns:p14="http://schemas.microsoft.com/office/powerpoint/2010/main" showMasterPhAnim="0" showMasterSp="0">
+<p:notes xmlns:a="http://schemas.openxmlformats.org/drawingml/2006/main" xmlns:r="http://schemas.openxmlformats.org/officeDocument/2006/relationships" xmlns:p="http://schemas.openxmlformats.org/presentationml/2006/main" showMasterSp="0" showMasterPhAnim="0">
   <p:cSld>
     <p:spTree>
       <p:nvGrpSpPr>
-        <p:cNvPr id="84" name="Shape 84"/>
+        <p:cNvPr id="1" name="Shape 77"/>
         <p:cNvGrpSpPr/>
         <p:nvPr/>
       </p:nvGrpSpPr>
@@ -1273,10 +1440,12 @@
       </p:grpSpPr>
       <p:sp>
         <p:nvSpPr>
-          <p:cNvPr id="85" name="Shape 85"/>
-          <p:cNvSpPr/>
+          <p:cNvPr id="78" name="Shape 78"/>
+          <p:cNvSpPr>
+            <a:spLocks noGrp="1" noRot="1" noChangeAspect="1"/>
+          </p:cNvSpPr>
           <p:nvPr>
-            <p:ph idx="2" type="sldImg"/>
+            <p:ph type="sldImg" idx="2"/>
           </p:nvPr>
         </p:nvSpPr>
         <p:spPr>
@@ -1285,8 +1454,13 @@
             <a:ext cx="6096000" cy="3429000"/>
           </a:xfrm>
           <a:custGeom>
+            <a:avLst/>
+            <a:gdLst/>
+            <a:ahLst/>
+            <a:cxnLst/>
+            <a:rect l="0" t="0" r="0" b="0"/>
             <a:pathLst>
-              <a:path extrusionOk="0" h="120000" w="120000">
+              <a:path w="120000" h="120000" extrusionOk="0">
                 <a:moveTo>
                   <a:pt x="0" y="0"/>
                 </a:moveTo>
@@ -1307,10 +1481,12 @@
       </p:sp>
       <p:sp>
         <p:nvSpPr>
-          <p:cNvPr id="86" name="Shape 86"/>
-          <p:cNvSpPr txBox="1"/>
+          <p:cNvPr id="79" name="Shape 79"/>
+          <p:cNvSpPr txBox="1">
+            <a:spLocks noGrp="1"/>
+          </p:cNvSpPr>
           <p:nvPr>
-            <p:ph idx="1" type="body"/>
+            <p:ph type="body" idx="1"/>
           </p:nvPr>
         </p:nvSpPr>
         <p:spPr>
@@ -1323,20 +1499,17 @@
           </a:prstGeom>
         </p:spPr>
         <p:txBody>
-          <a:bodyPr anchorCtr="0" anchor="t" bIns="91425" lIns="91425" rIns="91425" tIns="91425">
+          <a:bodyPr lIns="91425" tIns="91425" rIns="91425" bIns="91425" anchor="t" anchorCtr="0">
             <a:noAutofit/>
           </a:bodyPr>
           <a:lstStyle/>
           <a:p>
-            <a:pPr lvl="0">
+            <a:pPr lvl="0" rtl="0">
               <a:spcBef>
                 <a:spcPts val="0"/>
               </a:spcBef>
               <a:buNone/>
             </a:pPr>
-            <a:r>
-              <a:t/>
-            </a:r>
             <a:endParaRPr/>
           </a:p>
         </p:txBody>
@@ -1350,11 +1523,11 @@
 </file>
 
 <file path=ppt/notesSlides/notesSlide4.xml><?xml version="1.0" encoding="utf-8"?>
-<p:notes xmlns:a="http://schemas.openxmlformats.org/drawingml/2006/main" xmlns:r="http://schemas.openxmlformats.org/officeDocument/2006/relationships" xmlns:mc="http://schemas.openxmlformats.org/markup-compatibility/2006" xmlns:mv="urn:schemas-microsoft-com:mac:vml" xmlns:p="http://schemas.openxmlformats.org/presentationml/2006/main" xmlns:c="http://schemas.openxmlformats.org/drawingml/2006/chart" xmlns:dgm="http://schemas.openxmlformats.org/drawingml/2006/diagram" xmlns:o="urn:schemas-microsoft-com:office:office" xmlns:v="urn:schemas-microsoft-com:vml" xmlns:pvml="urn:schemas-microsoft-com:office:powerpoint" xmlns:com="http://schemas.openxmlformats.org/drawingml/2006/compatibility" xmlns:p14="http://schemas.microsoft.com/office/powerpoint/2010/main" showMasterPhAnim="0" showMasterSp="0">
+<p:notes xmlns:a="http://schemas.openxmlformats.org/drawingml/2006/main" xmlns:r="http://schemas.openxmlformats.org/officeDocument/2006/relationships" xmlns:p="http://schemas.openxmlformats.org/presentationml/2006/main" showMasterSp="0" showMasterPhAnim="0">
   <p:cSld>
     <p:spTree>
       <p:nvGrpSpPr>
-        <p:cNvPr id="89" name="Shape 89"/>
+        <p:cNvPr id="1" name="Shape 84"/>
         <p:cNvGrpSpPr/>
         <p:nvPr/>
       </p:nvGrpSpPr>
@@ -1368,10 +1541,12 @@
       </p:grpSpPr>
       <p:sp>
         <p:nvSpPr>
-          <p:cNvPr id="90" name="Shape 90"/>
-          <p:cNvSpPr/>
+          <p:cNvPr id="85" name="Shape 85"/>
+          <p:cNvSpPr>
+            <a:spLocks noGrp="1" noRot="1" noChangeAspect="1"/>
+          </p:cNvSpPr>
           <p:nvPr>
-            <p:ph idx="2" type="sldImg"/>
+            <p:ph type="sldImg" idx="2"/>
           </p:nvPr>
         </p:nvSpPr>
         <p:spPr>
@@ -1380,8 +1555,13 @@
             <a:ext cx="6096000" cy="3429000"/>
           </a:xfrm>
           <a:custGeom>
+            <a:avLst/>
+            <a:gdLst/>
+            <a:ahLst/>
+            <a:cxnLst/>
+            <a:rect l="0" t="0" r="0" b="0"/>
             <a:pathLst>
-              <a:path extrusionOk="0" h="120000" w="120000">
+              <a:path w="120000" h="120000" extrusionOk="0">
                 <a:moveTo>
                   <a:pt x="0" y="0"/>
                 </a:moveTo>
@@ -1402,10 +1582,12 @@
       </p:sp>
       <p:sp>
         <p:nvSpPr>
-          <p:cNvPr id="91" name="Shape 91"/>
-          <p:cNvSpPr txBox="1"/>
+          <p:cNvPr id="86" name="Shape 86"/>
+          <p:cNvSpPr txBox="1">
+            <a:spLocks noGrp="1"/>
+          </p:cNvSpPr>
           <p:nvPr>
-            <p:ph idx="1" type="body"/>
+            <p:ph type="body" idx="1"/>
           </p:nvPr>
         </p:nvSpPr>
         <p:spPr>
@@ -1418,7 +1600,7 @@
           </a:prstGeom>
         </p:spPr>
         <p:txBody>
-          <a:bodyPr anchorCtr="0" anchor="t" bIns="91425" lIns="91425" rIns="91425" tIns="91425">
+          <a:bodyPr lIns="91425" tIns="91425" rIns="91425" bIns="91425" anchor="t" anchorCtr="0">
             <a:noAutofit/>
           </a:bodyPr>
           <a:lstStyle/>
@@ -1429,9 +1611,6 @@
               </a:spcBef>
               <a:buNone/>
             </a:pPr>
-            <a:r>
-              <a:t/>
-            </a:r>
             <a:endParaRPr/>
           </a:p>
         </p:txBody>
@@ -1445,11 +1624,11 @@
 </file>
 
 <file path=ppt/notesSlides/notesSlide5.xml><?xml version="1.0" encoding="utf-8"?>
-<p:notes xmlns:a="http://schemas.openxmlformats.org/drawingml/2006/main" xmlns:r="http://schemas.openxmlformats.org/officeDocument/2006/relationships" xmlns:mc="http://schemas.openxmlformats.org/markup-compatibility/2006" xmlns:mv="urn:schemas-microsoft-com:mac:vml" xmlns:p="http://schemas.openxmlformats.org/presentationml/2006/main" xmlns:c="http://schemas.openxmlformats.org/drawingml/2006/chart" xmlns:dgm="http://schemas.openxmlformats.org/drawingml/2006/diagram" xmlns:o="urn:schemas-microsoft-com:office:office" xmlns:v="urn:schemas-microsoft-com:vml" xmlns:pvml="urn:schemas-microsoft-com:office:powerpoint" xmlns:com="http://schemas.openxmlformats.org/drawingml/2006/compatibility" xmlns:p14="http://schemas.microsoft.com/office/powerpoint/2010/main" showMasterPhAnim="0" showMasterSp="0">
+<p:notes xmlns:a="http://schemas.openxmlformats.org/drawingml/2006/main" xmlns:r="http://schemas.openxmlformats.org/officeDocument/2006/relationships" xmlns:p="http://schemas.openxmlformats.org/presentationml/2006/main" showMasterSp="0" showMasterPhAnim="0">
   <p:cSld>
     <p:spTree>
       <p:nvGrpSpPr>
-        <p:cNvPr id="97" name="Shape 97"/>
+        <p:cNvPr id="1" name="Shape 89"/>
         <p:cNvGrpSpPr/>
         <p:nvPr/>
       </p:nvGrpSpPr>
@@ -1463,10 +1642,12 @@
       </p:grpSpPr>
       <p:sp>
         <p:nvSpPr>
-          <p:cNvPr id="98" name="Shape 98"/>
-          <p:cNvSpPr/>
+          <p:cNvPr id="90" name="Shape 90"/>
+          <p:cNvSpPr>
+            <a:spLocks noGrp="1" noRot="1" noChangeAspect="1"/>
+          </p:cNvSpPr>
           <p:nvPr>
-            <p:ph idx="2" type="sldImg"/>
+            <p:ph type="sldImg" idx="2"/>
           </p:nvPr>
         </p:nvSpPr>
         <p:spPr>
@@ -1475,8 +1656,13 @@
             <a:ext cx="6096000" cy="3429000"/>
           </a:xfrm>
           <a:custGeom>
+            <a:avLst/>
+            <a:gdLst/>
+            <a:ahLst/>
+            <a:cxnLst/>
+            <a:rect l="0" t="0" r="0" b="0"/>
             <a:pathLst>
-              <a:path extrusionOk="0" h="120000" w="120000">
+              <a:path w="120000" h="120000" extrusionOk="0">
                 <a:moveTo>
                   <a:pt x="0" y="0"/>
                 </a:moveTo>
@@ -1497,10 +1683,12 @@
       </p:sp>
       <p:sp>
         <p:nvSpPr>
-          <p:cNvPr id="99" name="Shape 99"/>
-          <p:cNvSpPr txBox="1"/>
+          <p:cNvPr id="91" name="Shape 91"/>
+          <p:cNvSpPr txBox="1">
+            <a:spLocks noGrp="1"/>
+          </p:cNvSpPr>
           <p:nvPr>
-            <p:ph idx="1" type="body"/>
+            <p:ph type="body" idx="1"/>
           </p:nvPr>
         </p:nvSpPr>
         <p:spPr>
@@ -1513,7 +1701,7 @@
           </a:prstGeom>
         </p:spPr>
         <p:txBody>
-          <a:bodyPr anchorCtr="0" anchor="t" bIns="91425" lIns="91425" rIns="91425" tIns="91425">
+          <a:bodyPr lIns="91425" tIns="91425" rIns="91425" bIns="91425" anchor="t" anchorCtr="0">
             <a:noAutofit/>
           </a:bodyPr>
           <a:lstStyle/>
@@ -1524,9 +1712,6 @@
               </a:spcBef>
               <a:buNone/>
             </a:pPr>
-            <a:r>
-              <a:t/>
-            </a:r>
             <a:endParaRPr/>
           </a:p>
         </p:txBody>
@@ -1540,11 +1725,11 @@
 </file>
 
 <file path=ppt/notesSlides/notesSlide6.xml><?xml version="1.0" encoding="utf-8"?>
-<p:notes xmlns:a="http://schemas.openxmlformats.org/drawingml/2006/main" xmlns:r="http://schemas.openxmlformats.org/officeDocument/2006/relationships" xmlns:mc="http://schemas.openxmlformats.org/markup-compatibility/2006" xmlns:mv="urn:schemas-microsoft-com:mac:vml" xmlns:p="http://schemas.openxmlformats.org/presentationml/2006/main" xmlns:c="http://schemas.openxmlformats.org/drawingml/2006/chart" xmlns:dgm="http://schemas.openxmlformats.org/drawingml/2006/diagram" xmlns:o="urn:schemas-microsoft-com:office:office" xmlns:v="urn:schemas-microsoft-com:vml" xmlns:pvml="urn:schemas-microsoft-com:office:powerpoint" xmlns:com="http://schemas.openxmlformats.org/drawingml/2006/compatibility" xmlns:p14="http://schemas.microsoft.com/office/powerpoint/2010/main" showMasterPhAnim="0" showMasterSp="0">
+<p:notes xmlns:a="http://schemas.openxmlformats.org/drawingml/2006/main" xmlns:r="http://schemas.openxmlformats.org/officeDocument/2006/relationships" xmlns:p="http://schemas.openxmlformats.org/presentationml/2006/main" showMasterSp="0" showMasterPhAnim="0">
   <p:cSld>
     <p:spTree>
       <p:nvGrpSpPr>
-        <p:cNvPr id="105" name="Shape 105"/>
+        <p:cNvPr id="1" name="Shape 97"/>
         <p:cNvGrpSpPr/>
         <p:nvPr/>
       </p:nvGrpSpPr>
@@ -1558,10 +1743,12 @@
       </p:grpSpPr>
       <p:sp>
         <p:nvSpPr>
-          <p:cNvPr id="106" name="Shape 106"/>
-          <p:cNvSpPr/>
+          <p:cNvPr id="98" name="Shape 98"/>
+          <p:cNvSpPr>
+            <a:spLocks noGrp="1" noRot="1" noChangeAspect="1"/>
+          </p:cNvSpPr>
           <p:nvPr>
-            <p:ph idx="2" type="sldImg"/>
+            <p:ph type="sldImg" idx="2"/>
           </p:nvPr>
         </p:nvSpPr>
         <p:spPr>
@@ -1570,8 +1757,13 @@
             <a:ext cx="6096000" cy="3429000"/>
           </a:xfrm>
           <a:custGeom>
+            <a:avLst/>
+            <a:gdLst/>
+            <a:ahLst/>
+            <a:cxnLst/>
+            <a:rect l="0" t="0" r="0" b="0"/>
             <a:pathLst>
-              <a:path extrusionOk="0" h="120000" w="120000">
+              <a:path w="120000" h="120000" extrusionOk="0">
                 <a:moveTo>
                   <a:pt x="0" y="0"/>
                 </a:moveTo>
@@ -1592,10 +1784,12 @@
       </p:sp>
       <p:sp>
         <p:nvSpPr>
-          <p:cNvPr id="107" name="Shape 107"/>
-          <p:cNvSpPr txBox="1"/>
+          <p:cNvPr id="99" name="Shape 99"/>
+          <p:cNvSpPr txBox="1">
+            <a:spLocks noGrp="1"/>
+          </p:cNvSpPr>
           <p:nvPr>
-            <p:ph idx="1" type="body"/>
+            <p:ph type="body" idx="1"/>
           </p:nvPr>
         </p:nvSpPr>
         <p:spPr>
@@ -1608,7 +1802,7 @@
           </a:prstGeom>
         </p:spPr>
         <p:txBody>
-          <a:bodyPr anchorCtr="0" anchor="t" bIns="91425" lIns="91425" rIns="91425" tIns="91425">
+          <a:bodyPr lIns="91425" tIns="91425" rIns="91425" bIns="91425" anchor="t" anchorCtr="0">
             <a:noAutofit/>
           </a:bodyPr>
           <a:lstStyle/>
@@ -1619,9 +1813,6 @@
               </a:spcBef>
               <a:buNone/>
             </a:pPr>
-            <a:r>
-              <a:t/>
-            </a:r>
             <a:endParaRPr/>
           </a:p>
         </p:txBody>
@@ -1635,11 +1826,11 @@
 </file>
 
 <file path=ppt/notesSlides/notesSlide7.xml><?xml version="1.0" encoding="utf-8"?>
-<p:notes xmlns:a="http://schemas.openxmlformats.org/drawingml/2006/main" xmlns:r="http://schemas.openxmlformats.org/officeDocument/2006/relationships" xmlns:mc="http://schemas.openxmlformats.org/markup-compatibility/2006" xmlns:mv="urn:schemas-microsoft-com:mac:vml" xmlns:p="http://schemas.openxmlformats.org/presentationml/2006/main" xmlns:c="http://schemas.openxmlformats.org/drawingml/2006/chart" xmlns:dgm="http://schemas.openxmlformats.org/drawingml/2006/diagram" xmlns:o="urn:schemas-microsoft-com:office:office" xmlns:v="urn:schemas-microsoft-com:vml" xmlns:pvml="urn:schemas-microsoft-com:office:powerpoint" xmlns:com="http://schemas.openxmlformats.org/drawingml/2006/compatibility" xmlns:p14="http://schemas.microsoft.com/office/powerpoint/2010/main" showMasterPhAnim="0" showMasterSp="0">
+<p:notes xmlns:a="http://schemas.openxmlformats.org/drawingml/2006/main" xmlns:r="http://schemas.openxmlformats.org/officeDocument/2006/relationships" xmlns:p="http://schemas.openxmlformats.org/presentationml/2006/main" showMasterSp="0" showMasterPhAnim="0">
   <p:cSld>
     <p:spTree>
       <p:nvGrpSpPr>
-        <p:cNvPr id="112" name="Shape 112"/>
+        <p:cNvPr id="1" name="Shape 105"/>
         <p:cNvGrpSpPr/>
         <p:nvPr/>
       </p:nvGrpSpPr>
@@ -1653,10 +1844,12 @@
       </p:grpSpPr>
       <p:sp>
         <p:nvSpPr>
-          <p:cNvPr id="113" name="Shape 113"/>
-          <p:cNvSpPr/>
+          <p:cNvPr id="106" name="Shape 106"/>
+          <p:cNvSpPr>
+            <a:spLocks noGrp="1" noRot="1" noChangeAspect="1"/>
+          </p:cNvSpPr>
           <p:nvPr>
-            <p:ph idx="2" type="sldImg"/>
+            <p:ph type="sldImg" idx="2"/>
           </p:nvPr>
         </p:nvSpPr>
         <p:spPr>
@@ -1665,8 +1858,13 @@
             <a:ext cx="6096000" cy="3429000"/>
           </a:xfrm>
           <a:custGeom>
+            <a:avLst/>
+            <a:gdLst/>
+            <a:ahLst/>
+            <a:cxnLst/>
+            <a:rect l="0" t="0" r="0" b="0"/>
             <a:pathLst>
-              <a:path extrusionOk="0" h="120000" w="120000">
+              <a:path w="120000" h="120000" extrusionOk="0">
                 <a:moveTo>
                   <a:pt x="0" y="0"/>
                 </a:moveTo>
@@ -1687,10 +1885,12 @@
       </p:sp>
       <p:sp>
         <p:nvSpPr>
-          <p:cNvPr id="114" name="Shape 114"/>
-          <p:cNvSpPr txBox="1"/>
+          <p:cNvPr id="107" name="Shape 107"/>
+          <p:cNvSpPr txBox="1">
+            <a:spLocks noGrp="1"/>
+          </p:cNvSpPr>
           <p:nvPr>
-            <p:ph idx="1" type="body"/>
+            <p:ph type="body" idx="1"/>
           </p:nvPr>
         </p:nvSpPr>
         <p:spPr>
@@ -1703,7 +1903,7 @@
           </a:prstGeom>
         </p:spPr>
         <p:txBody>
-          <a:bodyPr anchorCtr="0" anchor="t" bIns="91425" lIns="91425" rIns="91425" tIns="91425">
+          <a:bodyPr lIns="91425" tIns="91425" rIns="91425" bIns="91425" anchor="t" anchorCtr="0">
             <a:noAutofit/>
           </a:bodyPr>
           <a:lstStyle/>
@@ -1714,9 +1914,6 @@
               </a:spcBef>
               <a:buNone/>
             </a:pPr>
-            <a:r>
-              <a:t/>
-            </a:r>
             <a:endParaRPr/>
           </a:p>
         </p:txBody>
@@ -1730,11 +1927,11 @@
 </file>
 
 <file path=ppt/notesSlides/notesSlide8.xml><?xml version="1.0" encoding="utf-8"?>
-<p:notes xmlns:a="http://schemas.openxmlformats.org/drawingml/2006/main" xmlns:r="http://schemas.openxmlformats.org/officeDocument/2006/relationships" xmlns:mc="http://schemas.openxmlformats.org/markup-compatibility/2006" xmlns:mv="urn:schemas-microsoft-com:mac:vml" xmlns:p="http://schemas.openxmlformats.org/presentationml/2006/main" xmlns:c="http://schemas.openxmlformats.org/drawingml/2006/chart" xmlns:dgm="http://schemas.openxmlformats.org/drawingml/2006/diagram" xmlns:o="urn:schemas-microsoft-com:office:office" xmlns:v="urn:schemas-microsoft-com:vml" xmlns:pvml="urn:schemas-microsoft-com:office:powerpoint" xmlns:com="http://schemas.openxmlformats.org/drawingml/2006/compatibility" xmlns:p14="http://schemas.microsoft.com/office/powerpoint/2010/main" showMasterPhAnim="0" showMasterSp="0">
+<p:notes xmlns:a="http://schemas.openxmlformats.org/drawingml/2006/main" xmlns:r="http://schemas.openxmlformats.org/officeDocument/2006/relationships" xmlns:p="http://schemas.openxmlformats.org/presentationml/2006/main" showMasterSp="0" showMasterPhAnim="0">
   <p:cSld>
     <p:spTree>
       <p:nvGrpSpPr>
-        <p:cNvPr id="117" name="Shape 117"/>
+        <p:cNvPr id="1" name="Shape 112"/>
         <p:cNvGrpSpPr/>
         <p:nvPr/>
       </p:nvGrpSpPr>
@@ -1748,10 +1945,12 @@
       </p:grpSpPr>
       <p:sp>
         <p:nvSpPr>
-          <p:cNvPr id="118" name="Shape 118"/>
-          <p:cNvSpPr/>
+          <p:cNvPr id="113" name="Shape 113"/>
+          <p:cNvSpPr>
+            <a:spLocks noGrp="1" noRot="1" noChangeAspect="1"/>
+          </p:cNvSpPr>
           <p:nvPr>
-            <p:ph idx="2" type="sldImg"/>
+            <p:ph type="sldImg" idx="2"/>
           </p:nvPr>
         </p:nvSpPr>
         <p:spPr>
@@ -1760,8 +1959,13 @@
             <a:ext cx="6096000" cy="3429000"/>
           </a:xfrm>
           <a:custGeom>
+            <a:avLst/>
+            <a:gdLst/>
+            <a:ahLst/>
+            <a:cxnLst/>
+            <a:rect l="0" t="0" r="0" b="0"/>
             <a:pathLst>
-              <a:path extrusionOk="0" h="120000" w="120000">
+              <a:path w="120000" h="120000" extrusionOk="0">
                 <a:moveTo>
                   <a:pt x="0" y="0"/>
                 </a:moveTo>
@@ -1782,10 +1986,12 @@
       </p:sp>
       <p:sp>
         <p:nvSpPr>
-          <p:cNvPr id="119" name="Shape 119"/>
-          <p:cNvSpPr txBox="1"/>
+          <p:cNvPr id="114" name="Shape 114"/>
+          <p:cNvSpPr txBox="1">
+            <a:spLocks noGrp="1"/>
+          </p:cNvSpPr>
           <p:nvPr>
-            <p:ph idx="1" type="body"/>
+            <p:ph type="body" idx="1"/>
           </p:nvPr>
         </p:nvSpPr>
         <p:spPr>
@@ -1798,7 +2004,7 @@
           </a:prstGeom>
         </p:spPr>
         <p:txBody>
-          <a:bodyPr anchorCtr="0" anchor="t" bIns="91425" lIns="91425" rIns="91425" tIns="91425">
+          <a:bodyPr lIns="91425" tIns="91425" rIns="91425" bIns="91425" anchor="t" anchorCtr="0">
             <a:noAutofit/>
           </a:bodyPr>
           <a:lstStyle/>
@@ -1809,9 +2015,6 @@
               </a:spcBef>
               <a:buNone/>
             </a:pPr>
-            <a:r>
-              <a:t/>
-            </a:r>
             <a:endParaRPr/>
           </a:p>
         </p:txBody>
@@ -1825,11 +2028,11 @@
 </file>
 
 <file path=ppt/notesSlides/notesSlide9.xml><?xml version="1.0" encoding="utf-8"?>
-<p:notes xmlns:a="http://schemas.openxmlformats.org/drawingml/2006/main" xmlns:r="http://schemas.openxmlformats.org/officeDocument/2006/relationships" xmlns:mc="http://schemas.openxmlformats.org/markup-compatibility/2006" xmlns:mv="urn:schemas-microsoft-com:mac:vml" xmlns:p="http://schemas.openxmlformats.org/presentationml/2006/main" xmlns:c="http://schemas.openxmlformats.org/drawingml/2006/chart" xmlns:dgm="http://schemas.openxmlformats.org/drawingml/2006/diagram" xmlns:o="urn:schemas-microsoft-com:office:office" xmlns:v="urn:schemas-microsoft-com:vml" xmlns:pvml="urn:schemas-microsoft-com:office:powerpoint" xmlns:com="http://schemas.openxmlformats.org/drawingml/2006/compatibility" xmlns:p14="http://schemas.microsoft.com/office/powerpoint/2010/main" showMasterPhAnim="0" showMasterSp="0">
+<p:notes xmlns:a="http://schemas.openxmlformats.org/drawingml/2006/main" xmlns:r="http://schemas.openxmlformats.org/officeDocument/2006/relationships" xmlns:p="http://schemas.openxmlformats.org/presentationml/2006/main" showMasterSp="0" showMasterPhAnim="0">
   <p:cSld>
     <p:spTree>
       <p:nvGrpSpPr>
-        <p:cNvPr id="124" name="Shape 124"/>
+        <p:cNvPr id="1" name="Shape 117"/>
         <p:cNvGrpSpPr/>
         <p:nvPr/>
       </p:nvGrpSpPr>
@@ -1843,10 +2046,12 @@
       </p:grpSpPr>
       <p:sp>
         <p:nvSpPr>
-          <p:cNvPr id="125" name="Shape 125"/>
-          <p:cNvSpPr/>
+          <p:cNvPr id="118" name="Shape 118"/>
+          <p:cNvSpPr>
+            <a:spLocks noGrp="1" noRot="1" noChangeAspect="1"/>
+          </p:cNvSpPr>
           <p:nvPr>
-            <p:ph idx="2" type="sldImg"/>
+            <p:ph type="sldImg" idx="2"/>
           </p:nvPr>
         </p:nvSpPr>
         <p:spPr>
@@ -1855,8 +2060,13 @@
             <a:ext cx="6096000" cy="3429000"/>
           </a:xfrm>
           <a:custGeom>
+            <a:avLst/>
+            <a:gdLst/>
+            <a:ahLst/>
+            <a:cxnLst/>
+            <a:rect l="0" t="0" r="0" b="0"/>
             <a:pathLst>
-              <a:path extrusionOk="0" h="120000" w="120000">
+              <a:path w="120000" h="120000" extrusionOk="0">
                 <a:moveTo>
                   <a:pt x="0" y="0"/>
                 </a:moveTo>
@@ -1877,10 +2087,12 @@
       </p:sp>
       <p:sp>
         <p:nvSpPr>
-          <p:cNvPr id="126" name="Shape 126"/>
-          <p:cNvSpPr txBox="1"/>
+          <p:cNvPr id="119" name="Shape 119"/>
+          <p:cNvSpPr txBox="1">
+            <a:spLocks noGrp="1"/>
+          </p:cNvSpPr>
           <p:nvPr>
-            <p:ph idx="1" type="body"/>
+            <p:ph type="body" idx="1"/>
           </p:nvPr>
         </p:nvSpPr>
         <p:spPr>
@@ -1893,7 +2105,7 @@
           </a:prstGeom>
         </p:spPr>
         <p:txBody>
-          <a:bodyPr anchorCtr="0" anchor="t" bIns="91425" lIns="91425" rIns="91425" tIns="91425">
+          <a:bodyPr lIns="91425" tIns="91425" rIns="91425" bIns="91425" anchor="t" anchorCtr="0">
             <a:noAutofit/>
           </a:bodyPr>
           <a:lstStyle/>
@@ -1904,9 +2116,6 @@
               </a:spcBef>
               <a:buNone/>
             </a:pPr>
-            <a:r>
-              <a:t/>
-            </a:r>
             <a:endParaRPr/>
           </a:p>
         </p:txBody>
@@ -1919,12 +2128,12 @@
 </p:notes>
 </file>
 
-<file path=ppt/slideLayouts/slideLayout.xml><?xml version="1.0" encoding="utf-8"?>
-<p:sldLayout xmlns:a="http://schemas.openxmlformats.org/drawingml/2006/main" xmlns:r="http://schemas.openxmlformats.org/officeDocument/2006/relationships" xmlns:mc="http://schemas.openxmlformats.org/markup-compatibility/2006" xmlns:mv="urn:schemas-microsoft-com:mac:vml" xmlns:p="http://schemas.openxmlformats.org/presentationml/2006/main" xmlns:c="http://schemas.openxmlformats.org/drawingml/2006/chart" xmlns:dgm="http://schemas.openxmlformats.org/drawingml/2006/diagram" xmlns:o="urn:schemas-microsoft-com:office:office" xmlns:v="urn:schemas-microsoft-com:vml" xmlns:pvml="urn:schemas-microsoft-com:office:powerpoint" xmlns:com="http://schemas.openxmlformats.org/drawingml/2006/compatibility" xmlns:p14="http://schemas.microsoft.com/office/powerpoint/2010/main" type="title">
+<file path=ppt/slideLayouts/slideLayout1.xml><?xml version="1.0" encoding="utf-8"?>
+<p:sldLayout xmlns:a="http://schemas.openxmlformats.org/drawingml/2006/main" xmlns:r="http://schemas.openxmlformats.org/officeDocument/2006/relationships" xmlns:p="http://schemas.openxmlformats.org/presentationml/2006/main" type="title">
   <p:cSld name="Title slide">
     <p:spTree>
       <p:nvGrpSpPr>
-        <p:cNvPr id="9" name="Shape 9"/>
+        <p:cNvPr id="1" name="Shape 9"/>
         <p:cNvGrpSpPr/>
         <p:nvPr/>
       </p:nvGrpSpPr>
@@ -1958,7 +2167,7 @@
           </a:ln>
         </p:spPr>
         <p:txBody>
-          <a:bodyPr anchorCtr="0" anchor="ctr" bIns="91425" lIns="91425" rIns="91425" tIns="91425">
+          <a:bodyPr lIns="91425" tIns="91425" rIns="91425" bIns="91425" anchor="ctr" anchorCtr="0">
             <a:noAutofit/>
           </a:bodyPr>
           <a:lstStyle/>
@@ -1969,9 +2178,6 @@
               </a:spcBef>
               <a:buNone/>
             </a:pPr>
-            <a:r>
-              <a:t/>
-            </a:r>
             <a:endParaRPr/>
           </a:p>
         </p:txBody>
@@ -1989,7 +2195,7 @@
           </a:xfrm>
           <a:prstGeom prst="round1Rect">
             <a:avLst>
-              <a:gd fmla="val 16667" name="adj"/>
+              <a:gd name="adj" fmla="val 16667"/>
             </a:avLst>
           </a:prstGeom>
           <a:solidFill>
@@ -2002,7 +2208,7 @@
           </a:ln>
         </p:spPr>
         <p:txBody>
-          <a:bodyPr anchorCtr="0" anchor="ctr" bIns="91425" lIns="91425" rIns="91425" tIns="91425">
+          <a:bodyPr lIns="91425" tIns="91425" rIns="91425" bIns="91425" anchor="ctr" anchorCtr="0">
             <a:noAutofit/>
           </a:bodyPr>
           <a:lstStyle/>
@@ -2013,9 +2219,6 @@
               </a:spcBef>
               <a:buNone/>
             </a:pPr>
-            <a:r>
-              <a:t/>
-            </a:r>
             <a:endParaRPr/>
           </a:p>
         </p:txBody>
@@ -2023,7 +2226,9 @@
       <p:sp>
         <p:nvSpPr>
           <p:cNvPr id="12" name="Shape 12"/>
-          <p:cNvSpPr txBox="1"/>
+          <p:cNvSpPr txBox="1">
+            <a:spLocks noGrp="1"/>
+          </p:cNvSpPr>
           <p:nvPr>
             <p:ph type="ctrTitle"/>
           </p:nvPr>
@@ -2038,7 +2243,7 @@
           </a:prstGeom>
         </p:spPr>
         <p:txBody>
-          <a:bodyPr anchorCtr="0" anchor="b" bIns="91425" lIns="91425" rIns="91425" tIns="91425"/>
+          <a:bodyPr lIns="91425" tIns="91425" rIns="91425" bIns="91425" anchor="b" anchorCtr="0"/>
           <a:lstStyle>
             <a:lvl1pPr lvl="0">
               <a:spcBef>
@@ -2104,15 +2309,19 @@
               <a:defRPr sz="4800"/>
             </a:lvl9pPr>
           </a:lstStyle>
-          <a:p/>
+          <a:p>
+            <a:endParaRPr/>
+          </a:p>
         </p:txBody>
       </p:sp>
       <p:sp>
         <p:nvSpPr>
           <p:cNvPr id="13" name="Shape 13"/>
-          <p:cNvSpPr txBox="1"/>
+          <p:cNvSpPr txBox="1">
+            <a:spLocks noGrp="1"/>
+          </p:cNvSpPr>
           <p:nvPr>
-            <p:ph idx="1" type="subTitle"/>
+            <p:ph type="subTitle" idx="1"/>
           </p:nvPr>
         </p:nvSpPr>
         <p:spPr>
@@ -2125,7 +2334,7 @@
           </a:prstGeom>
         </p:spPr>
         <p:txBody>
-          <a:bodyPr anchorCtr="0" anchor="t" bIns="91425" lIns="91425" rIns="91425" tIns="91425"/>
+          <a:bodyPr lIns="91425" tIns="91425" rIns="91425" bIns="91425" anchor="t" anchorCtr="0"/>
           <a:lstStyle>
             <a:lvl1pPr lvl="0">
               <a:lnSpc>
@@ -2316,15 +2525,19 @@
               </a:defRPr>
             </a:lvl9pPr>
           </a:lstStyle>
-          <a:p/>
+          <a:p>
+            <a:endParaRPr/>
+          </a:p>
         </p:txBody>
       </p:sp>
       <p:sp>
         <p:nvSpPr>
           <p:cNvPr id="14" name="Shape 14"/>
-          <p:cNvSpPr txBox="1"/>
+          <p:cNvSpPr txBox="1">
+            <a:spLocks noGrp="1"/>
+          </p:cNvSpPr>
           <p:nvPr>
-            <p:ph idx="12" type="sldNum"/>
+            <p:ph type="sldNum" idx="12"/>
           </p:nvPr>
         </p:nvSpPr>
         <p:spPr>
@@ -2337,7 +2550,7 @@
           </a:prstGeom>
         </p:spPr>
         <p:txBody>
-          <a:bodyPr anchorCtr="0" anchor="ctr" bIns="91425" lIns="91425" rIns="91425" tIns="91425">
+          <a:bodyPr lIns="91425" tIns="91425" rIns="91425" bIns="91425" anchor="ctr" anchorCtr="0">
             <a:noAutofit/>
           </a:bodyPr>
           <a:lstStyle/>
@@ -2352,6 +2565,7 @@
               <a:rPr lang="en"/>
               <a:t>‹#›</a:t>
             </a:fld>
+            <a:endParaRPr lang="en"/>
           </a:p>
         </p:txBody>
       </p:sp>
@@ -2363,12 +2577,20 @@
 </p:sldLayout>
 </file>
 
-<file path=ppt/slideLayouts/slideLayout1.xml><?xml version="1.0" encoding="utf-8"?>
-<p:sldLayout xmlns:a="http://schemas.openxmlformats.org/drawingml/2006/main" xmlns:r="http://schemas.openxmlformats.org/officeDocument/2006/relationships" xmlns:mc="http://schemas.openxmlformats.org/markup-compatibility/2006" xmlns:mv="urn:schemas-microsoft-com:mac:vml" xmlns:p="http://schemas.openxmlformats.org/presentationml/2006/main" xmlns:c="http://schemas.openxmlformats.org/drawingml/2006/chart" xmlns:dgm="http://schemas.openxmlformats.org/drawingml/2006/diagram" xmlns:o="urn:schemas-microsoft-com:office:office" xmlns:v="urn:schemas-microsoft-com:vml" xmlns:pvml="urn:schemas-microsoft-com:office:powerpoint" xmlns:com="http://schemas.openxmlformats.org/drawingml/2006/compatibility" xmlns:p14="http://schemas.microsoft.com/office/powerpoint/2010/main" type="secHead">
-  <p:cSld name="Section header">
+<file path=ppt/slideLayouts/slideLayout10.xml><?xml version="1.0" encoding="utf-8"?>
+<p:sldLayout xmlns:a="http://schemas.openxmlformats.org/drawingml/2006/main" xmlns:r="http://schemas.openxmlformats.org/officeDocument/2006/relationships" xmlns:p="http://schemas.openxmlformats.org/presentationml/2006/main">
+  <p:cSld name="Big number">
+    <p:bg>
+      <p:bgPr>
+        <a:solidFill>
+          <a:schemeClr val="accent4"/>
+        </a:solidFill>
+        <a:effectLst/>
+      </p:bgPr>
+    </p:bg>
     <p:spTree>
       <p:nvGrpSpPr>
-        <p:cNvPr id="15" name="Shape 15"/>
+        <p:cNvPr id="1" name="Shape 57"/>
         <p:cNvGrpSpPr/>
         <p:nvPr/>
       </p:nvGrpSpPr>
@@ -2382,97 +2604,248 @@
       </p:grpSpPr>
       <p:sp>
         <p:nvSpPr>
-          <p:cNvPr id="16" name="Shape 16"/>
-          <p:cNvSpPr txBox="1"/>
+          <p:cNvPr id="58" name="Shape 58"/>
+          <p:cNvSpPr txBox="1">
+            <a:spLocks noGrp="1"/>
+          </p:cNvSpPr>
           <p:nvPr>
             <p:ph type="title"/>
           </p:nvPr>
         </p:nvSpPr>
         <p:spPr>
           <a:xfrm>
-            <a:off x="460950" y="2065350"/>
-            <a:ext cx="8222100" cy="1012799"/>
+            <a:off x="475500" y="1258525"/>
+            <a:ext cx="8222100" cy="1963500"/>
           </a:xfrm>
           <a:prstGeom prst="rect">
             <a:avLst/>
           </a:prstGeom>
         </p:spPr>
         <p:txBody>
-          <a:bodyPr anchorCtr="0" anchor="ctr" bIns="91425" lIns="91425" rIns="91425" tIns="91425"/>
+          <a:bodyPr lIns="91425" tIns="91425" rIns="91425" bIns="91425" anchor="b" anchorCtr="0"/>
           <a:lstStyle>
-            <a:lvl1pPr lvl="0">
-              <a:spcBef>
-                <a:spcPts val="0"/>
-              </a:spcBef>
-              <a:buSzPct val="100000"/>
-              <a:defRPr sz="4200"/>
+            <a:lvl1pPr lvl="0" algn="ctr">
+              <a:spcBef>
+                <a:spcPts val="0"/>
+              </a:spcBef>
+              <a:buClr>
+                <a:schemeClr val="dk2"/>
+              </a:buClr>
+              <a:buSzPct val="100000"/>
+              <a:defRPr sz="12000">
+                <a:solidFill>
+                  <a:schemeClr val="dk2"/>
+                </a:solidFill>
+              </a:defRPr>
             </a:lvl1pPr>
-            <a:lvl2pPr lvl="1">
-              <a:spcBef>
-                <a:spcPts val="0"/>
-              </a:spcBef>
-              <a:buSzPct val="100000"/>
-              <a:defRPr sz="4200"/>
+            <a:lvl2pPr lvl="1" algn="ctr">
+              <a:spcBef>
+                <a:spcPts val="0"/>
+              </a:spcBef>
+              <a:buClr>
+                <a:schemeClr val="dk2"/>
+              </a:buClr>
+              <a:buSzPct val="100000"/>
+              <a:defRPr sz="12000">
+                <a:solidFill>
+                  <a:schemeClr val="dk2"/>
+                </a:solidFill>
+              </a:defRPr>
             </a:lvl2pPr>
-            <a:lvl3pPr lvl="2">
-              <a:spcBef>
-                <a:spcPts val="0"/>
-              </a:spcBef>
-              <a:buSzPct val="100000"/>
-              <a:defRPr sz="4200"/>
+            <a:lvl3pPr lvl="2" algn="ctr">
+              <a:spcBef>
+                <a:spcPts val="0"/>
+              </a:spcBef>
+              <a:buClr>
+                <a:schemeClr val="dk2"/>
+              </a:buClr>
+              <a:buSzPct val="100000"/>
+              <a:defRPr sz="12000">
+                <a:solidFill>
+                  <a:schemeClr val="dk2"/>
+                </a:solidFill>
+              </a:defRPr>
             </a:lvl3pPr>
-            <a:lvl4pPr lvl="3">
-              <a:spcBef>
-                <a:spcPts val="0"/>
-              </a:spcBef>
-              <a:buSzPct val="100000"/>
-              <a:defRPr sz="4200"/>
+            <a:lvl4pPr lvl="3" algn="ctr">
+              <a:spcBef>
+                <a:spcPts val="0"/>
+              </a:spcBef>
+              <a:buClr>
+                <a:schemeClr val="dk2"/>
+              </a:buClr>
+              <a:buSzPct val="100000"/>
+              <a:defRPr sz="12000">
+                <a:solidFill>
+                  <a:schemeClr val="dk2"/>
+                </a:solidFill>
+              </a:defRPr>
             </a:lvl4pPr>
-            <a:lvl5pPr lvl="4">
-              <a:spcBef>
-                <a:spcPts val="0"/>
-              </a:spcBef>
-              <a:buSzPct val="100000"/>
-              <a:defRPr sz="4200"/>
+            <a:lvl5pPr lvl="4" algn="ctr">
+              <a:spcBef>
+                <a:spcPts val="0"/>
+              </a:spcBef>
+              <a:buClr>
+                <a:schemeClr val="dk2"/>
+              </a:buClr>
+              <a:buSzPct val="100000"/>
+              <a:defRPr sz="12000">
+                <a:solidFill>
+                  <a:schemeClr val="dk2"/>
+                </a:solidFill>
+              </a:defRPr>
             </a:lvl5pPr>
-            <a:lvl6pPr lvl="5">
-              <a:spcBef>
-                <a:spcPts val="0"/>
-              </a:spcBef>
-              <a:buSzPct val="100000"/>
-              <a:defRPr sz="4200"/>
+            <a:lvl6pPr lvl="5" algn="ctr">
+              <a:spcBef>
+                <a:spcPts val="0"/>
+              </a:spcBef>
+              <a:buClr>
+                <a:schemeClr val="dk2"/>
+              </a:buClr>
+              <a:buSzPct val="100000"/>
+              <a:defRPr sz="12000">
+                <a:solidFill>
+                  <a:schemeClr val="dk2"/>
+                </a:solidFill>
+              </a:defRPr>
             </a:lvl6pPr>
-            <a:lvl7pPr lvl="6">
-              <a:spcBef>
-                <a:spcPts val="0"/>
-              </a:spcBef>
-              <a:buSzPct val="100000"/>
-              <a:defRPr sz="4200"/>
+            <a:lvl7pPr lvl="6" algn="ctr">
+              <a:spcBef>
+                <a:spcPts val="0"/>
+              </a:spcBef>
+              <a:buClr>
+                <a:schemeClr val="dk2"/>
+              </a:buClr>
+              <a:buSzPct val="100000"/>
+              <a:defRPr sz="12000">
+                <a:solidFill>
+                  <a:schemeClr val="dk2"/>
+                </a:solidFill>
+              </a:defRPr>
             </a:lvl7pPr>
-            <a:lvl8pPr lvl="7">
-              <a:spcBef>
-                <a:spcPts val="0"/>
-              </a:spcBef>
-              <a:buSzPct val="100000"/>
-              <a:defRPr sz="4200"/>
+            <a:lvl8pPr lvl="7" algn="ctr">
+              <a:spcBef>
+                <a:spcPts val="0"/>
+              </a:spcBef>
+              <a:buClr>
+                <a:schemeClr val="dk2"/>
+              </a:buClr>
+              <a:buSzPct val="100000"/>
+              <a:defRPr sz="12000">
+                <a:solidFill>
+                  <a:schemeClr val="dk2"/>
+                </a:solidFill>
+              </a:defRPr>
             </a:lvl8pPr>
-            <a:lvl9pPr lvl="8">
-              <a:spcBef>
-                <a:spcPts val="0"/>
-              </a:spcBef>
-              <a:buSzPct val="100000"/>
-              <a:defRPr sz="4200"/>
+            <a:lvl9pPr lvl="8" algn="ctr">
+              <a:spcBef>
+                <a:spcPts val="0"/>
+              </a:spcBef>
+              <a:buClr>
+                <a:schemeClr val="dk2"/>
+              </a:buClr>
+              <a:buSzPct val="100000"/>
+              <a:defRPr sz="12000">
+                <a:solidFill>
+                  <a:schemeClr val="dk2"/>
+                </a:solidFill>
+              </a:defRPr>
             </a:lvl9pPr>
           </a:lstStyle>
-          <a:p/>
+          <a:p>
+            <a:endParaRPr/>
+          </a:p>
         </p:txBody>
       </p:sp>
       <p:sp>
         <p:nvSpPr>
-          <p:cNvPr id="17" name="Shape 17"/>
-          <p:cNvSpPr txBox="1"/>
+          <p:cNvPr id="59" name="Shape 59"/>
+          <p:cNvSpPr txBox="1">
+            <a:spLocks noGrp="1"/>
+          </p:cNvSpPr>
           <p:nvPr>
-            <p:ph idx="12" type="sldNum"/>
+            <p:ph type="body" idx="1"/>
+          </p:nvPr>
+        </p:nvSpPr>
+        <p:spPr>
+          <a:xfrm>
+            <a:off x="475500" y="3304625"/>
+            <a:ext cx="8222100" cy="1300800"/>
+          </a:xfrm>
+          <a:prstGeom prst="rect">
+            <a:avLst/>
+          </a:prstGeom>
+        </p:spPr>
+        <p:txBody>
+          <a:bodyPr lIns="91425" tIns="91425" rIns="91425" bIns="91425" anchor="t" anchorCtr="0"/>
+          <a:lstStyle>
+            <a:lvl1pPr lvl="0" algn="ctr">
+              <a:spcBef>
+                <a:spcPts val="0"/>
+              </a:spcBef>
+              <a:defRPr/>
+            </a:lvl1pPr>
+            <a:lvl2pPr lvl="1" algn="ctr">
+              <a:spcBef>
+                <a:spcPts val="0"/>
+              </a:spcBef>
+              <a:defRPr/>
+            </a:lvl2pPr>
+            <a:lvl3pPr lvl="2" algn="ctr">
+              <a:spcBef>
+                <a:spcPts val="0"/>
+              </a:spcBef>
+              <a:defRPr/>
+            </a:lvl3pPr>
+            <a:lvl4pPr lvl="3" algn="ctr">
+              <a:spcBef>
+                <a:spcPts val="0"/>
+              </a:spcBef>
+              <a:defRPr/>
+            </a:lvl4pPr>
+            <a:lvl5pPr lvl="4" algn="ctr">
+              <a:spcBef>
+                <a:spcPts val="0"/>
+              </a:spcBef>
+              <a:defRPr/>
+            </a:lvl5pPr>
+            <a:lvl6pPr lvl="5" algn="ctr">
+              <a:spcBef>
+                <a:spcPts val="0"/>
+              </a:spcBef>
+              <a:defRPr/>
+            </a:lvl6pPr>
+            <a:lvl7pPr lvl="6" algn="ctr">
+              <a:spcBef>
+                <a:spcPts val="0"/>
+              </a:spcBef>
+              <a:defRPr/>
+            </a:lvl7pPr>
+            <a:lvl8pPr lvl="7" algn="ctr">
+              <a:spcBef>
+                <a:spcPts val="0"/>
+              </a:spcBef>
+              <a:defRPr/>
+            </a:lvl8pPr>
+            <a:lvl9pPr lvl="8" algn="ctr">
+              <a:spcBef>
+                <a:spcPts val="0"/>
+              </a:spcBef>
+              <a:defRPr/>
+            </a:lvl9pPr>
+          </a:lstStyle>
+          <a:p>
+            <a:endParaRPr/>
+          </a:p>
+        </p:txBody>
+      </p:sp>
+      <p:sp>
+        <p:nvSpPr>
+          <p:cNvPr id="60" name="Shape 60"/>
+          <p:cNvSpPr txBox="1">
+            <a:spLocks noGrp="1"/>
+          </p:cNvSpPr>
+          <p:nvPr>
+            <p:ph type="sldNum" idx="12"/>
           </p:nvPr>
         </p:nvSpPr>
         <p:spPr>
@@ -2485,7 +2858,7 @@
           </a:prstGeom>
         </p:spPr>
         <p:txBody>
-          <a:bodyPr anchorCtr="0" anchor="ctr" bIns="91425" lIns="91425" rIns="91425" tIns="91425">
+          <a:bodyPr lIns="91425" tIns="91425" rIns="91425" bIns="91425" anchor="ctr" anchorCtr="0">
             <a:noAutofit/>
           </a:bodyPr>
           <a:lstStyle/>
@@ -2497,13 +2870,10 @@
               <a:buNone/>
             </a:pPr>
             <a:fld id="{00000000-1234-1234-1234-123412341234}" type="slidenum">
-              <a:rPr lang="en">
-                <a:solidFill>
-                  <a:schemeClr val="lt1"/>
-                </a:solidFill>
-              </a:rPr>
+              <a:rPr lang="en"/>
               <a:t>‹#›</a:t>
             </a:fld>
+            <a:endParaRPr lang="en"/>
           </a:p>
         </p:txBody>
       </p:sp>
@@ -2515,19 +2885,20 @@
 </p:sldLayout>
 </file>
 
-<file path=ppt/slideLayouts/slideLayout10.xml><?xml version="1.0" encoding="utf-8"?>
-<p:sldLayout xmlns:a="http://schemas.openxmlformats.org/drawingml/2006/main" xmlns:r="http://schemas.openxmlformats.org/officeDocument/2006/relationships" xmlns:mc="http://schemas.openxmlformats.org/markup-compatibility/2006" xmlns:mv="urn:schemas-microsoft-com:mac:vml" xmlns:p="http://schemas.openxmlformats.org/presentationml/2006/main" xmlns:c="http://schemas.openxmlformats.org/drawingml/2006/chart" xmlns:dgm="http://schemas.openxmlformats.org/drawingml/2006/diagram" xmlns:o="urn:schemas-microsoft-com:office:office" xmlns:v="urn:schemas-microsoft-com:vml" xmlns:pvml="urn:schemas-microsoft-com:office:powerpoint" xmlns:com="http://schemas.openxmlformats.org/drawingml/2006/compatibility" xmlns:p14="http://schemas.microsoft.com/office/powerpoint/2010/main" type="blank">
+<file path=ppt/slideLayouts/slideLayout11.xml><?xml version="1.0" encoding="utf-8"?>
+<p:sldLayout xmlns:a="http://schemas.openxmlformats.org/drawingml/2006/main" xmlns:r="http://schemas.openxmlformats.org/officeDocument/2006/relationships" xmlns:p="http://schemas.openxmlformats.org/presentationml/2006/main" type="blank">
   <p:cSld name="Blank">
     <p:bg>
       <p:bgPr>
         <a:solidFill>
           <a:schemeClr val="accent4"/>
         </a:solidFill>
+        <a:effectLst/>
       </p:bgPr>
     </p:bg>
     <p:spTree>
       <p:nvGrpSpPr>
-        <p:cNvPr id="61" name="Shape 61"/>
+        <p:cNvPr id="1" name="Shape 61"/>
         <p:cNvGrpSpPr/>
         <p:nvPr/>
       </p:nvGrpSpPr>
@@ -2542,9 +2913,11 @@
       <p:sp>
         <p:nvSpPr>
           <p:cNvPr id="62" name="Shape 62"/>
-          <p:cNvSpPr txBox="1"/>
+          <p:cNvSpPr txBox="1">
+            <a:spLocks noGrp="1"/>
+          </p:cNvSpPr>
           <p:nvPr>
-            <p:ph idx="12" type="sldNum"/>
+            <p:ph type="sldNum" idx="12"/>
           </p:nvPr>
         </p:nvSpPr>
         <p:spPr>
@@ -2557,7 +2930,7 @@
           </a:prstGeom>
         </p:spPr>
         <p:txBody>
-          <a:bodyPr anchorCtr="0" anchor="ctr" bIns="91425" lIns="91425" rIns="91425" tIns="91425">
+          <a:bodyPr lIns="91425" tIns="91425" rIns="91425" bIns="91425" anchor="ctr" anchorCtr="0">
             <a:noAutofit/>
           </a:bodyPr>
           <a:lstStyle/>
@@ -2572,6 +2945,7 @@
               <a:rPr lang="en"/>
               <a:t>‹#›</a:t>
             </a:fld>
+            <a:endParaRPr lang="en"/>
           </a:p>
         </p:txBody>
       </p:sp>
@@ -2584,11 +2958,11 @@
 </file>
 
 <file path=ppt/slideLayouts/slideLayout2.xml><?xml version="1.0" encoding="utf-8"?>
-<p:sldLayout xmlns:a="http://schemas.openxmlformats.org/drawingml/2006/main" xmlns:r="http://schemas.openxmlformats.org/officeDocument/2006/relationships" xmlns:mc="http://schemas.openxmlformats.org/markup-compatibility/2006" xmlns:mv="urn:schemas-microsoft-com:mac:vml" xmlns:p="http://schemas.openxmlformats.org/presentationml/2006/main" xmlns:c="http://schemas.openxmlformats.org/drawingml/2006/chart" xmlns:dgm="http://schemas.openxmlformats.org/drawingml/2006/diagram" xmlns:o="urn:schemas-microsoft-com:office:office" xmlns:v="urn:schemas-microsoft-com:vml" xmlns:pvml="urn:schemas-microsoft-com:office:powerpoint" xmlns:com="http://schemas.openxmlformats.org/drawingml/2006/compatibility" xmlns:p14="http://schemas.microsoft.com/office/powerpoint/2010/main" type="tx">
-  <p:cSld name="Title and body">
+<p:sldLayout xmlns:a="http://schemas.openxmlformats.org/drawingml/2006/main" xmlns:r="http://schemas.openxmlformats.org/officeDocument/2006/relationships" xmlns:p="http://schemas.openxmlformats.org/presentationml/2006/main" type="secHead">
+  <p:cSld name="Section header">
     <p:spTree>
       <p:nvGrpSpPr>
-        <p:cNvPr id="18" name="Shape 18"/>
+        <p:cNvPr id="1" name="Shape 15"/>
         <p:cNvGrpSpPr/>
         <p:nvPr/>
       </p:nvGrpSpPr>
@@ -2602,12 +2976,175 @@
       </p:grpSpPr>
       <p:sp>
         <p:nvSpPr>
+          <p:cNvPr id="16" name="Shape 16"/>
+          <p:cNvSpPr txBox="1">
+            <a:spLocks noGrp="1"/>
+          </p:cNvSpPr>
+          <p:nvPr>
+            <p:ph type="title"/>
+          </p:nvPr>
+        </p:nvSpPr>
+        <p:spPr>
+          <a:xfrm>
+            <a:off x="460950" y="2065350"/>
+            <a:ext cx="8222100" cy="1012799"/>
+          </a:xfrm>
+          <a:prstGeom prst="rect">
+            <a:avLst/>
+          </a:prstGeom>
+        </p:spPr>
+        <p:txBody>
+          <a:bodyPr lIns="91425" tIns="91425" rIns="91425" bIns="91425" anchor="ctr" anchorCtr="0"/>
+          <a:lstStyle>
+            <a:lvl1pPr lvl="0">
+              <a:spcBef>
+                <a:spcPts val="0"/>
+              </a:spcBef>
+              <a:buSzPct val="100000"/>
+              <a:defRPr sz="4200"/>
+            </a:lvl1pPr>
+            <a:lvl2pPr lvl="1">
+              <a:spcBef>
+                <a:spcPts val="0"/>
+              </a:spcBef>
+              <a:buSzPct val="100000"/>
+              <a:defRPr sz="4200"/>
+            </a:lvl2pPr>
+            <a:lvl3pPr lvl="2">
+              <a:spcBef>
+                <a:spcPts val="0"/>
+              </a:spcBef>
+              <a:buSzPct val="100000"/>
+              <a:defRPr sz="4200"/>
+            </a:lvl3pPr>
+            <a:lvl4pPr lvl="3">
+              <a:spcBef>
+                <a:spcPts val="0"/>
+              </a:spcBef>
+              <a:buSzPct val="100000"/>
+              <a:defRPr sz="4200"/>
+            </a:lvl4pPr>
+            <a:lvl5pPr lvl="4">
+              <a:spcBef>
+                <a:spcPts val="0"/>
+              </a:spcBef>
+              <a:buSzPct val="100000"/>
+              <a:defRPr sz="4200"/>
+            </a:lvl5pPr>
+            <a:lvl6pPr lvl="5">
+              <a:spcBef>
+                <a:spcPts val="0"/>
+              </a:spcBef>
+              <a:buSzPct val="100000"/>
+              <a:defRPr sz="4200"/>
+            </a:lvl6pPr>
+            <a:lvl7pPr lvl="6">
+              <a:spcBef>
+                <a:spcPts val="0"/>
+              </a:spcBef>
+              <a:buSzPct val="100000"/>
+              <a:defRPr sz="4200"/>
+            </a:lvl7pPr>
+            <a:lvl8pPr lvl="7">
+              <a:spcBef>
+                <a:spcPts val="0"/>
+              </a:spcBef>
+              <a:buSzPct val="100000"/>
+              <a:defRPr sz="4200"/>
+            </a:lvl8pPr>
+            <a:lvl9pPr lvl="8">
+              <a:spcBef>
+                <a:spcPts val="0"/>
+              </a:spcBef>
+              <a:buSzPct val="100000"/>
+              <a:defRPr sz="4200"/>
+            </a:lvl9pPr>
+          </a:lstStyle>
+          <a:p>
+            <a:endParaRPr/>
+          </a:p>
+        </p:txBody>
+      </p:sp>
+      <p:sp>
+        <p:nvSpPr>
+          <p:cNvPr id="17" name="Shape 17"/>
+          <p:cNvSpPr txBox="1">
+            <a:spLocks noGrp="1"/>
+          </p:cNvSpPr>
+          <p:nvPr>
+            <p:ph type="sldNum" idx="12"/>
+          </p:nvPr>
+        </p:nvSpPr>
+        <p:spPr>
+          <a:xfrm>
+            <a:off x="8523541" y="4695623"/>
+            <a:ext cx="548699" cy="393600"/>
+          </a:xfrm>
+          <a:prstGeom prst="rect">
+            <a:avLst/>
+          </a:prstGeom>
+        </p:spPr>
+        <p:txBody>
+          <a:bodyPr lIns="91425" tIns="91425" rIns="91425" bIns="91425" anchor="ctr" anchorCtr="0">
+            <a:noAutofit/>
+          </a:bodyPr>
+          <a:lstStyle/>
+          <a:p>
+            <a:pPr lvl="0">
+              <a:spcBef>
+                <a:spcPts val="0"/>
+              </a:spcBef>
+              <a:buNone/>
+            </a:pPr>
+            <a:fld id="{00000000-1234-1234-1234-123412341234}" type="slidenum">
+              <a:rPr lang="en">
+                <a:solidFill>
+                  <a:schemeClr val="lt1"/>
+                </a:solidFill>
+              </a:rPr>
+              <a:t>‹#›</a:t>
+            </a:fld>
+            <a:endParaRPr lang="en">
+              <a:solidFill>
+                <a:schemeClr val="lt1"/>
+              </a:solidFill>
+            </a:endParaRPr>
+          </a:p>
+        </p:txBody>
+      </p:sp>
+    </p:spTree>
+  </p:cSld>
+  <p:clrMapOvr>
+    <a:masterClrMapping/>
+  </p:clrMapOvr>
+</p:sldLayout>
+</file>
+
+<file path=ppt/slideLayouts/slideLayout3.xml><?xml version="1.0" encoding="utf-8"?>
+<p:sldLayout xmlns:a="http://schemas.openxmlformats.org/drawingml/2006/main" xmlns:r="http://schemas.openxmlformats.org/officeDocument/2006/relationships" xmlns:p="http://schemas.openxmlformats.org/presentationml/2006/main" type="tx">
+  <p:cSld name="Title and body">
+    <p:spTree>
+      <p:nvGrpSpPr>
+        <p:cNvPr id="1" name="Shape 18"/>
+        <p:cNvGrpSpPr/>
+        <p:nvPr/>
+      </p:nvGrpSpPr>
+      <p:grpSpPr>
+        <a:xfrm>
+          <a:off x="0" y="0"/>
+          <a:ext cx="0" cy="0"/>
+          <a:chOff x="0" y="0"/>
+          <a:chExt cx="0" cy="0"/>
+        </a:xfrm>
+      </p:grpSpPr>
+      <p:sp>
+        <p:nvSpPr>
           <p:cNvPr id="19" name="Shape 19"/>
           <p:cNvSpPr/>
           <p:nvPr/>
         </p:nvSpPr>
         <p:spPr>
-          <a:xfrm flipH="1" rot="10800000">
+          <a:xfrm rot="10800000" flipH="1">
             <a:off x="0" y="1685999"/>
             <a:ext cx="9144000" cy="3457500"/>
           </a:xfrm>
@@ -2622,7 +3159,7 @@
           </a:ln>
         </p:spPr>
         <p:txBody>
-          <a:bodyPr anchorCtr="0" anchor="ctr" bIns="91425" lIns="91425" rIns="91425" tIns="91425">
+          <a:bodyPr lIns="91425" tIns="91425" rIns="91425" bIns="91425" anchor="ctr" anchorCtr="0">
             <a:noAutofit/>
           </a:bodyPr>
           <a:lstStyle/>
@@ -2633,9 +3170,6 @@
               </a:spcBef>
               <a:buNone/>
             </a:pPr>
-            <a:r>
-              <a:t/>
-            </a:r>
             <a:endParaRPr/>
           </a:p>
         </p:txBody>
@@ -2676,7 +3210,7 @@
           </a:ln>
         </p:spPr>
         <p:txBody>
-          <a:bodyPr anchorCtr="0" anchor="ctr" bIns="91425" lIns="91425" rIns="91425" tIns="91425">
+          <a:bodyPr lIns="91425" tIns="91425" rIns="91425" bIns="91425" anchor="ctr" anchorCtr="0">
             <a:noAutofit/>
           </a:bodyPr>
           <a:lstStyle/>
@@ -2687,9 +3221,6 @@
               </a:spcBef>
               <a:buNone/>
             </a:pPr>
-            <a:r>
-              <a:t/>
-            </a:r>
             <a:endParaRPr/>
           </a:p>
         </p:txBody>
@@ -2697,7 +3228,9 @@
       <p:sp>
         <p:nvSpPr>
           <p:cNvPr id="21" name="Shape 21"/>
-          <p:cNvSpPr txBox="1"/>
+          <p:cNvSpPr txBox="1">
+            <a:spLocks noGrp="1"/>
+          </p:cNvSpPr>
           <p:nvPr>
             <p:ph type="title"/>
           </p:nvPr>
@@ -2712,7 +3245,7 @@
           </a:prstGeom>
         </p:spPr>
         <p:txBody>
-          <a:bodyPr anchorCtr="0" anchor="b" bIns="91425" lIns="91425" rIns="91425" tIns="91425"/>
+          <a:bodyPr lIns="91425" tIns="91425" rIns="91425" bIns="91425" anchor="b" anchorCtr="0"/>
           <a:lstStyle>
             <a:lvl1pPr lvl="0">
               <a:spcBef>
@@ -2769,15 +3302,19 @@
               <a:defRPr/>
             </a:lvl9pPr>
           </a:lstStyle>
-          <a:p/>
+          <a:p>
+            <a:endParaRPr/>
+          </a:p>
         </p:txBody>
       </p:sp>
       <p:sp>
         <p:nvSpPr>
           <p:cNvPr id="22" name="Shape 22"/>
-          <p:cNvSpPr txBox="1"/>
+          <p:cNvSpPr txBox="1">
+            <a:spLocks noGrp="1"/>
+          </p:cNvSpPr>
           <p:nvPr>
-            <p:ph idx="1" type="body"/>
+            <p:ph type="body" idx="1"/>
           </p:nvPr>
         </p:nvSpPr>
         <p:spPr>
@@ -2790,7 +3327,7 @@
           </a:prstGeom>
         </p:spPr>
         <p:txBody>
-          <a:bodyPr anchorCtr="0" anchor="t" bIns="91425" lIns="91425" rIns="91425" tIns="91425"/>
+          <a:bodyPr lIns="91425" tIns="91425" rIns="91425" bIns="91425" anchor="t" anchorCtr="0"/>
           <a:lstStyle>
             <a:lvl1pPr lvl="0">
               <a:spcBef>
@@ -2847,15 +3384,19 @@
               <a:defRPr/>
             </a:lvl9pPr>
           </a:lstStyle>
-          <a:p/>
+          <a:p>
+            <a:endParaRPr/>
+          </a:p>
         </p:txBody>
       </p:sp>
       <p:sp>
         <p:nvSpPr>
           <p:cNvPr id="23" name="Shape 23"/>
-          <p:cNvSpPr txBox="1"/>
+          <p:cNvSpPr txBox="1">
+            <a:spLocks noGrp="1"/>
+          </p:cNvSpPr>
           <p:nvPr>
-            <p:ph idx="12" type="sldNum"/>
+            <p:ph type="sldNum" idx="12"/>
           </p:nvPr>
         </p:nvSpPr>
         <p:spPr>
@@ -2868,7 +3409,7 @@
           </a:prstGeom>
         </p:spPr>
         <p:txBody>
-          <a:bodyPr anchorCtr="0" anchor="ctr" bIns="91425" lIns="91425" rIns="91425" tIns="91425">
+          <a:bodyPr lIns="91425" tIns="91425" rIns="91425" bIns="91425" anchor="ctr" anchorCtr="0">
             <a:noAutofit/>
           </a:bodyPr>
           <a:lstStyle/>
@@ -2883,6 +3424,7 @@
               <a:rPr lang="en"/>
               <a:t>‹#›</a:t>
             </a:fld>
+            <a:endParaRPr lang="en"/>
           </a:p>
         </p:txBody>
       </p:sp>
@@ -2894,12 +3436,12 @@
 </p:sldLayout>
 </file>
 
-<file path=ppt/slideLayouts/slideLayout3.xml><?xml version="1.0" encoding="utf-8"?>
-<p:sldLayout xmlns:a="http://schemas.openxmlformats.org/drawingml/2006/main" xmlns:r="http://schemas.openxmlformats.org/officeDocument/2006/relationships" xmlns:mc="http://schemas.openxmlformats.org/markup-compatibility/2006" xmlns:mv="urn:schemas-microsoft-com:mac:vml" xmlns:p="http://schemas.openxmlformats.org/presentationml/2006/main" xmlns:c="http://schemas.openxmlformats.org/drawingml/2006/chart" xmlns:dgm="http://schemas.openxmlformats.org/drawingml/2006/diagram" xmlns:o="urn:schemas-microsoft-com:office:office" xmlns:v="urn:schemas-microsoft-com:vml" xmlns:pvml="urn:schemas-microsoft-com:office:powerpoint" xmlns:com="http://schemas.openxmlformats.org/drawingml/2006/compatibility" xmlns:p14="http://schemas.microsoft.com/office/powerpoint/2010/main" type="twoColTx">
+<file path=ppt/slideLayouts/slideLayout4.xml><?xml version="1.0" encoding="utf-8"?>
+<p:sldLayout xmlns:a="http://schemas.openxmlformats.org/drawingml/2006/main" xmlns:r="http://schemas.openxmlformats.org/officeDocument/2006/relationships" xmlns:p="http://schemas.openxmlformats.org/presentationml/2006/main" type="twoColTx">
   <p:cSld name="Title and two columns">
     <p:spTree>
       <p:nvGrpSpPr>
-        <p:cNvPr id="24" name="Shape 24"/>
+        <p:cNvPr id="1" name="Shape 24"/>
         <p:cNvGrpSpPr/>
         <p:nvPr/>
       </p:nvGrpSpPr>
@@ -2918,7 +3460,7 @@
           <p:nvPr/>
         </p:nvSpPr>
         <p:spPr>
-          <a:xfrm flipH="1" rot="10800000">
+          <a:xfrm rot="10800000" flipH="1">
             <a:off x="0" y="1685999"/>
             <a:ext cx="9144000" cy="3457500"/>
           </a:xfrm>
@@ -2933,7 +3475,7 @@
           </a:ln>
         </p:spPr>
         <p:txBody>
-          <a:bodyPr anchorCtr="0" anchor="ctr" bIns="91425" lIns="91425" rIns="91425" tIns="91425">
+          <a:bodyPr lIns="91425" tIns="91425" rIns="91425" bIns="91425" anchor="ctr" anchorCtr="0">
             <a:noAutofit/>
           </a:bodyPr>
           <a:lstStyle/>
@@ -2944,9 +3486,6 @@
               </a:spcBef>
               <a:buNone/>
             </a:pPr>
-            <a:r>
-              <a:t/>
-            </a:r>
             <a:endParaRPr/>
           </a:p>
         </p:txBody>
@@ -2987,7 +3526,7 @@
           </a:ln>
         </p:spPr>
         <p:txBody>
-          <a:bodyPr anchorCtr="0" anchor="ctr" bIns="91425" lIns="91425" rIns="91425" tIns="91425">
+          <a:bodyPr lIns="91425" tIns="91425" rIns="91425" bIns="91425" anchor="ctr" anchorCtr="0">
             <a:noAutofit/>
           </a:bodyPr>
           <a:lstStyle/>
@@ -2998,9 +3537,6 @@
               </a:spcBef>
               <a:buNone/>
             </a:pPr>
-            <a:r>
-              <a:t/>
-            </a:r>
             <a:endParaRPr/>
           </a:p>
         </p:txBody>
@@ -3008,7 +3544,9 @@
       <p:sp>
         <p:nvSpPr>
           <p:cNvPr id="27" name="Shape 27"/>
-          <p:cNvSpPr txBox="1"/>
+          <p:cNvSpPr txBox="1">
+            <a:spLocks noGrp="1"/>
+          </p:cNvSpPr>
           <p:nvPr>
             <p:ph type="title"/>
           </p:nvPr>
@@ -3023,7 +3561,7 @@
           </a:prstGeom>
         </p:spPr>
         <p:txBody>
-          <a:bodyPr anchorCtr="0" anchor="b" bIns="91425" lIns="91425" rIns="91425" tIns="91425"/>
+          <a:bodyPr lIns="91425" tIns="91425" rIns="91425" bIns="91425" anchor="b" anchorCtr="0"/>
           <a:lstStyle>
             <a:lvl1pPr lvl="0">
               <a:spcBef>
@@ -3080,15 +3618,19 @@
               <a:defRPr/>
             </a:lvl9pPr>
           </a:lstStyle>
-          <a:p/>
+          <a:p>
+            <a:endParaRPr/>
+          </a:p>
         </p:txBody>
       </p:sp>
       <p:sp>
         <p:nvSpPr>
           <p:cNvPr id="28" name="Shape 28"/>
-          <p:cNvSpPr txBox="1"/>
+          <p:cNvSpPr txBox="1">
+            <a:spLocks noGrp="1"/>
+          </p:cNvSpPr>
           <p:nvPr>
-            <p:ph idx="1" type="body"/>
+            <p:ph type="body" idx="1"/>
           </p:nvPr>
         </p:nvSpPr>
         <p:spPr>
@@ -3101,7 +3643,7 @@
           </a:prstGeom>
         </p:spPr>
         <p:txBody>
-          <a:bodyPr anchorCtr="0" anchor="t" bIns="91425" lIns="91425" rIns="91425" tIns="91425"/>
+          <a:bodyPr lIns="91425" tIns="91425" rIns="91425" bIns="91425" anchor="t" anchorCtr="0"/>
           <a:lstStyle>
             <a:lvl1pPr lvl="0">
               <a:spcBef>
@@ -3167,15 +3709,19 @@
               <a:defRPr sz="1200"/>
             </a:lvl9pPr>
           </a:lstStyle>
-          <a:p/>
+          <a:p>
+            <a:endParaRPr/>
+          </a:p>
         </p:txBody>
       </p:sp>
       <p:sp>
         <p:nvSpPr>
           <p:cNvPr id="29" name="Shape 29"/>
-          <p:cNvSpPr txBox="1"/>
+          <p:cNvSpPr txBox="1">
+            <a:spLocks noGrp="1"/>
+          </p:cNvSpPr>
           <p:nvPr>
-            <p:ph idx="2" type="body"/>
+            <p:ph type="body" idx="2"/>
           </p:nvPr>
         </p:nvSpPr>
         <p:spPr>
@@ -3188,7 +3734,7 @@
           </a:prstGeom>
         </p:spPr>
         <p:txBody>
-          <a:bodyPr anchorCtr="0" anchor="t" bIns="91425" lIns="91425" rIns="91425" tIns="91425"/>
+          <a:bodyPr lIns="91425" tIns="91425" rIns="91425" bIns="91425" anchor="t" anchorCtr="0"/>
           <a:lstStyle>
             <a:lvl1pPr lvl="0">
               <a:spcBef>
@@ -3254,15 +3800,19 @@
               <a:defRPr sz="1200"/>
             </a:lvl9pPr>
           </a:lstStyle>
-          <a:p/>
+          <a:p>
+            <a:endParaRPr/>
+          </a:p>
         </p:txBody>
       </p:sp>
       <p:sp>
         <p:nvSpPr>
           <p:cNvPr id="30" name="Shape 30"/>
-          <p:cNvSpPr txBox="1"/>
+          <p:cNvSpPr txBox="1">
+            <a:spLocks noGrp="1"/>
+          </p:cNvSpPr>
           <p:nvPr>
-            <p:ph idx="12" type="sldNum"/>
+            <p:ph type="sldNum" idx="12"/>
           </p:nvPr>
         </p:nvSpPr>
         <p:spPr>
@@ -3275,7 +3825,7 @@
           </a:prstGeom>
         </p:spPr>
         <p:txBody>
-          <a:bodyPr anchorCtr="0" anchor="ctr" bIns="91425" lIns="91425" rIns="91425" tIns="91425">
+          <a:bodyPr lIns="91425" tIns="91425" rIns="91425" bIns="91425" anchor="ctr" anchorCtr="0">
             <a:noAutofit/>
           </a:bodyPr>
           <a:lstStyle/>
@@ -3290,6 +3840,7 @@
               <a:rPr lang="en"/>
               <a:t>‹#›</a:t>
             </a:fld>
+            <a:endParaRPr lang="en"/>
           </a:p>
         </p:txBody>
       </p:sp>
@@ -3301,12 +3852,12 @@
 </p:sldLayout>
 </file>
 
-<file path=ppt/slideLayouts/slideLayout4.xml><?xml version="1.0" encoding="utf-8"?>
-<p:sldLayout xmlns:a="http://schemas.openxmlformats.org/drawingml/2006/main" xmlns:r="http://schemas.openxmlformats.org/officeDocument/2006/relationships" xmlns:mc="http://schemas.openxmlformats.org/markup-compatibility/2006" xmlns:mv="urn:schemas-microsoft-com:mac:vml" xmlns:p="http://schemas.openxmlformats.org/presentationml/2006/main" xmlns:c="http://schemas.openxmlformats.org/drawingml/2006/chart" xmlns:dgm="http://schemas.openxmlformats.org/drawingml/2006/diagram" xmlns:o="urn:schemas-microsoft-com:office:office" xmlns:v="urn:schemas-microsoft-com:vml" xmlns:pvml="urn:schemas-microsoft-com:office:powerpoint" xmlns:com="http://schemas.openxmlformats.org/drawingml/2006/compatibility" xmlns:p14="http://schemas.microsoft.com/office/powerpoint/2010/main" type="titleOnly">
+<file path=ppt/slideLayouts/slideLayout5.xml><?xml version="1.0" encoding="utf-8"?>
+<p:sldLayout xmlns:a="http://schemas.openxmlformats.org/drawingml/2006/main" xmlns:r="http://schemas.openxmlformats.org/officeDocument/2006/relationships" xmlns:p="http://schemas.openxmlformats.org/presentationml/2006/main" type="titleOnly">
   <p:cSld name="Title only">
     <p:spTree>
       <p:nvGrpSpPr>
-        <p:cNvPr id="31" name="Shape 31"/>
+        <p:cNvPr id="1" name="Shape 31"/>
         <p:cNvGrpSpPr/>
         <p:nvPr/>
       </p:nvGrpSpPr>
@@ -3325,7 +3876,7 @@
           <p:nvPr/>
         </p:nvSpPr>
         <p:spPr>
-          <a:xfrm flipH="1" rot="10800000">
+          <a:xfrm rot="10800000" flipH="1">
             <a:off x="0" y="656399"/>
             <a:ext cx="9144000" cy="4487100"/>
           </a:xfrm>
@@ -3340,7 +3891,7 @@
           </a:ln>
         </p:spPr>
         <p:txBody>
-          <a:bodyPr anchorCtr="0" anchor="ctr" bIns="91425" lIns="91425" rIns="91425" tIns="91425">
+          <a:bodyPr lIns="91425" tIns="91425" rIns="91425" bIns="91425" anchor="ctr" anchorCtr="0">
             <a:noAutofit/>
           </a:bodyPr>
           <a:lstStyle/>
@@ -3351,9 +3902,6 @@
               </a:spcBef>
               <a:buNone/>
             </a:pPr>
-            <a:r>
-              <a:t/>
-            </a:r>
             <a:endParaRPr/>
           </a:p>
         </p:txBody>
@@ -3394,7 +3942,7 @@
           </a:ln>
         </p:spPr>
         <p:txBody>
-          <a:bodyPr anchorCtr="0" anchor="ctr" bIns="91425" lIns="91425" rIns="91425" tIns="91425">
+          <a:bodyPr lIns="91425" tIns="91425" rIns="91425" bIns="91425" anchor="ctr" anchorCtr="0">
             <a:noAutofit/>
           </a:bodyPr>
           <a:lstStyle/>
@@ -3405,9 +3953,6 @@
               </a:spcBef>
               <a:buNone/>
             </a:pPr>
-            <a:r>
-              <a:t/>
-            </a:r>
             <a:endParaRPr/>
           </a:p>
         </p:txBody>
@@ -3415,7 +3960,9 @@
       <p:sp>
         <p:nvSpPr>
           <p:cNvPr id="34" name="Shape 34"/>
-          <p:cNvSpPr txBox="1"/>
+          <p:cNvSpPr txBox="1">
+            <a:spLocks noGrp="1"/>
+          </p:cNvSpPr>
           <p:nvPr>
             <p:ph type="title"/>
           </p:nvPr>
@@ -3430,7 +3977,7 @@
           </a:prstGeom>
         </p:spPr>
         <p:txBody>
-          <a:bodyPr anchorCtr="0" anchor="ctr" bIns="91425" lIns="91425" rIns="91425" tIns="91425"/>
+          <a:bodyPr lIns="91425" tIns="91425" rIns="91425" bIns="91425" anchor="ctr" anchorCtr="0"/>
           <a:lstStyle>
             <a:lvl1pPr lvl="0">
               <a:spcBef>
@@ -3496,15 +4043,19 @@
               <a:defRPr sz="1800"/>
             </a:lvl9pPr>
           </a:lstStyle>
-          <a:p/>
+          <a:p>
+            <a:endParaRPr/>
+          </a:p>
         </p:txBody>
       </p:sp>
       <p:sp>
         <p:nvSpPr>
           <p:cNvPr id="35" name="Shape 35"/>
-          <p:cNvSpPr txBox="1"/>
+          <p:cNvSpPr txBox="1">
+            <a:spLocks noGrp="1"/>
+          </p:cNvSpPr>
           <p:nvPr>
-            <p:ph idx="12" type="sldNum"/>
+            <p:ph type="sldNum" idx="12"/>
           </p:nvPr>
         </p:nvSpPr>
         <p:spPr>
@@ -3517,7 +4068,7 @@
           </a:prstGeom>
         </p:spPr>
         <p:txBody>
-          <a:bodyPr anchorCtr="0" anchor="ctr" bIns="91425" lIns="91425" rIns="91425" tIns="91425">
+          <a:bodyPr lIns="91425" tIns="91425" rIns="91425" bIns="91425" anchor="ctr" anchorCtr="0">
             <a:noAutofit/>
           </a:bodyPr>
           <a:lstStyle/>
@@ -3532,6 +4083,7 @@
               <a:rPr lang="en"/>
               <a:t>‹#›</a:t>
             </a:fld>
+            <a:endParaRPr lang="en"/>
           </a:p>
         </p:txBody>
       </p:sp>
@@ -3543,12 +4095,12 @@
 </p:sldLayout>
 </file>
 
-<file path=ppt/slideLayouts/slideLayout5.xml><?xml version="1.0" encoding="utf-8"?>
-<p:sldLayout xmlns:a="http://schemas.openxmlformats.org/drawingml/2006/main" xmlns:r="http://schemas.openxmlformats.org/officeDocument/2006/relationships" xmlns:mc="http://schemas.openxmlformats.org/markup-compatibility/2006" xmlns:mv="urn:schemas-microsoft-com:mac:vml" xmlns:p="http://schemas.openxmlformats.org/presentationml/2006/main" xmlns:c="http://schemas.openxmlformats.org/drawingml/2006/chart" xmlns:dgm="http://schemas.openxmlformats.org/drawingml/2006/diagram" xmlns:o="urn:schemas-microsoft-com:office:office" xmlns:v="urn:schemas-microsoft-com:vml" xmlns:pvml="urn:schemas-microsoft-com:office:powerpoint" xmlns:com="http://schemas.openxmlformats.org/drawingml/2006/compatibility" xmlns:p14="http://schemas.microsoft.com/office/powerpoint/2010/main">
+<file path=ppt/slideLayouts/slideLayout6.xml><?xml version="1.0" encoding="utf-8"?>
+<p:sldLayout xmlns:a="http://schemas.openxmlformats.org/drawingml/2006/main" xmlns:r="http://schemas.openxmlformats.org/officeDocument/2006/relationships" xmlns:p="http://schemas.openxmlformats.org/presentationml/2006/main">
   <p:cSld name="One column text">
     <p:spTree>
       <p:nvGrpSpPr>
-        <p:cNvPr id="36" name="Shape 36"/>
+        <p:cNvPr id="1" name="Shape 36"/>
         <p:cNvGrpSpPr/>
         <p:nvPr/>
       </p:nvGrpSpPr>
@@ -3567,7 +4119,7 @@
           <p:nvPr/>
         </p:nvSpPr>
         <p:spPr>
-          <a:xfrm flipH="1" rot="10800000">
+          <a:xfrm rot="10800000" flipH="1">
             <a:off x="3276600" y="25"/>
             <a:ext cx="5867400" cy="5143499"/>
           </a:xfrm>
@@ -3582,7 +4134,7 @@
           </a:ln>
         </p:spPr>
         <p:txBody>
-          <a:bodyPr anchorCtr="0" anchor="ctr" bIns="91425" lIns="91425" rIns="91425" tIns="91425">
+          <a:bodyPr lIns="91425" tIns="91425" rIns="91425" bIns="91425" anchor="ctr" anchorCtr="0">
             <a:noAutofit/>
           </a:bodyPr>
           <a:lstStyle/>
@@ -3593,9 +4145,6 @@
               </a:spcBef>
               <a:buNone/>
             </a:pPr>
-            <a:r>
-              <a:t/>
-            </a:r>
             <a:endParaRPr/>
           </a:p>
         </p:txBody>
@@ -3636,7 +4185,7 @@
           </a:ln>
         </p:spPr>
         <p:txBody>
-          <a:bodyPr anchorCtr="0" anchor="ctr" bIns="91425" lIns="91425" rIns="91425" tIns="91425">
+          <a:bodyPr lIns="91425" tIns="91425" rIns="91425" bIns="91425" anchor="ctr" anchorCtr="0">
             <a:noAutofit/>
           </a:bodyPr>
           <a:lstStyle/>
@@ -3647,9 +4196,6 @@
               </a:spcBef>
               <a:buNone/>
             </a:pPr>
-            <a:r>
-              <a:t/>
-            </a:r>
             <a:endParaRPr/>
           </a:p>
         </p:txBody>
@@ -3657,7 +4203,9 @@
       <p:sp>
         <p:nvSpPr>
           <p:cNvPr id="39" name="Shape 39"/>
-          <p:cNvSpPr txBox="1"/>
+          <p:cNvSpPr txBox="1">
+            <a:spLocks noGrp="1"/>
+          </p:cNvSpPr>
           <p:nvPr>
             <p:ph type="title"/>
           </p:nvPr>
@@ -3672,7 +4220,7 @@
           </a:prstGeom>
         </p:spPr>
         <p:txBody>
-          <a:bodyPr anchorCtr="0" anchor="b" bIns="91425" lIns="91425" rIns="91425" tIns="91425"/>
+          <a:bodyPr lIns="91425" tIns="91425" rIns="91425" bIns="91425" anchor="b" anchorCtr="0"/>
           <a:lstStyle>
             <a:lvl1pPr lvl="0">
               <a:spcBef>
@@ -3738,15 +4286,19 @@
               <a:defRPr sz="2400"/>
             </a:lvl9pPr>
           </a:lstStyle>
-          <a:p/>
+          <a:p>
+            <a:endParaRPr/>
+          </a:p>
         </p:txBody>
       </p:sp>
       <p:sp>
         <p:nvSpPr>
           <p:cNvPr id="40" name="Shape 40"/>
-          <p:cNvSpPr txBox="1"/>
+          <p:cNvSpPr txBox="1">
+            <a:spLocks noGrp="1"/>
+          </p:cNvSpPr>
           <p:nvPr>
-            <p:ph idx="1" type="body"/>
+            <p:ph type="body" idx="1"/>
           </p:nvPr>
         </p:nvSpPr>
         <p:spPr>
@@ -3759,7 +4311,7 @@
           </a:prstGeom>
         </p:spPr>
         <p:txBody>
-          <a:bodyPr anchorCtr="0" anchor="t" bIns="91425" lIns="91425" rIns="91425" tIns="91425"/>
+          <a:bodyPr lIns="91425" tIns="91425" rIns="91425" bIns="91425" anchor="t" anchorCtr="0"/>
           <a:lstStyle>
             <a:lvl1pPr lvl="0">
               <a:spcBef>
@@ -3888,15 +4440,19 @@
               </a:defRPr>
             </a:lvl9pPr>
           </a:lstStyle>
-          <a:p/>
+          <a:p>
+            <a:endParaRPr/>
+          </a:p>
         </p:txBody>
       </p:sp>
       <p:sp>
         <p:nvSpPr>
           <p:cNvPr id="41" name="Shape 41"/>
-          <p:cNvSpPr txBox="1"/>
+          <p:cNvSpPr txBox="1">
+            <a:spLocks noGrp="1"/>
+          </p:cNvSpPr>
           <p:nvPr>
-            <p:ph idx="12" type="sldNum"/>
+            <p:ph type="sldNum" idx="12"/>
           </p:nvPr>
         </p:nvSpPr>
         <p:spPr>
@@ -3909,7 +4465,7 @@
           </a:prstGeom>
         </p:spPr>
         <p:txBody>
-          <a:bodyPr anchorCtr="0" anchor="ctr" bIns="91425" lIns="91425" rIns="91425" tIns="91425">
+          <a:bodyPr lIns="91425" tIns="91425" rIns="91425" bIns="91425" anchor="ctr" anchorCtr="0">
             <a:noAutofit/>
           </a:bodyPr>
           <a:lstStyle/>
@@ -3924,6 +4480,7 @@
               <a:rPr lang="en"/>
               <a:t>‹#›</a:t>
             </a:fld>
+            <a:endParaRPr lang="en"/>
           </a:p>
         </p:txBody>
       </p:sp>
@@ -3935,12 +4492,12 @@
 </p:sldLayout>
 </file>
 
-<file path=ppt/slideLayouts/slideLayout6.xml><?xml version="1.0" encoding="utf-8"?>
-<p:sldLayout xmlns:a="http://schemas.openxmlformats.org/drawingml/2006/main" xmlns:r="http://schemas.openxmlformats.org/officeDocument/2006/relationships" xmlns:mc="http://schemas.openxmlformats.org/markup-compatibility/2006" xmlns:mv="urn:schemas-microsoft-com:mac:vml" xmlns:p="http://schemas.openxmlformats.org/presentationml/2006/main" xmlns:c="http://schemas.openxmlformats.org/drawingml/2006/chart" xmlns:dgm="http://schemas.openxmlformats.org/drawingml/2006/diagram" xmlns:o="urn:schemas-microsoft-com:office:office" xmlns:v="urn:schemas-microsoft-com:vml" xmlns:pvml="urn:schemas-microsoft-com:office:powerpoint" xmlns:com="http://schemas.openxmlformats.org/drawingml/2006/compatibility" xmlns:p14="http://schemas.microsoft.com/office/powerpoint/2010/main">
+<file path=ppt/slideLayouts/slideLayout7.xml><?xml version="1.0" encoding="utf-8"?>
+<p:sldLayout xmlns:a="http://schemas.openxmlformats.org/drawingml/2006/main" xmlns:r="http://schemas.openxmlformats.org/officeDocument/2006/relationships" xmlns:p="http://schemas.openxmlformats.org/presentationml/2006/main">
   <p:cSld name="Main point">
     <p:spTree>
       <p:nvGrpSpPr>
-        <p:cNvPr id="42" name="Shape 42"/>
+        <p:cNvPr id="1" name="Shape 42"/>
         <p:cNvGrpSpPr/>
         <p:nvPr/>
       </p:nvGrpSpPr>
@@ -3955,7 +4512,9 @@
       <p:sp>
         <p:nvSpPr>
           <p:cNvPr id="43" name="Shape 43"/>
-          <p:cNvSpPr txBox="1"/>
+          <p:cNvSpPr txBox="1">
+            <a:spLocks noGrp="1"/>
+          </p:cNvSpPr>
           <p:nvPr>
             <p:ph type="title"/>
           </p:nvPr>
@@ -3970,7 +4529,7 @@
           </a:prstGeom>
         </p:spPr>
         <p:txBody>
-          <a:bodyPr anchorCtr="0" anchor="ctr" bIns="91425" lIns="91425" rIns="91425" tIns="91425"/>
+          <a:bodyPr lIns="91425" tIns="91425" rIns="91425" bIns="91425" anchor="ctr" anchorCtr="0"/>
           <a:lstStyle>
             <a:lvl1pPr lvl="0">
               <a:spcBef>
@@ -4036,15 +4595,19 @@
               <a:defRPr sz="6000"/>
             </a:lvl9pPr>
           </a:lstStyle>
-          <a:p/>
+          <a:p>
+            <a:endParaRPr/>
+          </a:p>
         </p:txBody>
       </p:sp>
       <p:sp>
         <p:nvSpPr>
           <p:cNvPr id="44" name="Shape 44"/>
-          <p:cNvSpPr txBox="1"/>
+          <p:cNvSpPr txBox="1">
+            <a:spLocks noGrp="1"/>
+          </p:cNvSpPr>
           <p:nvPr>
-            <p:ph idx="12" type="sldNum"/>
+            <p:ph type="sldNum" idx="12"/>
           </p:nvPr>
         </p:nvSpPr>
         <p:spPr>
@@ -4057,7 +4620,7 @@
           </a:prstGeom>
         </p:spPr>
         <p:txBody>
-          <a:bodyPr anchorCtr="0" anchor="ctr" bIns="91425" lIns="91425" rIns="91425" tIns="91425">
+          <a:bodyPr lIns="91425" tIns="91425" rIns="91425" bIns="91425" anchor="ctr" anchorCtr="0">
             <a:noAutofit/>
           </a:bodyPr>
           <a:lstStyle/>
@@ -4076,6 +4639,11 @@
               </a:rPr>
               <a:t>‹#›</a:t>
             </a:fld>
+            <a:endParaRPr lang="en">
+              <a:solidFill>
+                <a:schemeClr val="lt1"/>
+              </a:solidFill>
+            </a:endParaRPr>
           </a:p>
         </p:txBody>
       </p:sp>
@@ -4087,12 +4655,12 @@
 </p:sldLayout>
 </file>
 
-<file path=ppt/slideLayouts/slideLayout7.xml><?xml version="1.0" encoding="utf-8"?>
-<p:sldLayout xmlns:a="http://schemas.openxmlformats.org/drawingml/2006/main" xmlns:r="http://schemas.openxmlformats.org/officeDocument/2006/relationships" xmlns:mc="http://schemas.openxmlformats.org/markup-compatibility/2006" xmlns:mv="urn:schemas-microsoft-com:mac:vml" xmlns:p="http://schemas.openxmlformats.org/presentationml/2006/main" xmlns:c="http://schemas.openxmlformats.org/drawingml/2006/chart" xmlns:dgm="http://schemas.openxmlformats.org/drawingml/2006/diagram" xmlns:o="urn:schemas-microsoft-com:office:office" xmlns:v="urn:schemas-microsoft-com:vml" xmlns:pvml="urn:schemas-microsoft-com:office:powerpoint" xmlns:com="http://schemas.openxmlformats.org/drawingml/2006/compatibility" xmlns:p14="http://schemas.microsoft.com/office/powerpoint/2010/main">
+<file path=ppt/slideLayouts/slideLayout8.xml><?xml version="1.0" encoding="utf-8"?>
+<p:sldLayout xmlns:a="http://schemas.openxmlformats.org/drawingml/2006/main" xmlns:r="http://schemas.openxmlformats.org/officeDocument/2006/relationships" xmlns:p="http://schemas.openxmlformats.org/presentationml/2006/main">
   <p:cSld name="Section title and description">
     <p:spTree>
       <p:nvGrpSpPr>
-        <p:cNvPr id="45" name="Shape 45"/>
+        <p:cNvPr id="1" name="Shape 45"/>
         <p:cNvGrpSpPr/>
         <p:nvPr/>
       </p:nvGrpSpPr>
@@ -4126,7 +4694,7 @@
           </a:ln>
         </p:spPr>
         <p:txBody>
-          <a:bodyPr anchorCtr="0" anchor="ctr" bIns="91425" lIns="91425" rIns="91425" tIns="91425">
+          <a:bodyPr lIns="91425" tIns="91425" rIns="91425" bIns="91425" anchor="ctr" anchorCtr="0">
             <a:noAutofit/>
           </a:bodyPr>
           <a:lstStyle/>
@@ -4137,9 +4705,6 @@
               </a:spcBef>
               <a:buNone/>
             </a:pPr>
-            <a:r>
-              <a:t/>
-            </a:r>
             <a:endParaRPr/>
           </a:p>
         </p:txBody>
@@ -4180,7 +4745,7 @@
           </a:ln>
         </p:spPr>
         <p:txBody>
-          <a:bodyPr anchorCtr="0" anchor="ctr" bIns="91425" lIns="91425" rIns="91425" tIns="91425">
+          <a:bodyPr lIns="91425" tIns="91425" rIns="91425" bIns="91425" anchor="ctr" anchorCtr="0">
             <a:noAutofit/>
           </a:bodyPr>
           <a:lstStyle/>
@@ -4191,9 +4756,6 @@
               </a:spcBef>
               <a:buNone/>
             </a:pPr>
-            <a:r>
-              <a:t/>
-            </a:r>
             <a:endParaRPr/>
           </a:p>
         </p:txBody>
@@ -4201,7 +4763,9 @@
       <p:sp>
         <p:nvSpPr>
           <p:cNvPr id="48" name="Shape 48"/>
-          <p:cNvSpPr txBox="1"/>
+          <p:cNvSpPr txBox="1">
+            <a:spLocks noGrp="1"/>
+          </p:cNvSpPr>
           <p:nvPr>
             <p:ph type="title"/>
           </p:nvPr>
@@ -4216,7 +4780,7 @@
           </a:prstGeom>
         </p:spPr>
         <p:txBody>
-          <a:bodyPr anchorCtr="0" anchor="b" bIns="91425" lIns="91425" rIns="91425" tIns="91425"/>
+          <a:bodyPr lIns="91425" tIns="91425" rIns="91425" bIns="91425" anchor="b" anchorCtr="0"/>
           <a:lstStyle>
             <a:lvl1pPr lvl="0" algn="ctr">
               <a:spcBef>
@@ -4345,15 +4909,19 @@
               </a:defRPr>
             </a:lvl9pPr>
           </a:lstStyle>
-          <a:p/>
+          <a:p>
+            <a:endParaRPr/>
+          </a:p>
         </p:txBody>
       </p:sp>
       <p:sp>
         <p:nvSpPr>
           <p:cNvPr id="49" name="Shape 49"/>
-          <p:cNvSpPr txBox="1"/>
+          <p:cNvSpPr txBox="1">
+            <a:spLocks noGrp="1"/>
+          </p:cNvSpPr>
           <p:nvPr>
-            <p:ph idx="1" type="subTitle"/>
+            <p:ph type="subTitle" idx="1"/>
           </p:nvPr>
         </p:nvSpPr>
         <p:spPr>
@@ -4366,7 +4934,7 @@
           </a:prstGeom>
         </p:spPr>
         <p:txBody>
-          <a:bodyPr anchorCtr="0" anchor="t" bIns="91425" lIns="91425" rIns="91425" tIns="91425"/>
+          <a:bodyPr lIns="91425" tIns="91425" rIns="91425" bIns="91425" anchor="t" anchorCtr="0"/>
           <a:lstStyle>
             <a:lvl1pPr lvl="0" algn="ctr">
               <a:lnSpc>
@@ -4495,15 +5063,19 @@
               <a:defRPr sz="2100"/>
             </a:lvl9pPr>
           </a:lstStyle>
-          <a:p/>
+          <a:p>
+            <a:endParaRPr/>
+          </a:p>
         </p:txBody>
       </p:sp>
       <p:sp>
         <p:nvSpPr>
           <p:cNvPr id="50" name="Shape 50"/>
-          <p:cNvSpPr txBox="1"/>
+          <p:cNvSpPr txBox="1">
+            <a:spLocks noGrp="1"/>
+          </p:cNvSpPr>
           <p:nvPr>
-            <p:ph idx="2" type="body"/>
+            <p:ph type="body" idx="2"/>
           </p:nvPr>
         </p:nvSpPr>
         <p:spPr>
@@ -4516,7 +5088,7 @@
           </a:prstGeom>
         </p:spPr>
         <p:txBody>
-          <a:bodyPr anchorCtr="0" anchor="ctr" bIns="91425" lIns="91425" rIns="91425" tIns="91425"/>
+          <a:bodyPr lIns="91425" tIns="91425" rIns="91425" bIns="91425" anchor="ctr" anchorCtr="0"/>
           <a:lstStyle>
             <a:lvl1pPr lvl="0">
               <a:spcBef>
@@ -4636,15 +5208,19 @@
               </a:defRPr>
             </a:lvl9pPr>
           </a:lstStyle>
-          <a:p/>
+          <a:p>
+            <a:endParaRPr/>
+          </a:p>
         </p:txBody>
       </p:sp>
       <p:sp>
         <p:nvSpPr>
           <p:cNvPr id="51" name="Shape 51"/>
-          <p:cNvSpPr txBox="1"/>
+          <p:cNvSpPr txBox="1">
+            <a:spLocks noGrp="1"/>
+          </p:cNvSpPr>
           <p:nvPr>
-            <p:ph idx="12" type="sldNum"/>
+            <p:ph type="sldNum" idx="12"/>
           </p:nvPr>
         </p:nvSpPr>
         <p:spPr>
@@ -4657,7 +5233,7 @@
           </a:prstGeom>
         </p:spPr>
         <p:txBody>
-          <a:bodyPr anchorCtr="0" anchor="ctr" bIns="91425" lIns="91425" rIns="91425" tIns="91425">
+          <a:bodyPr lIns="91425" tIns="91425" rIns="91425" bIns="91425" anchor="ctr" anchorCtr="0">
             <a:noAutofit/>
           </a:bodyPr>
           <a:lstStyle/>
@@ -4676,6 +5252,11 @@
               </a:rPr>
               <a:t>‹#›</a:t>
             </a:fld>
+            <a:endParaRPr lang="en">
+              <a:solidFill>
+                <a:schemeClr val="lt1"/>
+              </a:solidFill>
+            </a:endParaRPr>
           </a:p>
         </p:txBody>
       </p:sp>
@@ -4687,12 +5268,12 @@
 </p:sldLayout>
 </file>
 
-<file path=ppt/slideLayouts/slideLayout8.xml><?xml version="1.0" encoding="utf-8"?>
-<p:sldLayout xmlns:a="http://schemas.openxmlformats.org/drawingml/2006/main" xmlns:r="http://schemas.openxmlformats.org/officeDocument/2006/relationships" xmlns:mc="http://schemas.openxmlformats.org/markup-compatibility/2006" xmlns:mv="urn:schemas-microsoft-com:mac:vml" xmlns:p="http://schemas.openxmlformats.org/presentationml/2006/main" xmlns:c="http://schemas.openxmlformats.org/drawingml/2006/chart" xmlns:dgm="http://schemas.openxmlformats.org/drawingml/2006/diagram" xmlns:o="urn:schemas-microsoft-com:office:office" xmlns:v="urn:schemas-microsoft-com:vml" xmlns:pvml="urn:schemas-microsoft-com:office:powerpoint" xmlns:com="http://schemas.openxmlformats.org/drawingml/2006/compatibility" xmlns:p14="http://schemas.microsoft.com/office/powerpoint/2010/main">
+<file path=ppt/slideLayouts/slideLayout9.xml><?xml version="1.0" encoding="utf-8"?>
+<p:sldLayout xmlns:a="http://schemas.openxmlformats.org/drawingml/2006/main" xmlns:r="http://schemas.openxmlformats.org/officeDocument/2006/relationships" xmlns:p="http://schemas.openxmlformats.org/presentationml/2006/main">
   <p:cSld name="Caption">
     <p:spTree>
       <p:nvGrpSpPr>
-        <p:cNvPr id="52" name="Shape 52"/>
+        <p:cNvPr id="1" name="Shape 52"/>
         <p:cNvGrpSpPr/>
         <p:nvPr/>
       </p:nvGrpSpPr>
@@ -4711,7 +5292,7 @@
           <p:nvPr/>
         </p:nvSpPr>
         <p:spPr>
-          <a:xfrm flipH="1" rot="10800000">
+          <a:xfrm rot="10800000" flipH="1">
             <a:off x="0" y="0"/>
             <a:ext cx="9144000" cy="4695899"/>
           </a:xfrm>
@@ -4726,7 +5307,7 @@
           </a:ln>
         </p:spPr>
         <p:txBody>
-          <a:bodyPr anchorCtr="0" anchor="ctr" bIns="91425" lIns="91425" rIns="91425" tIns="91425">
+          <a:bodyPr lIns="91425" tIns="91425" rIns="91425" bIns="91425" anchor="ctr" anchorCtr="0">
             <a:noAutofit/>
           </a:bodyPr>
           <a:lstStyle/>
@@ -4737,9 +5318,6 @@
               </a:spcBef>
               <a:buNone/>
             </a:pPr>
-            <a:r>
-              <a:t/>
-            </a:r>
             <a:endParaRPr/>
           </a:p>
         </p:txBody>
@@ -4751,7 +5329,7 @@
           <p:nvPr/>
         </p:nvSpPr>
         <p:spPr>
-          <a:xfrm flipH="1" rot="10800000">
+          <a:xfrm rot="10800000" flipH="1">
             <a:off x="0" y="4622724"/>
             <a:ext cx="9144000" cy="74100"/>
           </a:xfrm>
@@ -4780,7 +5358,7 @@
           </a:ln>
         </p:spPr>
         <p:txBody>
-          <a:bodyPr anchorCtr="0" anchor="ctr" bIns="91425" lIns="91425" rIns="91425" tIns="91425">
+          <a:bodyPr lIns="91425" tIns="91425" rIns="91425" bIns="91425" anchor="ctr" anchorCtr="0">
             <a:noAutofit/>
           </a:bodyPr>
           <a:lstStyle/>
@@ -4791,9 +5369,6 @@
               </a:spcBef>
               <a:buNone/>
             </a:pPr>
-            <a:r>
-              <a:t/>
-            </a:r>
             <a:endParaRPr/>
           </a:p>
         </p:txBody>
@@ -4801,9 +5376,11 @@
       <p:sp>
         <p:nvSpPr>
           <p:cNvPr id="55" name="Shape 55"/>
-          <p:cNvSpPr txBox="1"/>
+          <p:cNvSpPr txBox="1">
+            <a:spLocks noGrp="1"/>
+          </p:cNvSpPr>
           <p:nvPr>
-            <p:ph idx="1" type="body"/>
+            <p:ph type="body" idx="1"/>
           </p:nvPr>
         </p:nvSpPr>
         <p:spPr>
@@ -4816,7 +5393,7 @@
           </a:prstGeom>
         </p:spPr>
         <p:txBody>
-          <a:bodyPr anchorCtr="0" anchor="ctr" bIns="91425" lIns="91425" rIns="91425" tIns="91425"/>
+          <a:bodyPr lIns="91425" tIns="91425" rIns="91425" bIns="91425" anchor="ctr" anchorCtr="0"/>
           <a:lstStyle>
             <a:lvl1pPr lvl="0">
               <a:lnSpc>
@@ -4840,15 +5417,19 @@
               </a:defRPr>
             </a:lvl1pPr>
           </a:lstStyle>
-          <a:p/>
+          <a:p>
+            <a:endParaRPr/>
+          </a:p>
         </p:txBody>
       </p:sp>
       <p:sp>
         <p:nvSpPr>
           <p:cNvPr id="56" name="Shape 56"/>
-          <p:cNvSpPr txBox="1"/>
+          <p:cNvSpPr txBox="1">
+            <a:spLocks noGrp="1"/>
+          </p:cNvSpPr>
           <p:nvPr>
-            <p:ph idx="12" type="sldNum"/>
+            <p:ph type="sldNum" idx="12"/>
           </p:nvPr>
         </p:nvSpPr>
         <p:spPr>
@@ -4861,7 +5442,7 @@
           </a:prstGeom>
         </p:spPr>
         <p:txBody>
-          <a:bodyPr anchorCtr="0" anchor="ctr" bIns="91425" lIns="91425" rIns="91425" tIns="91425">
+          <a:bodyPr lIns="91425" tIns="91425" rIns="91425" bIns="91425" anchor="ctr" anchorCtr="0">
             <a:noAutofit/>
           </a:bodyPr>
           <a:lstStyle/>
@@ -4880,6 +5461,11 @@
               </a:rPr>
               <a:t>‹#›</a:t>
             </a:fld>
+            <a:endParaRPr lang="en">
+              <a:solidFill>
+                <a:schemeClr val="lt1"/>
+              </a:solidFill>
+            </a:endParaRPr>
           </a:p>
         </p:txBody>
       </p:sp>
@@ -4891,19 +5477,20 @@
 </p:sldLayout>
 </file>
 
-<file path=ppt/slideLayouts/slideLayout9.xml><?xml version="1.0" encoding="utf-8"?>
-<p:sldLayout xmlns:a="http://schemas.openxmlformats.org/drawingml/2006/main" xmlns:r="http://schemas.openxmlformats.org/officeDocument/2006/relationships" xmlns:mc="http://schemas.openxmlformats.org/markup-compatibility/2006" xmlns:mv="urn:schemas-microsoft-com:mac:vml" xmlns:p="http://schemas.openxmlformats.org/presentationml/2006/main" xmlns:c="http://schemas.openxmlformats.org/drawingml/2006/chart" xmlns:dgm="http://schemas.openxmlformats.org/drawingml/2006/diagram" xmlns:o="urn:schemas-microsoft-com:office:office" xmlns:v="urn:schemas-microsoft-com:vml" xmlns:pvml="urn:schemas-microsoft-com:office:powerpoint" xmlns:com="http://schemas.openxmlformats.org/drawingml/2006/compatibility" xmlns:p14="http://schemas.microsoft.com/office/powerpoint/2010/main">
-  <p:cSld name="Big number">
+<file path=ppt/slideMasters/slideMaster1.xml><?xml version="1.0" encoding="utf-8"?>
+<p:sldMaster xmlns:a="http://schemas.openxmlformats.org/drawingml/2006/main" xmlns:r="http://schemas.openxmlformats.org/officeDocument/2006/relationships" xmlns:p="http://schemas.openxmlformats.org/presentationml/2006/main">
+  <p:cSld>
     <p:bg>
       <p:bgPr>
         <a:solidFill>
-          <a:schemeClr val="accent4"/>
+          <a:schemeClr val="dk1"/>
         </a:solidFill>
+        <a:effectLst/>
       </p:bgPr>
     </p:bg>
     <p:spTree>
       <p:nvGrpSpPr>
-        <p:cNvPr id="57" name="Shape 57"/>
+        <p:cNvPr id="1" name="Shape 5"/>
         <p:cNvGrpSpPr/>
         <p:nvPr/>
       </p:nvGrpSpPr>
@@ -4917,304 +5504,10 @@
       </p:grpSpPr>
       <p:sp>
         <p:nvSpPr>
-          <p:cNvPr id="58" name="Shape 58"/>
-          <p:cNvSpPr txBox="1"/>
-          <p:nvPr>
-            <p:ph type="title"/>
-          </p:nvPr>
-        </p:nvSpPr>
-        <p:spPr>
-          <a:xfrm>
-            <a:off x="475500" y="1258525"/>
-            <a:ext cx="8222100" cy="1963500"/>
-          </a:xfrm>
-          <a:prstGeom prst="rect">
-            <a:avLst/>
-          </a:prstGeom>
-        </p:spPr>
-        <p:txBody>
-          <a:bodyPr anchorCtr="0" anchor="b" bIns="91425" lIns="91425" rIns="91425" tIns="91425"/>
-          <a:lstStyle>
-            <a:lvl1pPr lvl="0" algn="ctr">
-              <a:spcBef>
-                <a:spcPts val="0"/>
-              </a:spcBef>
-              <a:buClr>
-                <a:schemeClr val="dk2"/>
-              </a:buClr>
-              <a:buSzPct val="100000"/>
-              <a:defRPr sz="12000">
-                <a:solidFill>
-                  <a:schemeClr val="dk2"/>
-                </a:solidFill>
-              </a:defRPr>
-            </a:lvl1pPr>
-            <a:lvl2pPr lvl="1" algn="ctr">
-              <a:spcBef>
-                <a:spcPts val="0"/>
-              </a:spcBef>
-              <a:buClr>
-                <a:schemeClr val="dk2"/>
-              </a:buClr>
-              <a:buSzPct val="100000"/>
-              <a:defRPr sz="12000">
-                <a:solidFill>
-                  <a:schemeClr val="dk2"/>
-                </a:solidFill>
-              </a:defRPr>
-            </a:lvl2pPr>
-            <a:lvl3pPr lvl="2" algn="ctr">
-              <a:spcBef>
-                <a:spcPts val="0"/>
-              </a:spcBef>
-              <a:buClr>
-                <a:schemeClr val="dk2"/>
-              </a:buClr>
-              <a:buSzPct val="100000"/>
-              <a:defRPr sz="12000">
-                <a:solidFill>
-                  <a:schemeClr val="dk2"/>
-                </a:solidFill>
-              </a:defRPr>
-            </a:lvl3pPr>
-            <a:lvl4pPr lvl="3" algn="ctr">
-              <a:spcBef>
-                <a:spcPts val="0"/>
-              </a:spcBef>
-              <a:buClr>
-                <a:schemeClr val="dk2"/>
-              </a:buClr>
-              <a:buSzPct val="100000"/>
-              <a:defRPr sz="12000">
-                <a:solidFill>
-                  <a:schemeClr val="dk2"/>
-                </a:solidFill>
-              </a:defRPr>
-            </a:lvl4pPr>
-            <a:lvl5pPr lvl="4" algn="ctr">
-              <a:spcBef>
-                <a:spcPts val="0"/>
-              </a:spcBef>
-              <a:buClr>
-                <a:schemeClr val="dk2"/>
-              </a:buClr>
-              <a:buSzPct val="100000"/>
-              <a:defRPr sz="12000">
-                <a:solidFill>
-                  <a:schemeClr val="dk2"/>
-                </a:solidFill>
-              </a:defRPr>
-            </a:lvl5pPr>
-            <a:lvl6pPr lvl="5" algn="ctr">
-              <a:spcBef>
-                <a:spcPts val="0"/>
-              </a:spcBef>
-              <a:buClr>
-                <a:schemeClr val="dk2"/>
-              </a:buClr>
-              <a:buSzPct val="100000"/>
-              <a:defRPr sz="12000">
-                <a:solidFill>
-                  <a:schemeClr val="dk2"/>
-                </a:solidFill>
-              </a:defRPr>
-            </a:lvl6pPr>
-            <a:lvl7pPr lvl="6" algn="ctr">
-              <a:spcBef>
-                <a:spcPts val="0"/>
-              </a:spcBef>
-              <a:buClr>
-                <a:schemeClr val="dk2"/>
-              </a:buClr>
-              <a:buSzPct val="100000"/>
-              <a:defRPr sz="12000">
-                <a:solidFill>
-                  <a:schemeClr val="dk2"/>
-                </a:solidFill>
-              </a:defRPr>
-            </a:lvl7pPr>
-            <a:lvl8pPr lvl="7" algn="ctr">
-              <a:spcBef>
-                <a:spcPts val="0"/>
-              </a:spcBef>
-              <a:buClr>
-                <a:schemeClr val="dk2"/>
-              </a:buClr>
-              <a:buSzPct val="100000"/>
-              <a:defRPr sz="12000">
-                <a:solidFill>
-                  <a:schemeClr val="dk2"/>
-                </a:solidFill>
-              </a:defRPr>
-            </a:lvl8pPr>
-            <a:lvl9pPr lvl="8" algn="ctr">
-              <a:spcBef>
-                <a:spcPts val="0"/>
-              </a:spcBef>
-              <a:buClr>
-                <a:schemeClr val="dk2"/>
-              </a:buClr>
-              <a:buSzPct val="100000"/>
-              <a:defRPr sz="12000">
-                <a:solidFill>
-                  <a:schemeClr val="dk2"/>
-                </a:solidFill>
-              </a:defRPr>
-            </a:lvl9pPr>
-          </a:lstStyle>
-          <a:p/>
-        </p:txBody>
-      </p:sp>
-      <p:sp>
-        <p:nvSpPr>
-          <p:cNvPr id="59" name="Shape 59"/>
-          <p:cNvSpPr txBox="1"/>
-          <p:nvPr>
-            <p:ph idx="1" type="body"/>
-          </p:nvPr>
-        </p:nvSpPr>
-        <p:spPr>
-          <a:xfrm>
-            <a:off x="475500" y="3304625"/>
-            <a:ext cx="8222100" cy="1300800"/>
-          </a:xfrm>
-          <a:prstGeom prst="rect">
-            <a:avLst/>
-          </a:prstGeom>
-        </p:spPr>
-        <p:txBody>
-          <a:bodyPr anchorCtr="0" anchor="t" bIns="91425" lIns="91425" rIns="91425" tIns="91425"/>
-          <a:lstStyle>
-            <a:lvl1pPr lvl="0" algn="ctr">
-              <a:spcBef>
-                <a:spcPts val="0"/>
-              </a:spcBef>
-              <a:defRPr/>
-            </a:lvl1pPr>
-            <a:lvl2pPr lvl="1" algn="ctr">
-              <a:spcBef>
-                <a:spcPts val="0"/>
-              </a:spcBef>
-              <a:defRPr/>
-            </a:lvl2pPr>
-            <a:lvl3pPr lvl="2" algn="ctr">
-              <a:spcBef>
-                <a:spcPts val="0"/>
-              </a:spcBef>
-              <a:defRPr/>
-            </a:lvl3pPr>
-            <a:lvl4pPr lvl="3" algn="ctr">
-              <a:spcBef>
-                <a:spcPts val="0"/>
-              </a:spcBef>
-              <a:defRPr/>
-            </a:lvl4pPr>
-            <a:lvl5pPr lvl="4" algn="ctr">
-              <a:spcBef>
-                <a:spcPts val="0"/>
-              </a:spcBef>
-              <a:defRPr/>
-            </a:lvl5pPr>
-            <a:lvl6pPr lvl="5" algn="ctr">
-              <a:spcBef>
-                <a:spcPts val="0"/>
-              </a:spcBef>
-              <a:defRPr/>
-            </a:lvl6pPr>
-            <a:lvl7pPr lvl="6" algn="ctr">
-              <a:spcBef>
-                <a:spcPts val="0"/>
-              </a:spcBef>
-              <a:defRPr/>
-            </a:lvl7pPr>
-            <a:lvl8pPr lvl="7" algn="ctr">
-              <a:spcBef>
-                <a:spcPts val="0"/>
-              </a:spcBef>
-              <a:defRPr/>
-            </a:lvl8pPr>
-            <a:lvl9pPr lvl="8" algn="ctr">
-              <a:spcBef>
-                <a:spcPts val="0"/>
-              </a:spcBef>
-              <a:defRPr/>
-            </a:lvl9pPr>
-          </a:lstStyle>
-          <a:p/>
-        </p:txBody>
-      </p:sp>
-      <p:sp>
-        <p:nvSpPr>
-          <p:cNvPr id="60" name="Shape 60"/>
-          <p:cNvSpPr txBox="1"/>
-          <p:nvPr>
-            <p:ph idx="12" type="sldNum"/>
-          </p:nvPr>
-        </p:nvSpPr>
-        <p:spPr>
-          <a:xfrm>
-            <a:off x="8523541" y="4695623"/>
-            <a:ext cx="548699" cy="393600"/>
-          </a:xfrm>
-          <a:prstGeom prst="rect">
-            <a:avLst/>
-          </a:prstGeom>
-        </p:spPr>
-        <p:txBody>
-          <a:bodyPr anchorCtr="0" anchor="ctr" bIns="91425" lIns="91425" rIns="91425" tIns="91425">
-            <a:noAutofit/>
-          </a:bodyPr>
-          <a:lstStyle/>
-          <a:p>
-            <a:pPr lvl="0">
-              <a:spcBef>
-                <a:spcPts val="0"/>
-              </a:spcBef>
-              <a:buNone/>
-            </a:pPr>
-            <a:fld id="{00000000-1234-1234-1234-123412341234}" type="slidenum">
-              <a:rPr lang="en"/>
-              <a:t>‹#›</a:t>
-            </a:fld>
-          </a:p>
-        </p:txBody>
-      </p:sp>
-    </p:spTree>
-  </p:cSld>
-  <p:clrMapOvr>
-    <a:masterClrMapping/>
-  </p:clrMapOvr>
-</p:sldLayout>
-</file>
-
-<file path=ppt/slideMasters/slideMaster.xml><?xml version="1.0" encoding="utf-8"?>
-<p:sldMaster xmlns:a="http://schemas.openxmlformats.org/drawingml/2006/main" xmlns:r="http://schemas.openxmlformats.org/officeDocument/2006/relationships" xmlns:mc="http://schemas.openxmlformats.org/markup-compatibility/2006" xmlns:mv="urn:schemas-microsoft-com:mac:vml" xmlns:p="http://schemas.openxmlformats.org/presentationml/2006/main" xmlns:c="http://schemas.openxmlformats.org/drawingml/2006/chart" xmlns:dgm="http://schemas.openxmlformats.org/drawingml/2006/diagram" xmlns:o="urn:schemas-microsoft-com:office:office" xmlns:v="urn:schemas-microsoft-com:vml" xmlns:pvml="urn:schemas-microsoft-com:office:powerpoint" xmlns:com="http://schemas.openxmlformats.org/drawingml/2006/compatibility" xmlns:p14="http://schemas.microsoft.com/office/powerpoint/2010/main">
-  <p:cSld>
-    <p:bg>
-      <p:bgPr>
-        <a:solidFill>
-          <a:schemeClr val="dk1"/>
-        </a:solidFill>
-      </p:bgPr>
-    </p:bg>
-    <p:spTree>
-      <p:nvGrpSpPr>
-        <p:cNvPr id="5" name="Shape 5"/>
-        <p:cNvGrpSpPr/>
-        <p:nvPr/>
-      </p:nvGrpSpPr>
-      <p:grpSpPr>
-        <a:xfrm>
-          <a:off x="0" y="0"/>
-          <a:ext cx="0" cy="0"/>
-          <a:chOff x="0" y="0"/>
-          <a:chExt cx="0" cy="0"/>
-        </a:xfrm>
-      </p:grpSpPr>
-      <p:sp>
-        <p:nvSpPr>
           <p:cNvPr id="6" name="Shape 6"/>
-          <p:cNvSpPr txBox="1"/>
+          <p:cNvSpPr txBox="1">
+            <a:spLocks noGrp="1"/>
+          </p:cNvSpPr>
           <p:nvPr>
             <p:ph type="title"/>
           </p:nvPr>
@@ -5233,7 +5526,7 @@
           </a:ln>
         </p:spPr>
         <p:txBody>
-          <a:bodyPr anchorCtr="0" anchor="b" bIns="91425" lIns="91425" rIns="91425" tIns="91425"/>
+          <a:bodyPr lIns="91425" tIns="91425" rIns="91425" bIns="91425" anchor="b" anchorCtr="0"/>
           <a:lstStyle>
             <a:lvl1pPr lvl="0">
               <a:spcBef>
@@ -5416,15 +5709,19 @@
               </a:defRPr>
             </a:lvl9pPr>
           </a:lstStyle>
-          <a:p/>
+          <a:p>
+            <a:endParaRPr/>
+          </a:p>
         </p:txBody>
       </p:sp>
       <p:sp>
         <p:nvSpPr>
           <p:cNvPr id="7" name="Shape 7"/>
-          <p:cNvSpPr txBox="1"/>
+          <p:cNvSpPr txBox="1">
+            <a:spLocks noGrp="1"/>
+          </p:cNvSpPr>
           <p:nvPr>
-            <p:ph idx="1" type="body"/>
+            <p:ph type="body" idx="1"/>
           </p:nvPr>
         </p:nvSpPr>
         <p:spPr>
@@ -5441,7 +5738,7 @@
           </a:ln>
         </p:spPr>
         <p:txBody>
-          <a:bodyPr anchorCtr="0" anchor="t" bIns="91425" lIns="91425" rIns="91425" tIns="91425"/>
+          <a:bodyPr lIns="91425" tIns="91425" rIns="91425" bIns="91425" anchor="t" anchorCtr="0"/>
           <a:lstStyle>
             <a:lvl1pPr lvl="0">
               <a:lnSpc>
@@ -5661,15 +5958,19 @@
               </a:defRPr>
             </a:lvl9pPr>
           </a:lstStyle>
-          <a:p/>
+          <a:p>
+            <a:endParaRPr/>
+          </a:p>
         </p:txBody>
       </p:sp>
       <p:sp>
         <p:nvSpPr>
           <p:cNvPr id="8" name="Shape 8"/>
-          <p:cNvSpPr txBox="1"/>
+          <p:cNvSpPr txBox="1">
+            <a:spLocks noGrp="1"/>
+          </p:cNvSpPr>
           <p:nvPr>
-            <p:ph idx="12" type="sldNum"/>
+            <p:ph type="sldNum" idx="12"/>
           </p:nvPr>
         </p:nvSpPr>
         <p:spPr>
@@ -5686,7 +5987,7 @@
           </a:ln>
         </p:spPr>
         <p:txBody>
-          <a:bodyPr anchorCtr="0" anchor="ctr" bIns="91425" lIns="91425" rIns="91425" tIns="91425">
+          <a:bodyPr lIns="91425" tIns="91425" rIns="91425" bIns="91425" anchor="ctr" anchorCtr="0">
             <a:noAutofit/>
           </a:bodyPr>
           <a:lstStyle/>
@@ -5709,12 +6010,21 @@
               </a:rPr>
               <a:t>‹#›</a:t>
             </a:fld>
+            <a:endParaRPr lang="en" sz="1000">
+              <a:solidFill>
+                <a:schemeClr val="lt2"/>
+              </a:solidFill>
+              <a:latin typeface="Roboto"/>
+              <a:ea typeface="Roboto"/>
+              <a:cs typeface="Roboto"/>
+              <a:sym typeface="Roboto"/>
+            </a:endParaRPr>
           </a:p>
         </p:txBody>
       </p:sp>
     </p:spTree>
   </p:cSld>
-  <p:clrMap accent1="accent1" accent2="accent2" accent3="accent3" accent4="accent4" accent5="accent5" accent6="accent6" bg1="lt1" bg2="dk2" tx1="dk1" tx2="lt2" folHlink="folHlink" hlink="hlink"/>
+  <p:clrMap bg1="lt1" tx1="dk1" bg2="dk2" tx2="lt2" accent1="accent1" accent2="accent2" accent3="accent3" accent4="accent4" accent5="accent5" accent6="accent6" hlink="hlink" folHlink="folHlink"/>
   <p:sldLayoutIdLst>
     <p:sldLayoutId id="2147483648" r:id="rId1"/>
     <p:sldLayoutId id="2147483649" r:id="rId2"/>
@@ -5728,10 +6038,10 @@
     <p:sldLayoutId id="2147483657" r:id="rId10"/>
     <p:sldLayoutId id="2147483658" r:id="rId11"/>
   </p:sldLayoutIdLst>
-  <p:hf dt="0" ftr="0" hdr="0" sldNum="0"/>
+  <p:hf sldNum="0" hdr="0" ftr="0" dt="0"/>
   <p:txStyles>
     <p:titleStyle>
-      <a:defPPr lvl="0" marR="0" rtl="0" algn="l">
+      <a:defPPr marR="0" lvl="0" algn="l" rtl="0">
         <a:lnSpc>
           <a:spcPct val="100000"/>
         </a:lnSpc>
@@ -5742,7 +6052,7 @@
           <a:spcPts val="0"/>
         </a:spcAft>
       </a:defPPr>
-      <a:lvl1pPr lvl="0" marR="0" rtl="0" algn="l">
+      <a:lvl1pPr marR="0" lvl="0" algn="l" rtl="0">
         <a:lnSpc>
           <a:spcPct val="100000"/>
         </a:lnSpc>
@@ -5753,7 +6063,7 @@
           <a:spcPts val="0"/>
         </a:spcAft>
         <a:buNone/>
-        <a:defRPr b="0" i="0" sz="1400" u="none" cap="none" strike="noStrike">
+        <a:defRPr sz="1400" b="0" i="0" u="none" strike="noStrike" cap="none">
           <a:solidFill>
             <a:srgbClr val="000000"/>
           </a:solidFill>
@@ -5766,7 +6076,7 @@
       </a:lvl1pPr>
     </p:titleStyle>
     <p:bodyStyle>
-      <a:defPPr lvl="0" marR="0" rtl="0" algn="l">
+      <a:defPPr marR="0" lvl="0" algn="l" rtl="0">
         <a:lnSpc>
           <a:spcPct val="100000"/>
         </a:lnSpc>
@@ -5777,7 +6087,7 @@
           <a:spcPts val="0"/>
         </a:spcAft>
       </a:defPPr>
-      <a:lvl1pPr lvl="0" marR="0" rtl="0" algn="l">
+      <a:lvl1pPr marR="0" lvl="0" algn="l" rtl="0">
         <a:lnSpc>
           <a:spcPct val="100000"/>
         </a:lnSpc>
@@ -5788,7 +6098,7 @@
           <a:spcPts val="0"/>
         </a:spcAft>
         <a:buNone/>
-        <a:defRPr b="0" i="0" sz="1400" u="none" cap="none" strike="noStrike">
+        <a:defRPr sz="1400" b="0" i="0" u="none" strike="noStrike" cap="none">
           <a:solidFill>
             <a:srgbClr val="000000"/>
           </a:solidFill>
@@ -5799,7 +6109,7 @@
           <a:rtl val="0"/>
         </a:defRPr>
       </a:lvl1pPr>
-      <a:lvl2pPr lvl="1" marR="0" rtl="0" algn="l">
+      <a:lvl2pPr marR="0" lvl="1" algn="l" rtl="0">
         <a:lnSpc>
           <a:spcPct val="100000"/>
         </a:lnSpc>
@@ -5810,7 +6120,7 @@
           <a:spcPts val="0"/>
         </a:spcAft>
         <a:buNone/>
-        <a:defRPr b="0" i="0" sz="1400" u="none" cap="none" strike="noStrike">
+        <a:defRPr sz="1400" b="0" i="0" u="none" strike="noStrike" cap="none">
           <a:solidFill>
             <a:srgbClr val="000000"/>
           </a:solidFill>
@@ -5821,7 +6131,7 @@
           <a:rtl val="0"/>
         </a:defRPr>
       </a:lvl2pPr>
-      <a:lvl3pPr lvl="2" marR="0" rtl="0" algn="l">
+      <a:lvl3pPr marR="0" lvl="2" algn="l" rtl="0">
         <a:lnSpc>
           <a:spcPct val="100000"/>
         </a:lnSpc>
@@ -5832,7 +6142,7 @@
           <a:spcPts val="0"/>
         </a:spcAft>
         <a:buNone/>
-        <a:defRPr b="0" i="0" sz="1400" u="none" cap="none" strike="noStrike">
+        <a:defRPr sz="1400" b="0" i="0" u="none" strike="noStrike" cap="none">
           <a:solidFill>
             <a:srgbClr val="000000"/>
           </a:solidFill>
@@ -5843,7 +6153,7 @@
           <a:rtl val="0"/>
         </a:defRPr>
       </a:lvl3pPr>
-      <a:lvl4pPr lvl="3" marR="0" rtl="0" algn="l">
+      <a:lvl4pPr marR="0" lvl="3" algn="l" rtl="0">
         <a:lnSpc>
           <a:spcPct val="100000"/>
         </a:lnSpc>
@@ -5854,7 +6164,7 @@
           <a:spcPts val="0"/>
         </a:spcAft>
         <a:buNone/>
-        <a:defRPr b="0" i="0" sz="1400" u="none" cap="none" strike="noStrike">
+        <a:defRPr sz="1400" b="0" i="0" u="none" strike="noStrike" cap="none">
           <a:solidFill>
             <a:srgbClr val="000000"/>
           </a:solidFill>
@@ -5865,7 +6175,7 @@
           <a:rtl val="0"/>
         </a:defRPr>
       </a:lvl4pPr>
-      <a:lvl5pPr lvl="4" marR="0" rtl="0" algn="l">
+      <a:lvl5pPr marR="0" lvl="4" algn="l" rtl="0">
         <a:lnSpc>
           <a:spcPct val="100000"/>
         </a:lnSpc>
@@ -5876,7 +6186,7 @@
           <a:spcPts val="0"/>
         </a:spcAft>
         <a:buNone/>
-        <a:defRPr b="0" i="0" sz="1400" u="none" cap="none" strike="noStrike">
+        <a:defRPr sz="1400" b="0" i="0" u="none" strike="noStrike" cap="none">
           <a:solidFill>
             <a:srgbClr val="000000"/>
           </a:solidFill>
@@ -5887,7 +6197,7 @@
           <a:rtl val="0"/>
         </a:defRPr>
       </a:lvl5pPr>
-      <a:lvl6pPr lvl="5" marR="0" rtl="0" algn="l">
+      <a:lvl6pPr marR="0" lvl="5" algn="l" rtl="0">
         <a:lnSpc>
           <a:spcPct val="100000"/>
         </a:lnSpc>
@@ -5898,7 +6208,7 @@
           <a:spcPts val="0"/>
         </a:spcAft>
         <a:buNone/>
-        <a:defRPr b="0" i="0" sz="1400" u="none" cap="none" strike="noStrike">
+        <a:defRPr sz="1400" b="0" i="0" u="none" strike="noStrike" cap="none">
           <a:solidFill>
             <a:srgbClr val="000000"/>
           </a:solidFill>
@@ -5909,7 +6219,7 @@
           <a:rtl val="0"/>
         </a:defRPr>
       </a:lvl6pPr>
-      <a:lvl7pPr lvl="6" marR="0" rtl="0" algn="l">
+      <a:lvl7pPr marR="0" lvl="6" algn="l" rtl="0">
         <a:lnSpc>
           <a:spcPct val="100000"/>
         </a:lnSpc>
@@ -5920,7 +6230,7 @@
           <a:spcPts val="0"/>
         </a:spcAft>
         <a:buNone/>
-        <a:defRPr b="0" i="0" sz="1400" u="none" cap="none" strike="noStrike">
+        <a:defRPr sz="1400" b="0" i="0" u="none" strike="noStrike" cap="none">
           <a:solidFill>
             <a:srgbClr val="000000"/>
           </a:solidFill>
@@ -5931,7 +6241,7 @@
           <a:rtl val="0"/>
         </a:defRPr>
       </a:lvl7pPr>
-      <a:lvl8pPr lvl="7" marR="0" rtl="0" algn="l">
+      <a:lvl8pPr marR="0" lvl="7" algn="l" rtl="0">
         <a:lnSpc>
           <a:spcPct val="100000"/>
         </a:lnSpc>
@@ -5942,7 +6252,7 @@
           <a:spcPts val="0"/>
         </a:spcAft>
         <a:buNone/>
-        <a:defRPr b="0" i="0" sz="1400" u="none" cap="none" strike="noStrike">
+        <a:defRPr sz="1400" b="0" i="0" u="none" strike="noStrike" cap="none">
           <a:solidFill>
             <a:srgbClr val="000000"/>
           </a:solidFill>
@@ -5953,7 +6263,7 @@
           <a:rtl val="0"/>
         </a:defRPr>
       </a:lvl8pPr>
-      <a:lvl9pPr lvl="8" marR="0" rtl="0" algn="l">
+      <a:lvl9pPr marR="0" lvl="8" algn="l" rtl="0">
         <a:lnSpc>
           <a:spcPct val="100000"/>
         </a:lnSpc>
@@ -5964,7 +6274,7 @@
           <a:spcPts val="0"/>
         </a:spcAft>
         <a:buNone/>
-        <a:defRPr b="0" i="0" sz="1400" u="none" cap="none" strike="noStrike">
+        <a:defRPr sz="1400" b="0" i="0" u="none" strike="noStrike" cap="none">
           <a:solidFill>
             <a:srgbClr val="000000"/>
           </a:solidFill>
@@ -5977,7 +6287,7 @@
       </a:lvl9pPr>
     </p:bodyStyle>
     <p:otherStyle>
-      <a:defPPr lvl="0" marR="0" rtl="0" algn="l">
+      <a:defPPr marR="0" lvl="0" algn="l" rtl="0">
         <a:lnSpc>
           <a:spcPct val="100000"/>
         </a:lnSpc>
@@ -5988,7 +6298,7 @@
           <a:spcPts val="0"/>
         </a:spcAft>
       </a:defPPr>
-      <a:lvl1pPr lvl="0" marR="0" rtl="0" algn="l">
+      <a:lvl1pPr marR="0" lvl="0" algn="l" rtl="0">
         <a:lnSpc>
           <a:spcPct val="100000"/>
         </a:lnSpc>
@@ -5999,7 +6309,7 @@
           <a:spcPts val="0"/>
         </a:spcAft>
         <a:buNone/>
-        <a:defRPr b="0" i="0" sz="1400" u="none" cap="none" strike="noStrike">
+        <a:defRPr sz="1400" b="0" i="0" u="none" strike="noStrike" cap="none">
           <a:solidFill>
             <a:srgbClr val="000000"/>
           </a:solidFill>
@@ -6010,7 +6320,7 @@
           <a:rtl val="0"/>
         </a:defRPr>
       </a:lvl1pPr>
-      <a:lvl2pPr lvl="1" marR="0" rtl="0" algn="l">
+      <a:lvl2pPr marR="0" lvl="1" algn="l" rtl="0">
         <a:lnSpc>
           <a:spcPct val="100000"/>
         </a:lnSpc>
@@ -6021,7 +6331,7 @@
           <a:spcPts val="0"/>
         </a:spcAft>
         <a:buNone/>
-        <a:defRPr b="0" i="0" sz="1400" u="none" cap="none" strike="noStrike">
+        <a:defRPr sz="1400" b="0" i="0" u="none" strike="noStrike" cap="none">
           <a:solidFill>
             <a:srgbClr val="000000"/>
           </a:solidFill>
@@ -6032,7 +6342,7 @@
           <a:rtl val="0"/>
         </a:defRPr>
       </a:lvl2pPr>
-      <a:lvl3pPr lvl="2" marR="0" rtl="0" algn="l">
+      <a:lvl3pPr marR="0" lvl="2" algn="l" rtl="0">
         <a:lnSpc>
           <a:spcPct val="100000"/>
         </a:lnSpc>
@@ -6043,7 +6353,7 @@
           <a:spcPts val="0"/>
         </a:spcAft>
         <a:buNone/>
-        <a:defRPr b="0" i="0" sz="1400" u="none" cap="none" strike="noStrike">
+        <a:defRPr sz="1400" b="0" i="0" u="none" strike="noStrike" cap="none">
           <a:solidFill>
             <a:srgbClr val="000000"/>
           </a:solidFill>
@@ -6054,7 +6364,7 @@
           <a:rtl val="0"/>
         </a:defRPr>
       </a:lvl3pPr>
-      <a:lvl4pPr lvl="3" marR="0" rtl="0" algn="l">
+      <a:lvl4pPr marR="0" lvl="3" algn="l" rtl="0">
         <a:lnSpc>
           <a:spcPct val="100000"/>
         </a:lnSpc>
@@ -6065,7 +6375,7 @@
           <a:spcPts val="0"/>
         </a:spcAft>
         <a:buNone/>
-        <a:defRPr b="0" i="0" sz="1400" u="none" cap="none" strike="noStrike">
+        <a:defRPr sz="1400" b="0" i="0" u="none" strike="noStrike" cap="none">
           <a:solidFill>
             <a:srgbClr val="000000"/>
           </a:solidFill>
@@ -6076,7 +6386,7 @@
           <a:rtl val="0"/>
         </a:defRPr>
       </a:lvl4pPr>
-      <a:lvl5pPr lvl="4" marR="0" rtl="0" algn="l">
+      <a:lvl5pPr marR="0" lvl="4" algn="l" rtl="0">
         <a:lnSpc>
           <a:spcPct val="100000"/>
         </a:lnSpc>
@@ -6087,7 +6397,7 @@
           <a:spcPts val="0"/>
         </a:spcAft>
         <a:buNone/>
-        <a:defRPr b="0" i="0" sz="1400" u="none" cap="none" strike="noStrike">
+        <a:defRPr sz="1400" b="0" i="0" u="none" strike="noStrike" cap="none">
           <a:solidFill>
             <a:srgbClr val="000000"/>
           </a:solidFill>
@@ -6098,7 +6408,7 @@
           <a:rtl val="0"/>
         </a:defRPr>
       </a:lvl5pPr>
-      <a:lvl6pPr lvl="5" marR="0" rtl="0" algn="l">
+      <a:lvl6pPr marR="0" lvl="5" algn="l" rtl="0">
         <a:lnSpc>
           <a:spcPct val="100000"/>
         </a:lnSpc>
@@ -6109,7 +6419,7 @@
           <a:spcPts val="0"/>
         </a:spcAft>
         <a:buNone/>
-        <a:defRPr b="0" i="0" sz="1400" u="none" cap="none" strike="noStrike">
+        <a:defRPr sz="1400" b="0" i="0" u="none" strike="noStrike" cap="none">
           <a:solidFill>
             <a:srgbClr val="000000"/>
           </a:solidFill>
@@ -6120,7 +6430,7 @@
           <a:rtl val="0"/>
         </a:defRPr>
       </a:lvl6pPr>
-      <a:lvl7pPr lvl="6" marR="0" rtl="0" algn="l">
+      <a:lvl7pPr marR="0" lvl="6" algn="l" rtl="0">
         <a:lnSpc>
           <a:spcPct val="100000"/>
         </a:lnSpc>
@@ -6131,7 +6441,7 @@
           <a:spcPts val="0"/>
         </a:spcAft>
         <a:buNone/>
-        <a:defRPr b="0" i="0" sz="1400" u="none" cap="none" strike="noStrike">
+        <a:defRPr sz="1400" b="0" i="0" u="none" strike="noStrike" cap="none">
           <a:solidFill>
             <a:srgbClr val="000000"/>
           </a:solidFill>
@@ -6142,7 +6452,7 @@
           <a:rtl val="0"/>
         </a:defRPr>
       </a:lvl7pPr>
-      <a:lvl8pPr lvl="7" marR="0" rtl="0" algn="l">
+      <a:lvl8pPr marR="0" lvl="7" algn="l" rtl="0">
         <a:lnSpc>
           <a:spcPct val="100000"/>
         </a:lnSpc>
@@ -6153,7 +6463,7 @@
           <a:spcPts val="0"/>
         </a:spcAft>
         <a:buNone/>
-        <a:defRPr b="0" i="0" sz="1400" u="none" cap="none" strike="noStrike">
+        <a:defRPr sz="1400" b="0" i="0" u="none" strike="noStrike" cap="none">
           <a:solidFill>
             <a:srgbClr val="000000"/>
           </a:solidFill>
@@ -6164,7 +6474,7 @@
           <a:rtl val="0"/>
         </a:defRPr>
       </a:lvl8pPr>
-      <a:lvl9pPr lvl="8" marR="0" rtl="0" algn="l">
+      <a:lvl9pPr marR="0" lvl="8" algn="l" rtl="0">
         <a:lnSpc>
           <a:spcPct val="100000"/>
         </a:lnSpc>
@@ -6175,7 +6485,7 @@
           <a:spcPts val="0"/>
         </a:spcAft>
         <a:buNone/>
-        <a:defRPr b="0" i="0" sz="1400" u="none" cap="none" strike="noStrike">
+        <a:defRPr sz="1400" b="0" i="0" u="none" strike="noStrike" cap="none">
           <a:solidFill>
             <a:srgbClr val="000000"/>
           </a:solidFill>
@@ -6191,12 +6501,12 @@
 </p:sldMaster>
 </file>
 
-<file path=ppt/slides/slide.xml><?xml version="1.0" encoding="utf-8"?>
-<p:sld xmlns:a="http://schemas.openxmlformats.org/drawingml/2006/main" xmlns:r="http://schemas.openxmlformats.org/officeDocument/2006/relationships" xmlns:mc="http://schemas.openxmlformats.org/markup-compatibility/2006" xmlns:mv="urn:schemas-microsoft-com:mac:vml" xmlns:p="http://schemas.openxmlformats.org/presentationml/2006/main" xmlns:c="http://schemas.openxmlformats.org/drawingml/2006/chart" xmlns:dgm="http://schemas.openxmlformats.org/drawingml/2006/diagram" xmlns:o="urn:schemas-microsoft-com:office:office" xmlns:v="urn:schemas-microsoft-com:vml" xmlns:pvml="urn:schemas-microsoft-com:office:powerpoint" xmlns:com="http://schemas.openxmlformats.org/drawingml/2006/compatibility" xmlns:p14="http://schemas.microsoft.com/office/powerpoint/2010/main">
+<file path=ppt/slides/slide1.xml><?xml version="1.0" encoding="utf-8"?>
+<p:sld xmlns:a="http://schemas.openxmlformats.org/drawingml/2006/main" xmlns:r="http://schemas.openxmlformats.org/officeDocument/2006/relationships" xmlns:p="http://schemas.openxmlformats.org/presentationml/2006/main">
   <p:cSld>
     <p:spTree>
       <p:nvGrpSpPr>
-        <p:cNvPr id="66" name="Shape 66"/>
+        <p:cNvPr id="1" name="Shape 66"/>
         <p:cNvGrpSpPr/>
         <p:nvPr/>
       </p:nvGrpSpPr>
@@ -6211,7 +6521,9 @@
       <p:sp>
         <p:nvSpPr>
           <p:cNvPr id="67" name="Shape 67"/>
-          <p:cNvSpPr txBox="1"/>
+          <p:cNvSpPr txBox="1">
+            <a:spLocks noGrp="1"/>
+          </p:cNvSpPr>
           <p:nvPr>
             <p:ph type="ctrTitle"/>
           </p:nvPr>
@@ -6226,7 +6538,7 @@
           </a:prstGeom>
         </p:spPr>
         <p:txBody>
-          <a:bodyPr anchorCtr="0" anchor="b" bIns="91425" lIns="91425" rIns="91425" tIns="91425">
+          <a:bodyPr lIns="91425" tIns="91425" rIns="91425" bIns="91425" anchor="b" anchorCtr="0">
             <a:noAutofit/>
           </a:bodyPr>
           <a:lstStyle/>
@@ -6247,9 +6559,11 @@
       <p:sp>
         <p:nvSpPr>
           <p:cNvPr id="68" name="Shape 68"/>
-          <p:cNvSpPr txBox="1"/>
+          <p:cNvSpPr txBox="1">
+            <a:spLocks noGrp="1"/>
+          </p:cNvSpPr>
           <p:nvPr>
-            <p:ph idx="1" type="subTitle"/>
+            <p:ph type="subTitle" idx="1"/>
           </p:nvPr>
         </p:nvSpPr>
         <p:spPr>
@@ -6262,7 +6576,7 @@
           </a:prstGeom>
         </p:spPr>
         <p:txBody>
-          <a:bodyPr anchorCtr="0" anchor="t" bIns="91425" lIns="91425" rIns="91425" tIns="91425">
+          <a:bodyPr lIns="91425" tIns="91425" rIns="91425" bIns="91425" anchor="t" anchorCtr="0">
             <a:noAutofit/>
           </a:bodyPr>
           <a:lstStyle/>
@@ -6300,12 +6614,12 @@
           </a:ln>
         </p:spPr>
         <p:txBody>
-          <a:bodyPr anchorCtr="0" anchor="t" bIns="91425" lIns="91425" rIns="91425" tIns="91425">
+          <a:bodyPr lIns="91425" tIns="91425" rIns="91425" bIns="91425" anchor="t" anchorCtr="0">
             <a:noAutofit/>
           </a:bodyPr>
           <a:lstStyle/>
           <a:p>
-            <a:pPr lvl="0" rtl="0" algn="r">
+            <a:pPr lvl="0" algn="r" rtl="0">
               <a:spcBef>
                 <a:spcPts val="0"/>
               </a:spcBef>
@@ -6321,7 +6635,7 @@
             </a:r>
           </a:p>
           <a:p>
-            <a:pPr lvl="0" rtl="0" algn="r">
+            <a:pPr lvl="0" algn="r" rtl="0">
               <a:spcBef>
                 <a:spcPts val="0"/>
               </a:spcBef>
@@ -6365,12 +6679,12 @@
 </p:sld>
 </file>
 
-<file path=ppt/slides/slide1.xml><?xml version="1.0" encoding="utf-8"?>
-<p:sld xmlns:a="http://schemas.openxmlformats.org/drawingml/2006/main" xmlns:r="http://schemas.openxmlformats.org/officeDocument/2006/relationships" xmlns:mc="http://schemas.openxmlformats.org/markup-compatibility/2006" xmlns:mv="urn:schemas-microsoft-com:mac:vml" xmlns:p="http://schemas.openxmlformats.org/presentationml/2006/main" xmlns:c="http://schemas.openxmlformats.org/drawingml/2006/chart" xmlns:dgm="http://schemas.openxmlformats.org/drawingml/2006/diagram" xmlns:o="urn:schemas-microsoft-com:office:office" xmlns:v="urn:schemas-microsoft-com:vml" xmlns:pvml="urn:schemas-microsoft-com:office:powerpoint" xmlns:com="http://schemas.openxmlformats.org/drawingml/2006/compatibility" xmlns:p14="http://schemas.microsoft.com/office/powerpoint/2010/main">
+<file path=ppt/slides/slide10.xml><?xml version="1.0" encoding="utf-8"?>
+<p:sld xmlns:a="http://schemas.openxmlformats.org/drawingml/2006/main" xmlns:r="http://schemas.openxmlformats.org/officeDocument/2006/relationships" xmlns:p="http://schemas.openxmlformats.org/presentationml/2006/main">
   <p:cSld>
     <p:spTree>
       <p:nvGrpSpPr>
-        <p:cNvPr id="73" name="Shape 73"/>
+        <p:cNvPr id="1" name="Shape 127"/>
         <p:cNvGrpSpPr/>
         <p:nvPr/>
       </p:nvGrpSpPr>
@@ -6384,14 +6698,405 @@
       </p:grpSpPr>
       <p:sp>
         <p:nvSpPr>
-          <p:cNvPr id="74" name="Shape 74"/>
-          <p:cNvSpPr txBox="1"/>
+          <p:cNvPr id="128" name="Shape 128"/>
+          <p:cNvSpPr txBox="1">
+            <a:spLocks noGrp="1"/>
+          </p:cNvSpPr>
+          <p:nvPr>
+            <p:ph type="body" idx="1"/>
+          </p:nvPr>
+        </p:nvSpPr>
+        <p:spPr>
+          <a:xfrm>
+            <a:off x="57150" y="4696825"/>
+            <a:ext cx="8381999" cy="446700"/>
+          </a:xfrm>
+          <a:prstGeom prst="rect">
+            <a:avLst/>
+          </a:prstGeom>
+        </p:spPr>
+        <p:txBody>
+          <a:bodyPr lIns="91425" tIns="91425" rIns="91425" bIns="91425" anchor="ctr" anchorCtr="0">
+            <a:noAutofit/>
+          </a:bodyPr>
+          <a:lstStyle/>
+          <a:p>
+            <a:pPr lvl="0">
+              <a:spcBef>
+                <a:spcPts val="0"/>
+              </a:spcBef>
+              <a:buNone/>
+            </a:pPr>
+            <a:r>
+              <a:rPr lang="en"/>
+              <a:t>List of Students</a:t>
+            </a:r>
+          </a:p>
+        </p:txBody>
+      </p:sp>
+      <p:pic>
+        <p:nvPicPr>
+          <p:cNvPr id="129" name="Shape 129"/>
+          <p:cNvPicPr preferRelativeResize="0"/>
+          <p:nvPr/>
+        </p:nvPicPr>
+        <p:blipFill>
+          <a:blip r:embed="rId3">
+            <a:alphaModFix/>
+          </a:blip>
+          <a:stretch>
+            <a:fillRect/>
+          </a:stretch>
+        </p:blipFill>
+        <p:spPr>
+          <a:xfrm>
+            <a:off x="1339079" y="0"/>
+            <a:ext cx="6465840" cy="4696824"/>
+          </a:xfrm>
+          <a:prstGeom prst="rect">
+            <a:avLst/>
+          </a:prstGeom>
+          <a:noFill/>
+          <a:ln>
+            <a:noFill/>
+          </a:ln>
+        </p:spPr>
+      </p:pic>
+      <p:sp>
+        <p:nvSpPr>
+          <p:cNvPr id="130" name="Shape 130"/>
+          <p:cNvSpPr/>
+          <p:nvPr/>
+        </p:nvSpPr>
+        <p:spPr>
+          <a:xfrm>
+            <a:off x="3024375" y="3780475"/>
+            <a:ext cx="2386499" cy="446700"/>
+          </a:xfrm>
+          <a:prstGeom prst="rect">
+            <a:avLst/>
+          </a:prstGeom>
+          <a:noFill/>
+          <a:ln w="38100" cap="flat" cmpd="sng">
+            <a:solidFill>
+              <a:srgbClr val="FF0000"/>
+            </a:solidFill>
+            <a:prstDash val="solid"/>
+            <a:round/>
+            <a:headEnd type="none" w="med" len="med"/>
+            <a:tailEnd type="none" w="med" len="med"/>
+          </a:ln>
+        </p:spPr>
+        <p:txBody>
+          <a:bodyPr lIns="91425" tIns="91425" rIns="91425" bIns="91425" anchor="ctr" anchorCtr="0">
+            <a:noAutofit/>
+          </a:bodyPr>
+          <a:lstStyle/>
+          <a:p>
+            <a:pPr lvl="0">
+              <a:spcBef>
+                <a:spcPts val="0"/>
+              </a:spcBef>
+              <a:buNone/>
+            </a:pPr>
+            <a:endParaRPr/>
+          </a:p>
+        </p:txBody>
+      </p:sp>
+    </p:spTree>
+  </p:cSld>
+  <p:clrMapOvr>
+    <a:masterClrMapping/>
+  </p:clrMapOvr>
+  <p:transition spd="slow">
+    <p:cut/>
+  </p:transition>
+</p:sld>
+</file>
+
+<file path=ppt/slides/slide11.xml><?xml version="1.0" encoding="utf-8"?>
+<p:sld xmlns:a="http://schemas.openxmlformats.org/drawingml/2006/main" xmlns:r="http://schemas.openxmlformats.org/officeDocument/2006/relationships" xmlns:p="http://schemas.openxmlformats.org/presentationml/2006/main">
+  <p:cSld>
+    <p:spTree>
+      <p:nvGrpSpPr>
+        <p:cNvPr id="1" name="Shape 134"/>
+        <p:cNvGrpSpPr/>
+        <p:nvPr/>
+      </p:nvGrpSpPr>
+      <p:grpSpPr>
+        <a:xfrm>
+          <a:off x="0" y="0"/>
+          <a:ext cx="0" cy="0"/>
+          <a:chOff x="0" y="0"/>
+          <a:chExt cx="0" cy="0"/>
+        </a:xfrm>
+      </p:grpSpPr>
+      <p:sp>
+        <p:nvSpPr>
+          <p:cNvPr id="135" name="Shape 135"/>
+          <p:cNvSpPr txBox="1">
+            <a:spLocks noGrp="1"/>
+          </p:cNvSpPr>
+          <p:nvPr>
+            <p:ph type="body" idx="1"/>
+          </p:nvPr>
+        </p:nvSpPr>
+        <p:spPr>
+          <a:xfrm>
+            <a:off x="57150" y="4696825"/>
+            <a:ext cx="8381999" cy="446700"/>
+          </a:xfrm>
+          <a:prstGeom prst="rect">
+            <a:avLst/>
+          </a:prstGeom>
+        </p:spPr>
+        <p:txBody>
+          <a:bodyPr lIns="91425" tIns="91425" rIns="91425" bIns="91425" anchor="ctr" anchorCtr="0">
+            <a:noAutofit/>
+          </a:bodyPr>
+          <a:lstStyle/>
+          <a:p>
+            <a:pPr lvl="0">
+              <a:spcBef>
+                <a:spcPts val="0"/>
+              </a:spcBef>
+              <a:buNone/>
+            </a:pPr>
+            <a:r>
+              <a:rPr lang="en"/>
+              <a:t>List of Students</a:t>
+            </a:r>
+          </a:p>
+        </p:txBody>
+      </p:sp>
+      <p:pic>
+        <p:nvPicPr>
+          <p:cNvPr id="136" name="Shape 136"/>
+          <p:cNvPicPr preferRelativeResize="0"/>
+          <p:nvPr/>
+        </p:nvPicPr>
+        <p:blipFill>
+          <a:blip r:embed="rId3">
+            <a:alphaModFix/>
+          </a:blip>
+          <a:stretch>
+            <a:fillRect/>
+          </a:stretch>
+        </p:blipFill>
+        <p:spPr>
+          <a:xfrm>
+            <a:off x="1326589" y="0"/>
+            <a:ext cx="6490820" cy="4647299"/>
+          </a:xfrm>
+          <a:prstGeom prst="rect">
+            <a:avLst/>
+          </a:prstGeom>
+          <a:noFill/>
+          <a:ln>
+            <a:noFill/>
+          </a:ln>
+        </p:spPr>
+      </p:pic>
+    </p:spTree>
+  </p:cSld>
+  <p:clrMapOvr>
+    <a:masterClrMapping/>
+  </p:clrMapOvr>
+  <p:transition spd="slow">
+    <p:cut/>
+  </p:transition>
+</p:sld>
+</file>
+
+<file path=ppt/slides/slide12.xml><?xml version="1.0" encoding="utf-8"?>
+<p:sld xmlns:a="http://schemas.openxmlformats.org/drawingml/2006/main" xmlns:r="http://schemas.openxmlformats.org/officeDocument/2006/relationships" xmlns:p="http://schemas.openxmlformats.org/presentationml/2006/main">
+  <p:cSld>
+    <p:spTree>
+      <p:nvGrpSpPr>
+        <p:cNvPr id="1" name="Shape 140"/>
+        <p:cNvGrpSpPr/>
+        <p:nvPr/>
+      </p:nvGrpSpPr>
+      <p:grpSpPr>
+        <a:xfrm>
+          <a:off x="0" y="0"/>
+          <a:ext cx="0" cy="0"/>
+          <a:chOff x="0" y="0"/>
+          <a:chExt cx="0" cy="0"/>
+        </a:xfrm>
+      </p:grpSpPr>
+      <p:sp>
+        <p:nvSpPr>
+          <p:cNvPr id="141" name="Shape 141"/>
+          <p:cNvSpPr txBox="1">
+            <a:spLocks noGrp="1"/>
+          </p:cNvSpPr>
           <p:nvPr>
             <p:ph type="title"/>
           </p:nvPr>
         </p:nvSpPr>
         <p:spPr>
           <a:xfrm>
+            <a:off x="460950" y="2065350"/>
+            <a:ext cx="8222100" cy="1012799"/>
+          </a:xfrm>
+          <a:prstGeom prst="rect">
+            <a:avLst/>
+          </a:prstGeom>
+        </p:spPr>
+        <p:txBody>
+          <a:bodyPr lIns="91425" tIns="91425" rIns="91425" bIns="91425" anchor="ctr" anchorCtr="0">
+            <a:noAutofit/>
+          </a:bodyPr>
+          <a:lstStyle/>
+          <a:p>
+            <a:pPr lvl="0">
+              <a:spcBef>
+                <a:spcPts val="0"/>
+              </a:spcBef>
+              <a:buNone/>
+            </a:pPr>
+            <a:r>
+              <a:rPr lang="en"/>
+              <a:t>Directory: Sample Entry</a:t>
+            </a:r>
+          </a:p>
+        </p:txBody>
+      </p:sp>
+    </p:spTree>
+  </p:cSld>
+  <p:clrMapOvr>
+    <a:masterClrMapping/>
+  </p:clrMapOvr>
+  <p:transition spd="slow">
+    <p:cut/>
+  </p:transition>
+</p:sld>
+</file>
+
+<file path=ppt/slides/slide13.xml><?xml version="1.0" encoding="utf-8"?>
+<p:sld xmlns:a="http://schemas.openxmlformats.org/drawingml/2006/main" xmlns:r="http://schemas.openxmlformats.org/officeDocument/2006/relationships" xmlns:p="http://schemas.openxmlformats.org/presentationml/2006/main">
+  <p:cSld>
+    <p:spTree>
+      <p:nvGrpSpPr>
+        <p:cNvPr id="1" name="Shape 145"/>
+        <p:cNvGrpSpPr/>
+        <p:nvPr/>
+      </p:nvGrpSpPr>
+      <p:grpSpPr>
+        <a:xfrm>
+          <a:off x="0" y="0"/>
+          <a:ext cx="0" cy="0"/>
+          <a:chOff x="0" y="0"/>
+          <a:chExt cx="0" cy="0"/>
+        </a:xfrm>
+      </p:grpSpPr>
+      <p:sp>
+        <p:nvSpPr>
+          <p:cNvPr id="146" name="Shape 146"/>
+          <p:cNvSpPr txBox="1">
+            <a:spLocks noGrp="1"/>
+          </p:cNvSpPr>
+          <p:nvPr>
+            <p:ph type="body" idx="1"/>
+          </p:nvPr>
+        </p:nvSpPr>
+        <p:spPr>
+          <a:xfrm>
+            <a:off x="57150" y="4696825"/>
+            <a:ext cx="8381999" cy="446700"/>
+          </a:xfrm>
+          <a:prstGeom prst="rect">
+            <a:avLst/>
+          </a:prstGeom>
+        </p:spPr>
+        <p:txBody>
+          <a:bodyPr lIns="91425" tIns="91425" rIns="91425" bIns="91425" anchor="ctr" anchorCtr="0">
+            <a:noAutofit/>
+          </a:bodyPr>
+          <a:lstStyle/>
+          <a:p>
+            <a:pPr lvl="0">
+              <a:spcBef>
+                <a:spcPts val="0"/>
+              </a:spcBef>
+              <a:buNone/>
+            </a:pPr>
+            <a:r>
+              <a:rPr lang="en"/>
+              <a:t>Sample Entry</a:t>
+            </a:r>
+          </a:p>
+        </p:txBody>
+      </p:sp>
+      <p:pic>
+        <p:nvPicPr>
+          <p:cNvPr id="147" name="Shape 147"/>
+          <p:cNvPicPr preferRelativeResize="0"/>
+          <p:nvPr/>
+        </p:nvPicPr>
+        <p:blipFill>
+          <a:blip r:embed="rId3">
+            <a:alphaModFix/>
+          </a:blip>
+          <a:stretch>
+            <a:fillRect/>
+          </a:stretch>
+        </p:blipFill>
+        <p:spPr>
+          <a:xfrm>
+            <a:off x="0" y="555663"/>
+            <a:ext cx="9143999" cy="4032173"/>
+          </a:xfrm>
+          <a:prstGeom prst="rect">
+            <a:avLst/>
+          </a:prstGeom>
+          <a:noFill/>
+          <a:ln>
+            <a:noFill/>
+          </a:ln>
+        </p:spPr>
+      </p:pic>
+    </p:spTree>
+  </p:cSld>
+  <p:clrMapOvr>
+    <a:masterClrMapping/>
+  </p:clrMapOvr>
+  <p:transition spd="slow">
+    <p:cut/>
+  </p:transition>
+</p:sld>
+</file>
+
+<file path=ppt/slides/slide14.xml><?xml version="1.0" encoding="utf-8"?>
+<p:sld xmlns:a="http://schemas.openxmlformats.org/drawingml/2006/main" xmlns:r="http://schemas.openxmlformats.org/officeDocument/2006/relationships" xmlns:p="http://schemas.openxmlformats.org/presentationml/2006/main">
+  <p:cSld>
+    <p:spTree>
+      <p:nvGrpSpPr>
+        <p:cNvPr id="1" name="Shape 151"/>
+        <p:cNvGrpSpPr/>
+        <p:nvPr/>
+      </p:nvGrpSpPr>
+      <p:grpSpPr>
+        <a:xfrm>
+          <a:off x="0" y="0"/>
+          <a:ext cx="0" cy="0"/>
+          <a:chOff x="0" y="0"/>
+          <a:chExt cx="0" cy="0"/>
+        </a:xfrm>
+      </p:grpSpPr>
+      <p:sp>
+        <p:nvSpPr>
+          <p:cNvPr id="152" name="Shape 152"/>
+          <p:cNvSpPr txBox="1">
+            <a:spLocks noGrp="1"/>
+          </p:cNvSpPr>
+          <p:nvPr>
+            <p:ph type="title"/>
+          </p:nvPr>
+        </p:nvSpPr>
+        <p:spPr>
+          <a:xfrm>
             <a:off x="471900" y="738725"/>
             <a:ext cx="8222100" cy="767699"/>
           </a:xfrm>
@@ -6400,7 +7105,379 @@
           </a:prstGeom>
         </p:spPr>
         <p:txBody>
-          <a:bodyPr anchorCtr="0" anchor="b" bIns="91425" lIns="91425" rIns="91425" tIns="91425">
+          <a:bodyPr lIns="91425" tIns="91425" rIns="91425" bIns="91425" anchor="b" anchorCtr="0">
+            <a:noAutofit/>
+          </a:bodyPr>
+          <a:lstStyle/>
+          <a:p>
+            <a:pPr lvl="0">
+              <a:spcBef>
+                <a:spcPts val="0"/>
+              </a:spcBef>
+              <a:buNone/>
+            </a:pPr>
+            <a:r>
+              <a:rPr lang="en"/>
+              <a:t>Tools from outside 122</a:t>
+            </a:r>
+          </a:p>
+        </p:txBody>
+      </p:sp>
+      <p:sp>
+        <p:nvSpPr>
+          <p:cNvPr id="153" name="Shape 153"/>
+          <p:cNvSpPr txBox="1">
+            <a:spLocks noGrp="1"/>
+          </p:cNvSpPr>
+          <p:nvPr>
+            <p:ph type="body" idx="1"/>
+          </p:nvPr>
+        </p:nvSpPr>
+        <p:spPr>
+          <a:xfrm>
+            <a:off x="471900" y="1919075"/>
+            <a:ext cx="8222100" cy="2710200"/>
+          </a:xfrm>
+          <a:prstGeom prst="rect">
+            <a:avLst/>
+          </a:prstGeom>
+        </p:spPr>
+        <p:txBody>
+          <a:bodyPr lIns="91425" tIns="91425" rIns="91425" bIns="91425" anchor="t" anchorCtr="0">
+            <a:noAutofit/>
+          </a:bodyPr>
+          <a:lstStyle/>
+          <a:p>
+            <a:pPr lvl="0" rtl="0">
+              <a:spcBef>
+                <a:spcPts val="0"/>
+              </a:spcBef>
+              <a:buNone/>
+            </a:pPr>
+            <a:r>
+              <a:rPr lang="en"/>
+              <a:t>Django Frontend</a:t>
+            </a:r>
+          </a:p>
+          <a:p>
+            <a:pPr marL="457200" lvl="0" indent="-228600" rtl="0">
+              <a:spcBef>
+                <a:spcPts val="0"/>
+              </a:spcBef>
+            </a:pPr>
+            <a:r>
+              <a:rPr lang="en"/>
+              <a:t>CNet ID &amp; Password entry</a:t>
+            </a:r>
+          </a:p>
+          <a:p>
+            <a:pPr marL="457200" lvl="0" indent="-228600" rtl="0">
+              <a:spcBef>
+                <a:spcPts val="0"/>
+              </a:spcBef>
+            </a:pPr>
+            <a:r>
+              <a:rPr lang="en"/>
+              <a:t>Function menu: what to update?</a:t>
+            </a:r>
+          </a:p>
+          <a:p>
+            <a:pPr lvl="0" rtl="0">
+              <a:spcBef>
+                <a:spcPts val="0"/>
+              </a:spcBef>
+              <a:buNone/>
+            </a:pPr>
+            <a:r>
+              <a:rPr lang="en"/>
+              <a:t>Parsing PDFs (pdfminer) - for grade projection using syllabus weights</a:t>
+            </a:r>
+          </a:p>
+          <a:p>
+            <a:pPr lvl="0">
+              <a:spcBef>
+                <a:spcPts val="0"/>
+              </a:spcBef>
+              <a:buNone/>
+            </a:pPr>
+            <a:r>
+              <a:rPr lang="en"/>
+              <a:t>“Student”, “Instructor” classes to store directory information, pass to plot.ly</a:t>
+            </a:r>
+          </a:p>
+        </p:txBody>
+      </p:sp>
+    </p:spTree>
+  </p:cSld>
+  <p:clrMapOvr>
+    <a:masterClrMapping/>
+  </p:clrMapOvr>
+  <p:transition spd="slow">
+    <p:cut/>
+  </p:transition>
+</p:sld>
+</file>
+
+<file path=ppt/slides/slide15.xml><?xml version="1.0" encoding="utf-8"?>
+<p:sld xmlns:a="http://schemas.openxmlformats.org/drawingml/2006/main" xmlns:r="http://schemas.openxmlformats.org/officeDocument/2006/relationships" xmlns:p="http://schemas.openxmlformats.org/presentationml/2006/main">
+  <p:cSld>
+    <p:spTree>
+      <p:nvGrpSpPr>
+        <p:cNvPr id="1" name="Shape 157"/>
+        <p:cNvGrpSpPr/>
+        <p:nvPr/>
+      </p:nvGrpSpPr>
+      <p:grpSpPr>
+        <a:xfrm>
+          <a:off x="0" y="0"/>
+          <a:ext cx="0" cy="0"/>
+          <a:chOff x="0" y="0"/>
+          <a:chExt cx="0" cy="0"/>
+        </a:xfrm>
+      </p:grpSpPr>
+      <p:sp>
+        <p:nvSpPr>
+          <p:cNvPr id="158" name="Shape 158"/>
+          <p:cNvSpPr txBox="1">
+            <a:spLocks noGrp="1"/>
+          </p:cNvSpPr>
+          <p:nvPr>
+            <p:ph type="title"/>
+          </p:nvPr>
+        </p:nvSpPr>
+        <p:spPr>
+          <a:xfrm>
+            <a:off x="471900" y="738725"/>
+            <a:ext cx="8222100" cy="767699"/>
+          </a:xfrm>
+          <a:prstGeom prst="rect">
+            <a:avLst/>
+          </a:prstGeom>
+        </p:spPr>
+        <p:txBody>
+          <a:bodyPr lIns="91425" tIns="91425" rIns="91425" bIns="91425" anchor="b" anchorCtr="0">
+            <a:noAutofit/>
+          </a:bodyPr>
+          <a:lstStyle/>
+          <a:p>
+            <a:pPr lvl="0">
+              <a:spcBef>
+                <a:spcPts val="0"/>
+              </a:spcBef>
+              <a:buNone/>
+            </a:pPr>
+            <a:r>
+              <a:rPr lang="en"/>
+              <a:t>Timeline &amp; Responsibilities</a:t>
+            </a:r>
+          </a:p>
+        </p:txBody>
+      </p:sp>
+      <p:sp>
+        <p:nvSpPr>
+          <p:cNvPr id="159" name="Shape 159"/>
+          <p:cNvSpPr txBox="1">
+            <a:spLocks noGrp="1"/>
+          </p:cNvSpPr>
+          <p:nvPr>
+            <p:ph type="body" idx="1"/>
+          </p:nvPr>
+        </p:nvSpPr>
+        <p:spPr>
+          <a:xfrm>
+            <a:off x="471900" y="1919075"/>
+            <a:ext cx="8222100" cy="2710200"/>
+          </a:xfrm>
+          <a:prstGeom prst="rect">
+            <a:avLst/>
+          </a:prstGeom>
+        </p:spPr>
+        <p:txBody>
+          <a:bodyPr lIns="91425" tIns="91425" rIns="91425" bIns="91425" anchor="t" anchorCtr="0">
+            <a:noAutofit/>
+          </a:bodyPr>
+          <a:lstStyle/>
+          <a:p>
+            <a:pPr lvl="0" rtl="0">
+              <a:spcBef>
+                <a:spcPts val="0"/>
+              </a:spcBef>
+              <a:buNone/>
+            </a:pPr>
+            <a:r>
+              <a:rPr lang="en" dirty="0"/>
+              <a:t>Week 5/6 - 	Chalk Crawler (Andy + Julian), Directory Crawler (Andrew)</a:t>
+            </a:r>
+          </a:p>
+          <a:p>
+            <a:pPr lvl="0" rtl="0">
+              <a:spcBef>
+                <a:spcPts val="0"/>
+              </a:spcBef>
+              <a:buNone/>
+            </a:pPr>
+            <a:r>
+              <a:rPr lang="en" dirty="0"/>
+              <a:t>Week 7/8- 	File storage / Download log creation (Andy)</a:t>
+            </a:r>
+          </a:p>
+          <a:p>
+            <a:pPr marL="914400" lvl="0" indent="457200" rtl="0">
+              <a:spcBef>
+                <a:spcPts val="0"/>
+              </a:spcBef>
+              <a:buNone/>
+            </a:pPr>
+            <a:r>
+              <a:rPr lang="en" smtClean="0"/>
+              <a:t>	Django </a:t>
+            </a:r>
+            <a:r>
+              <a:rPr lang="en"/>
+              <a:t>Frontend (Julian)</a:t>
+            </a:r>
+          </a:p>
+          <a:p>
+            <a:pPr lvl="0" rtl="0">
+              <a:spcBef>
+                <a:spcPts val="0"/>
+              </a:spcBef>
+              <a:buNone/>
+            </a:pPr>
+            <a:r>
+              <a:rPr lang="en" dirty="0"/>
+              <a:t>Week 9/10 - 	PDF Parsing and Grade Projection (Julian + Andrew)</a:t>
+            </a:r>
+          </a:p>
+          <a:p>
+            <a:pPr marL="914400" lvl="0" indent="457200">
+              <a:spcBef>
+                <a:spcPts val="0"/>
+              </a:spcBef>
+              <a:buNone/>
+            </a:pPr>
+            <a:r>
+              <a:rPr lang="en" dirty="0"/>
+              <a:t>Class demographics and contact information (Andrew)</a:t>
+            </a:r>
+          </a:p>
+        </p:txBody>
+      </p:sp>
+    </p:spTree>
+  </p:cSld>
+  <p:clrMapOvr>
+    <a:masterClrMapping/>
+  </p:clrMapOvr>
+  <p:transition spd="slow">
+    <p:cut/>
+  </p:transition>
+</p:sld>
+</file>
+
+<file path=ppt/slides/slide16.xml><?xml version="1.0" encoding="utf-8"?>
+<p:sld xmlns:a="http://schemas.openxmlformats.org/drawingml/2006/main" xmlns:r="http://schemas.openxmlformats.org/officeDocument/2006/relationships" xmlns:p="http://schemas.openxmlformats.org/presentationml/2006/main">
+  <p:cSld>
+    <p:spTree>
+      <p:nvGrpSpPr>
+        <p:cNvPr id="1" name="Shape 163"/>
+        <p:cNvGrpSpPr/>
+        <p:nvPr/>
+      </p:nvGrpSpPr>
+      <p:grpSpPr>
+        <a:xfrm>
+          <a:off x="0" y="0"/>
+          <a:ext cx="0" cy="0"/>
+          <a:chOff x="0" y="0"/>
+          <a:chExt cx="0" cy="0"/>
+        </a:xfrm>
+      </p:grpSpPr>
+      <p:sp>
+        <p:nvSpPr>
+          <p:cNvPr id="164" name="Shape 164"/>
+          <p:cNvSpPr txBox="1">
+            <a:spLocks noGrp="1"/>
+          </p:cNvSpPr>
+          <p:nvPr>
+            <p:ph type="title"/>
+          </p:nvPr>
+        </p:nvSpPr>
+        <p:spPr>
+          <a:xfrm>
+            <a:off x="460950" y="2065350"/>
+            <a:ext cx="8222100" cy="1012799"/>
+          </a:xfrm>
+          <a:prstGeom prst="rect">
+            <a:avLst/>
+          </a:prstGeom>
+        </p:spPr>
+        <p:txBody>
+          <a:bodyPr lIns="91425" tIns="91425" rIns="91425" bIns="91425" anchor="ctr" anchorCtr="0">
+            <a:noAutofit/>
+          </a:bodyPr>
+          <a:lstStyle/>
+          <a:p>
+            <a:pPr lvl="0">
+              <a:spcBef>
+                <a:spcPts val="0"/>
+              </a:spcBef>
+              <a:buNone/>
+            </a:pPr>
+            <a:r>
+              <a:rPr lang="en"/>
+              <a:t>Questions? Thanks!</a:t>
+            </a:r>
+          </a:p>
+        </p:txBody>
+      </p:sp>
+    </p:spTree>
+  </p:cSld>
+  <p:clrMapOvr>
+    <a:masterClrMapping/>
+  </p:clrMapOvr>
+  <p:transition spd="slow">
+    <p:cut/>
+  </p:transition>
+</p:sld>
+</file>
+
+<file path=ppt/slides/slide2.xml><?xml version="1.0" encoding="utf-8"?>
+<p:sld xmlns:a="http://schemas.openxmlformats.org/drawingml/2006/main" xmlns:r="http://schemas.openxmlformats.org/officeDocument/2006/relationships" xmlns:p="http://schemas.openxmlformats.org/presentationml/2006/main">
+  <p:cSld>
+    <p:spTree>
+      <p:nvGrpSpPr>
+        <p:cNvPr id="1" name="Shape 73"/>
+        <p:cNvGrpSpPr/>
+        <p:nvPr/>
+      </p:nvGrpSpPr>
+      <p:grpSpPr>
+        <a:xfrm>
+          <a:off x="0" y="0"/>
+          <a:ext cx="0" cy="0"/>
+          <a:chOff x="0" y="0"/>
+          <a:chExt cx="0" cy="0"/>
+        </a:xfrm>
+      </p:grpSpPr>
+      <p:sp>
+        <p:nvSpPr>
+          <p:cNvPr id="74" name="Shape 74"/>
+          <p:cNvSpPr txBox="1">
+            <a:spLocks noGrp="1"/>
+          </p:cNvSpPr>
+          <p:nvPr>
+            <p:ph type="title"/>
+          </p:nvPr>
+        </p:nvSpPr>
+        <p:spPr>
+          <a:xfrm>
+            <a:off x="471900" y="738725"/>
+            <a:ext cx="8222100" cy="767699"/>
+          </a:xfrm>
+          <a:prstGeom prst="rect">
+            <a:avLst/>
+          </a:prstGeom>
+        </p:spPr>
+        <p:txBody>
+          <a:bodyPr lIns="91425" tIns="91425" rIns="91425" bIns="91425" anchor="b" anchorCtr="0">
             <a:noAutofit/>
           </a:bodyPr>
           <a:lstStyle/>
@@ -6421,9 +7498,11 @@
       <p:sp>
         <p:nvSpPr>
           <p:cNvPr id="75" name="Shape 75"/>
-          <p:cNvSpPr txBox="1"/>
+          <p:cNvSpPr txBox="1">
+            <a:spLocks noGrp="1"/>
+          </p:cNvSpPr>
           <p:nvPr>
-            <p:ph idx="1" type="body"/>
+            <p:ph type="body" idx="1"/>
           </p:nvPr>
         </p:nvSpPr>
         <p:spPr>
@@ -6436,7 +7515,7 @@
           </a:prstGeom>
         </p:spPr>
         <p:txBody>
-          <a:bodyPr anchorCtr="0" anchor="t" bIns="91425" lIns="91425" rIns="91425" tIns="91425">
+          <a:bodyPr lIns="91425" tIns="91425" rIns="91425" bIns="91425" anchor="t" anchorCtr="0">
             <a:noAutofit/>
           </a:bodyPr>
           <a:lstStyle/>
@@ -6453,7 +7532,7 @@
             </a:r>
           </a:p>
           <a:p>
-            <a:pPr indent="-228600" lvl="0" marL="457200" rtl="0">
+            <a:pPr marL="457200" lvl="0" indent="-228600" rtl="0">
               <a:lnSpc>
                 <a:spcPct val="200000"/>
               </a:lnSpc>
@@ -6467,7 +7546,7 @@
             </a:r>
           </a:p>
           <a:p>
-            <a:pPr indent="-228600" lvl="0" marL="457200" rtl="0">
+            <a:pPr marL="457200" lvl="0" indent="-228600" rtl="0">
               <a:lnSpc>
                 <a:spcPct val="200000"/>
               </a:lnSpc>
@@ -6481,7 +7560,7 @@
             </a:r>
           </a:p>
           <a:p>
-            <a:pPr indent="-228600" lvl="0" marL="457200">
+            <a:pPr marL="457200" lvl="0" indent="-228600">
               <a:lnSpc>
                 <a:spcPct val="200000"/>
               </a:lnSpc>
@@ -6535,12 +7614,12 @@
 </p:sld>
 </file>
 
-<file path=ppt/slides/slide10.xml><?xml version="1.0" encoding="utf-8"?>
-<p:sld xmlns:a="http://schemas.openxmlformats.org/drawingml/2006/main" xmlns:r="http://schemas.openxmlformats.org/officeDocument/2006/relationships" xmlns:mc="http://schemas.openxmlformats.org/markup-compatibility/2006" xmlns:mv="urn:schemas-microsoft-com:mac:vml" xmlns:p="http://schemas.openxmlformats.org/presentationml/2006/main" xmlns:c="http://schemas.openxmlformats.org/drawingml/2006/chart" xmlns:dgm="http://schemas.openxmlformats.org/drawingml/2006/diagram" xmlns:o="urn:schemas-microsoft-com:office:office" xmlns:v="urn:schemas-microsoft-com:vml" xmlns:pvml="urn:schemas-microsoft-com:office:powerpoint" xmlns:com="http://schemas.openxmlformats.org/drawingml/2006/compatibility" xmlns:p14="http://schemas.microsoft.com/office/powerpoint/2010/main">
+<file path=ppt/slides/slide3.xml><?xml version="1.0" encoding="utf-8"?>
+<p:sld xmlns:a="http://schemas.openxmlformats.org/drawingml/2006/main" xmlns:r="http://schemas.openxmlformats.org/officeDocument/2006/relationships" xmlns:p="http://schemas.openxmlformats.org/presentationml/2006/main">
   <p:cSld>
     <p:spTree>
       <p:nvGrpSpPr>
-        <p:cNvPr id="134" name="Shape 134"/>
+        <p:cNvPr id="1" name="Shape 80"/>
         <p:cNvGrpSpPr/>
         <p:nvPr/>
       </p:nvGrpSpPr>
@@ -6554,262 +7633,16 @@
       </p:grpSpPr>
       <p:sp>
         <p:nvSpPr>
-          <p:cNvPr id="135" name="Shape 135"/>
-          <p:cNvSpPr txBox="1"/>
-          <p:nvPr>
-            <p:ph idx="1" type="body"/>
-          </p:nvPr>
-        </p:nvSpPr>
-        <p:spPr>
-          <a:xfrm>
-            <a:off x="57150" y="4696825"/>
-            <a:ext cx="8381999" cy="446700"/>
-          </a:xfrm>
-          <a:prstGeom prst="rect">
-            <a:avLst/>
-          </a:prstGeom>
-        </p:spPr>
-        <p:txBody>
-          <a:bodyPr anchorCtr="0" anchor="ctr" bIns="91425" lIns="91425" rIns="91425" tIns="91425">
-            <a:noAutofit/>
-          </a:bodyPr>
-          <a:lstStyle/>
-          <a:p>
-            <a:pPr lvl="0">
-              <a:spcBef>
-                <a:spcPts val="0"/>
-              </a:spcBef>
-              <a:buNone/>
-            </a:pPr>
-            <a:r>
-              <a:rPr lang="en"/>
-              <a:t>List of Students</a:t>
-            </a:r>
-          </a:p>
-        </p:txBody>
-      </p:sp>
-      <p:pic>
-        <p:nvPicPr>
-          <p:cNvPr id="136" name="Shape 136"/>
-          <p:cNvPicPr preferRelativeResize="0"/>
-          <p:nvPr/>
-        </p:nvPicPr>
-        <p:blipFill>
-          <a:blip r:embed="rId3">
-            <a:alphaModFix/>
-          </a:blip>
-          <a:stretch>
-            <a:fillRect/>
-          </a:stretch>
-        </p:blipFill>
-        <p:spPr>
-          <a:xfrm>
-            <a:off x="1326589" y="0"/>
-            <a:ext cx="6490820" cy="4647299"/>
-          </a:xfrm>
-          <a:prstGeom prst="rect">
-            <a:avLst/>
-          </a:prstGeom>
-          <a:noFill/>
-          <a:ln>
-            <a:noFill/>
-          </a:ln>
-        </p:spPr>
-      </p:pic>
-    </p:spTree>
-  </p:cSld>
-  <p:clrMapOvr>
-    <a:masterClrMapping/>
-  </p:clrMapOvr>
-  <p:transition spd="slow">
-    <p:cut/>
-  </p:transition>
-</p:sld>
-</file>
-
-<file path=ppt/slides/slide11.xml><?xml version="1.0" encoding="utf-8"?>
-<p:sld xmlns:a="http://schemas.openxmlformats.org/drawingml/2006/main" xmlns:r="http://schemas.openxmlformats.org/officeDocument/2006/relationships" xmlns:mc="http://schemas.openxmlformats.org/markup-compatibility/2006" xmlns:mv="urn:schemas-microsoft-com:mac:vml" xmlns:p="http://schemas.openxmlformats.org/presentationml/2006/main" xmlns:c="http://schemas.openxmlformats.org/drawingml/2006/chart" xmlns:dgm="http://schemas.openxmlformats.org/drawingml/2006/diagram" xmlns:o="urn:schemas-microsoft-com:office:office" xmlns:v="urn:schemas-microsoft-com:vml" xmlns:pvml="urn:schemas-microsoft-com:office:powerpoint" xmlns:com="http://schemas.openxmlformats.org/drawingml/2006/compatibility" xmlns:p14="http://schemas.microsoft.com/office/powerpoint/2010/main">
-  <p:cSld>
-    <p:spTree>
-      <p:nvGrpSpPr>
-        <p:cNvPr id="140" name="Shape 140"/>
-        <p:cNvGrpSpPr/>
-        <p:nvPr/>
-      </p:nvGrpSpPr>
-      <p:grpSpPr>
-        <a:xfrm>
-          <a:off x="0" y="0"/>
-          <a:ext cx="0" cy="0"/>
-          <a:chOff x="0" y="0"/>
-          <a:chExt cx="0" cy="0"/>
-        </a:xfrm>
-      </p:grpSpPr>
-      <p:sp>
-        <p:nvSpPr>
-          <p:cNvPr id="141" name="Shape 141"/>
-          <p:cNvSpPr txBox="1"/>
+          <p:cNvPr id="81" name="Shape 81"/>
+          <p:cNvSpPr txBox="1">
+            <a:spLocks noGrp="1"/>
+          </p:cNvSpPr>
           <p:nvPr>
             <p:ph type="title"/>
           </p:nvPr>
         </p:nvSpPr>
         <p:spPr>
           <a:xfrm>
-            <a:off x="460950" y="2065350"/>
-            <a:ext cx="8222100" cy="1012799"/>
-          </a:xfrm>
-          <a:prstGeom prst="rect">
-            <a:avLst/>
-          </a:prstGeom>
-        </p:spPr>
-        <p:txBody>
-          <a:bodyPr anchorCtr="0" anchor="ctr" bIns="91425" lIns="91425" rIns="91425" tIns="91425">
-            <a:noAutofit/>
-          </a:bodyPr>
-          <a:lstStyle/>
-          <a:p>
-            <a:pPr lvl="0">
-              <a:spcBef>
-                <a:spcPts val="0"/>
-              </a:spcBef>
-              <a:buNone/>
-            </a:pPr>
-            <a:r>
-              <a:rPr lang="en"/>
-              <a:t>Directory: Sample Entry</a:t>
-            </a:r>
-          </a:p>
-        </p:txBody>
-      </p:sp>
-    </p:spTree>
-  </p:cSld>
-  <p:clrMapOvr>
-    <a:masterClrMapping/>
-  </p:clrMapOvr>
-  <p:transition spd="slow">
-    <p:cut/>
-  </p:transition>
-</p:sld>
-</file>
-
-<file path=ppt/slides/slide12.xml><?xml version="1.0" encoding="utf-8"?>
-<p:sld xmlns:a="http://schemas.openxmlformats.org/drawingml/2006/main" xmlns:r="http://schemas.openxmlformats.org/officeDocument/2006/relationships" xmlns:mc="http://schemas.openxmlformats.org/markup-compatibility/2006" xmlns:mv="urn:schemas-microsoft-com:mac:vml" xmlns:p="http://schemas.openxmlformats.org/presentationml/2006/main" xmlns:c="http://schemas.openxmlformats.org/drawingml/2006/chart" xmlns:dgm="http://schemas.openxmlformats.org/drawingml/2006/diagram" xmlns:o="urn:schemas-microsoft-com:office:office" xmlns:v="urn:schemas-microsoft-com:vml" xmlns:pvml="urn:schemas-microsoft-com:office:powerpoint" xmlns:com="http://schemas.openxmlformats.org/drawingml/2006/compatibility" xmlns:p14="http://schemas.microsoft.com/office/powerpoint/2010/main">
-  <p:cSld>
-    <p:spTree>
-      <p:nvGrpSpPr>
-        <p:cNvPr id="145" name="Shape 145"/>
-        <p:cNvGrpSpPr/>
-        <p:nvPr/>
-      </p:nvGrpSpPr>
-      <p:grpSpPr>
-        <a:xfrm>
-          <a:off x="0" y="0"/>
-          <a:ext cx="0" cy="0"/>
-          <a:chOff x="0" y="0"/>
-          <a:chExt cx="0" cy="0"/>
-        </a:xfrm>
-      </p:grpSpPr>
-      <p:sp>
-        <p:nvSpPr>
-          <p:cNvPr id="146" name="Shape 146"/>
-          <p:cNvSpPr txBox="1"/>
-          <p:nvPr>
-            <p:ph idx="1" type="body"/>
-          </p:nvPr>
-        </p:nvSpPr>
-        <p:spPr>
-          <a:xfrm>
-            <a:off x="57150" y="4696825"/>
-            <a:ext cx="8381999" cy="446700"/>
-          </a:xfrm>
-          <a:prstGeom prst="rect">
-            <a:avLst/>
-          </a:prstGeom>
-        </p:spPr>
-        <p:txBody>
-          <a:bodyPr anchorCtr="0" anchor="ctr" bIns="91425" lIns="91425" rIns="91425" tIns="91425">
-            <a:noAutofit/>
-          </a:bodyPr>
-          <a:lstStyle/>
-          <a:p>
-            <a:pPr lvl="0">
-              <a:spcBef>
-                <a:spcPts val="0"/>
-              </a:spcBef>
-              <a:buNone/>
-            </a:pPr>
-            <a:r>
-              <a:rPr lang="en"/>
-              <a:t>Sample Entry</a:t>
-            </a:r>
-          </a:p>
-        </p:txBody>
-      </p:sp>
-      <p:pic>
-        <p:nvPicPr>
-          <p:cNvPr id="147" name="Shape 147"/>
-          <p:cNvPicPr preferRelativeResize="0"/>
-          <p:nvPr/>
-        </p:nvPicPr>
-        <p:blipFill>
-          <a:blip r:embed="rId3">
-            <a:alphaModFix/>
-          </a:blip>
-          <a:stretch>
-            <a:fillRect/>
-          </a:stretch>
-        </p:blipFill>
-        <p:spPr>
-          <a:xfrm>
-            <a:off x="0" y="555663"/>
-            <a:ext cx="9143999" cy="4032173"/>
-          </a:xfrm>
-          <a:prstGeom prst="rect">
-            <a:avLst/>
-          </a:prstGeom>
-          <a:noFill/>
-          <a:ln>
-            <a:noFill/>
-          </a:ln>
-        </p:spPr>
-      </p:pic>
-    </p:spTree>
-  </p:cSld>
-  <p:clrMapOvr>
-    <a:masterClrMapping/>
-  </p:clrMapOvr>
-  <p:transition spd="slow">
-    <p:cut/>
-  </p:transition>
-</p:sld>
-</file>
-
-<file path=ppt/slides/slide13.xml><?xml version="1.0" encoding="utf-8"?>
-<p:sld xmlns:a="http://schemas.openxmlformats.org/drawingml/2006/main" xmlns:r="http://schemas.openxmlformats.org/officeDocument/2006/relationships" xmlns:mc="http://schemas.openxmlformats.org/markup-compatibility/2006" xmlns:mv="urn:schemas-microsoft-com:mac:vml" xmlns:p="http://schemas.openxmlformats.org/presentationml/2006/main" xmlns:c="http://schemas.openxmlformats.org/drawingml/2006/chart" xmlns:dgm="http://schemas.openxmlformats.org/drawingml/2006/diagram" xmlns:o="urn:schemas-microsoft-com:office:office" xmlns:v="urn:schemas-microsoft-com:vml" xmlns:pvml="urn:schemas-microsoft-com:office:powerpoint" xmlns:com="http://schemas.openxmlformats.org/drawingml/2006/compatibility" xmlns:p14="http://schemas.microsoft.com/office/powerpoint/2010/main">
-  <p:cSld>
-    <p:spTree>
-      <p:nvGrpSpPr>
-        <p:cNvPr id="151" name="Shape 151"/>
-        <p:cNvGrpSpPr/>
-        <p:nvPr/>
-      </p:nvGrpSpPr>
-      <p:grpSpPr>
-        <a:xfrm>
-          <a:off x="0" y="0"/>
-          <a:ext cx="0" cy="0"/>
-          <a:chOff x="0" y="0"/>
-          <a:chExt cx="0" cy="0"/>
-        </a:xfrm>
-      </p:grpSpPr>
-      <p:sp>
-        <p:nvSpPr>
-          <p:cNvPr id="152" name="Shape 152"/>
-          <p:cNvSpPr txBox="1"/>
-          <p:nvPr>
-            <p:ph type="title"/>
-          </p:nvPr>
-        </p:nvSpPr>
-        <p:spPr>
-          <a:xfrm>
             <a:off x="471900" y="738725"/>
             <a:ext cx="8222100" cy="767699"/>
           </a:xfrm>
@@ -6818,365 +7651,7 @@
           </a:prstGeom>
         </p:spPr>
         <p:txBody>
-          <a:bodyPr anchorCtr="0" anchor="b" bIns="91425" lIns="91425" rIns="91425" tIns="91425">
-            <a:noAutofit/>
-          </a:bodyPr>
-          <a:lstStyle/>
-          <a:p>
-            <a:pPr lvl="0">
-              <a:spcBef>
-                <a:spcPts val="0"/>
-              </a:spcBef>
-              <a:buNone/>
-            </a:pPr>
-            <a:r>
-              <a:rPr lang="en"/>
-              <a:t>Tools from outside 122</a:t>
-            </a:r>
-          </a:p>
-        </p:txBody>
-      </p:sp>
-      <p:sp>
-        <p:nvSpPr>
-          <p:cNvPr id="153" name="Shape 153"/>
-          <p:cNvSpPr txBox="1"/>
-          <p:nvPr>
-            <p:ph idx="1" type="body"/>
-          </p:nvPr>
-        </p:nvSpPr>
-        <p:spPr>
-          <a:xfrm>
-            <a:off x="471900" y="1919075"/>
-            <a:ext cx="8222100" cy="2710200"/>
-          </a:xfrm>
-          <a:prstGeom prst="rect">
-            <a:avLst/>
-          </a:prstGeom>
-        </p:spPr>
-        <p:txBody>
-          <a:bodyPr anchorCtr="0" anchor="t" bIns="91425" lIns="91425" rIns="91425" tIns="91425">
-            <a:noAutofit/>
-          </a:bodyPr>
-          <a:lstStyle/>
-          <a:p>
-            <a:pPr lvl="0" rtl="0">
-              <a:spcBef>
-                <a:spcPts val="0"/>
-              </a:spcBef>
-              <a:buNone/>
-            </a:pPr>
-            <a:r>
-              <a:rPr lang="en"/>
-              <a:t>Django Frontend</a:t>
-            </a:r>
-          </a:p>
-          <a:p>
-            <a:pPr indent="-228600" lvl="0" marL="457200" rtl="0">
-              <a:spcBef>
-                <a:spcPts val="0"/>
-              </a:spcBef>
-            </a:pPr>
-            <a:r>
-              <a:rPr lang="en"/>
-              <a:t>CNet ID &amp; Password entry</a:t>
-            </a:r>
-          </a:p>
-          <a:p>
-            <a:pPr indent="-228600" lvl="0" marL="457200" rtl="0">
-              <a:spcBef>
-                <a:spcPts val="0"/>
-              </a:spcBef>
-            </a:pPr>
-            <a:r>
-              <a:rPr lang="en"/>
-              <a:t>Function menu: what to update?</a:t>
-            </a:r>
-          </a:p>
-          <a:p>
-            <a:pPr lvl="0" rtl="0">
-              <a:spcBef>
-                <a:spcPts val="0"/>
-              </a:spcBef>
-              <a:buNone/>
-            </a:pPr>
-            <a:r>
-              <a:rPr lang="en"/>
-              <a:t>Parsing PDFs (pdfminer) - for grade projection using syllabus weights</a:t>
-            </a:r>
-          </a:p>
-          <a:p>
-            <a:pPr lvl="0">
-              <a:spcBef>
-                <a:spcPts val="0"/>
-              </a:spcBef>
-              <a:buNone/>
-            </a:pPr>
-            <a:r>
-              <a:rPr lang="en"/>
-              <a:t>“Student”, “Instructor” classes to store directory information, pass to plot.ly</a:t>
-            </a:r>
-          </a:p>
-        </p:txBody>
-      </p:sp>
-    </p:spTree>
-  </p:cSld>
-  <p:clrMapOvr>
-    <a:masterClrMapping/>
-  </p:clrMapOvr>
-  <p:transition spd="slow">
-    <p:cut/>
-  </p:transition>
-</p:sld>
-</file>
-
-<file path=ppt/slides/slide14.xml><?xml version="1.0" encoding="utf-8"?>
-<p:sld xmlns:a="http://schemas.openxmlformats.org/drawingml/2006/main" xmlns:r="http://schemas.openxmlformats.org/officeDocument/2006/relationships" xmlns:mc="http://schemas.openxmlformats.org/markup-compatibility/2006" xmlns:mv="urn:schemas-microsoft-com:mac:vml" xmlns:p="http://schemas.openxmlformats.org/presentationml/2006/main" xmlns:c="http://schemas.openxmlformats.org/drawingml/2006/chart" xmlns:dgm="http://schemas.openxmlformats.org/drawingml/2006/diagram" xmlns:o="urn:schemas-microsoft-com:office:office" xmlns:v="urn:schemas-microsoft-com:vml" xmlns:pvml="urn:schemas-microsoft-com:office:powerpoint" xmlns:com="http://schemas.openxmlformats.org/drawingml/2006/compatibility" xmlns:p14="http://schemas.microsoft.com/office/powerpoint/2010/main">
-  <p:cSld>
-    <p:spTree>
-      <p:nvGrpSpPr>
-        <p:cNvPr id="157" name="Shape 157"/>
-        <p:cNvGrpSpPr/>
-        <p:nvPr/>
-      </p:nvGrpSpPr>
-      <p:grpSpPr>
-        <a:xfrm>
-          <a:off x="0" y="0"/>
-          <a:ext cx="0" cy="0"/>
-          <a:chOff x="0" y="0"/>
-          <a:chExt cx="0" cy="0"/>
-        </a:xfrm>
-      </p:grpSpPr>
-      <p:sp>
-        <p:nvSpPr>
-          <p:cNvPr id="158" name="Shape 158"/>
-          <p:cNvSpPr txBox="1"/>
-          <p:nvPr>
-            <p:ph type="title"/>
-          </p:nvPr>
-        </p:nvSpPr>
-        <p:spPr>
-          <a:xfrm>
-            <a:off x="471900" y="738725"/>
-            <a:ext cx="8222100" cy="767699"/>
-          </a:xfrm>
-          <a:prstGeom prst="rect">
-            <a:avLst/>
-          </a:prstGeom>
-        </p:spPr>
-        <p:txBody>
-          <a:bodyPr anchorCtr="0" anchor="b" bIns="91425" lIns="91425" rIns="91425" tIns="91425">
-            <a:noAutofit/>
-          </a:bodyPr>
-          <a:lstStyle/>
-          <a:p>
-            <a:pPr lvl="0">
-              <a:spcBef>
-                <a:spcPts val="0"/>
-              </a:spcBef>
-              <a:buNone/>
-            </a:pPr>
-            <a:r>
-              <a:rPr lang="en"/>
-              <a:t>Timeline &amp; Responsibilities</a:t>
-            </a:r>
-          </a:p>
-        </p:txBody>
-      </p:sp>
-      <p:sp>
-        <p:nvSpPr>
-          <p:cNvPr id="159" name="Shape 159"/>
-          <p:cNvSpPr txBox="1"/>
-          <p:nvPr>
-            <p:ph idx="1" type="body"/>
-          </p:nvPr>
-        </p:nvSpPr>
-        <p:spPr>
-          <a:xfrm>
-            <a:off x="471900" y="1919075"/>
-            <a:ext cx="8222100" cy="2710200"/>
-          </a:xfrm>
-          <a:prstGeom prst="rect">
-            <a:avLst/>
-          </a:prstGeom>
-        </p:spPr>
-        <p:txBody>
-          <a:bodyPr anchorCtr="0" anchor="t" bIns="91425" lIns="91425" rIns="91425" tIns="91425">
-            <a:noAutofit/>
-          </a:bodyPr>
-          <a:lstStyle/>
-          <a:p>
-            <a:pPr lvl="0" rtl="0">
-              <a:spcBef>
-                <a:spcPts val="0"/>
-              </a:spcBef>
-              <a:buNone/>
-            </a:pPr>
-            <a:r>
-              <a:rPr lang="en"/>
-              <a:t>Week 5/6 - 	Chalk Crawler (Andy + Julian), Directory Crawler (Andrew)</a:t>
-            </a:r>
-          </a:p>
-          <a:p>
-            <a:pPr lvl="0" rtl="0">
-              <a:spcBef>
-                <a:spcPts val="0"/>
-              </a:spcBef>
-              <a:buNone/>
-            </a:pPr>
-            <a:r>
-              <a:rPr lang="en"/>
-              <a:t>Week 7/8- 	File storage / Download log creation (Andy)</a:t>
-            </a:r>
-          </a:p>
-          <a:p>
-            <a:pPr indent="457200" lvl="0" marL="914400" rtl="0">
-              <a:spcBef>
-                <a:spcPts val="0"/>
-              </a:spcBef>
-              <a:buNone/>
-            </a:pPr>
-            <a:r>
-              <a:rPr lang="en"/>
-              <a:t>Django Frontend (Julian)</a:t>
-            </a:r>
-          </a:p>
-          <a:p>
-            <a:pPr lvl="0" rtl="0">
-              <a:spcBef>
-                <a:spcPts val="0"/>
-              </a:spcBef>
-              <a:buNone/>
-            </a:pPr>
-            <a:r>
-              <a:rPr lang="en"/>
-              <a:t>Week 9/10 - 	PDF Parsing and Grade Projection (Julian + Andrew)</a:t>
-            </a:r>
-          </a:p>
-          <a:p>
-            <a:pPr indent="457200" lvl="0" marL="914400">
-              <a:spcBef>
-                <a:spcPts val="0"/>
-              </a:spcBef>
-              <a:buNone/>
-            </a:pPr>
-            <a:r>
-              <a:rPr lang="en"/>
-              <a:t>Class demographics and contact information (Andrew)</a:t>
-            </a:r>
-          </a:p>
-        </p:txBody>
-      </p:sp>
-    </p:spTree>
-  </p:cSld>
-  <p:clrMapOvr>
-    <a:masterClrMapping/>
-  </p:clrMapOvr>
-  <p:transition spd="slow">
-    <p:cut/>
-  </p:transition>
-</p:sld>
-</file>
-
-<file path=ppt/slides/slide15.xml><?xml version="1.0" encoding="utf-8"?>
-<p:sld xmlns:a="http://schemas.openxmlformats.org/drawingml/2006/main" xmlns:r="http://schemas.openxmlformats.org/officeDocument/2006/relationships" xmlns:mc="http://schemas.openxmlformats.org/markup-compatibility/2006" xmlns:mv="urn:schemas-microsoft-com:mac:vml" xmlns:p="http://schemas.openxmlformats.org/presentationml/2006/main" xmlns:c="http://schemas.openxmlformats.org/drawingml/2006/chart" xmlns:dgm="http://schemas.openxmlformats.org/drawingml/2006/diagram" xmlns:o="urn:schemas-microsoft-com:office:office" xmlns:v="urn:schemas-microsoft-com:vml" xmlns:pvml="urn:schemas-microsoft-com:office:powerpoint" xmlns:com="http://schemas.openxmlformats.org/drawingml/2006/compatibility" xmlns:p14="http://schemas.microsoft.com/office/powerpoint/2010/main">
-  <p:cSld>
-    <p:spTree>
-      <p:nvGrpSpPr>
-        <p:cNvPr id="163" name="Shape 163"/>
-        <p:cNvGrpSpPr/>
-        <p:nvPr/>
-      </p:nvGrpSpPr>
-      <p:grpSpPr>
-        <a:xfrm>
-          <a:off x="0" y="0"/>
-          <a:ext cx="0" cy="0"/>
-          <a:chOff x="0" y="0"/>
-          <a:chExt cx="0" cy="0"/>
-        </a:xfrm>
-      </p:grpSpPr>
-      <p:sp>
-        <p:nvSpPr>
-          <p:cNvPr id="164" name="Shape 164"/>
-          <p:cNvSpPr txBox="1"/>
-          <p:nvPr>
-            <p:ph type="title"/>
-          </p:nvPr>
-        </p:nvSpPr>
-        <p:spPr>
-          <a:xfrm>
-            <a:off x="460950" y="2065350"/>
-            <a:ext cx="8222100" cy="1012799"/>
-          </a:xfrm>
-          <a:prstGeom prst="rect">
-            <a:avLst/>
-          </a:prstGeom>
-        </p:spPr>
-        <p:txBody>
-          <a:bodyPr anchorCtr="0" anchor="ctr" bIns="91425" lIns="91425" rIns="91425" tIns="91425">
-            <a:noAutofit/>
-          </a:bodyPr>
-          <a:lstStyle/>
-          <a:p>
-            <a:pPr lvl="0">
-              <a:spcBef>
-                <a:spcPts val="0"/>
-              </a:spcBef>
-              <a:buNone/>
-            </a:pPr>
-            <a:r>
-              <a:rPr lang="en"/>
-              <a:t>Questions? Thanks!</a:t>
-            </a:r>
-          </a:p>
-        </p:txBody>
-      </p:sp>
-    </p:spTree>
-  </p:cSld>
-  <p:clrMapOvr>
-    <a:masterClrMapping/>
-  </p:clrMapOvr>
-  <p:transition spd="slow">
-    <p:cut/>
-  </p:transition>
-</p:sld>
-</file>
-
-<file path=ppt/slides/slide2.xml><?xml version="1.0" encoding="utf-8"?>
-<p:sld xmlns:a="http://schemas.openxmlformats.org/drawingml/2006/main" xmlns:r="http://schemas.openxmlformats.org/officeDocument/2006/relationships" xmlns:mc="http://schemas.openxmlformats.org/markup-compatibility/2006" xmlns:mv="urn:schemas-microsoft-com:mac:vml" xmlns:p="http://schemas.openxmlformats.org/presentationml/2006/main" xmlns:c="http://schemas.openxmlformats.org/drawingml/2006/chart" xmlns:dgm="http://schemas.openxmlformats.org/drawingml/2006/diagram" xmlns:o="urn:schemas-microsoft-com:office:office" xmlns:v="urn:schemas-microsoft-com:vml" xmlns:pvml="urn:schemas-microsoft-com:office:powerpoint" xmlns:com="http://schemas.openxmlformats.org/drawingml/2006/compatibility" xmlns:p14="http://schemas.microsoft.com/office/powerpoint/2010/main">
-  <p:cSld>
-    <p:spTree>
-      <p:nvGrpSpPr>
-        <p:cNvPr id="80" name="Shape 80"/>
-        <p:cNvGrpSpPr/>
-        <p:nvPr/>
-      </p:nvGrpSpPr>
-      <p:grpSpPr>
-        <a:xfrm>
-          <a:off x="0" y="0"/>
-          <a:ext cx="0" cy="0"/>
-          <a:chOff x="0" y="0"/>
-          <a:chExt cx="0" cy="0"/>
-        </a:xfrm>
-      </p:grpSpPr>
-      <p:sp>
-        <p:nvSpPr>
-          <p:cNvPr id="81" name="Shape 81"/>
-          <p:cNvSpPr txBox="1"/>
-          <p:nvPr>
-            <p:ph type="title"/>
-          </p:nvPr>
-        </p:nvSpPr>
-        <p:spPr>
-          <a:xfrm>
-            <a:off x="471900" y="738725"/>
-            <a:ext cx="8222100" cy="767699"/>
-          </a:xfrm>
-          <a:prstGeom prst="rect">
-            <a:avLst/>
-          </a:prstGeom>
-        </p:spPr>
-        <p:txBody>
-          <a:bodyPr anchorCtr="0" anchor="b" bIns="91425" lIns="91425" rIns="91425" tIns="91425">
+          <a:bodyPr lIns="91425" tIns="91425" rIns="91425" bIns="91425" anchor="b" anchorCtr="0">
             <a:noAutofit/>
           </a:bodyPr>
           <a:lstStyle/>
@@ -7197,9 +7672,11 @@
       <p:sp>
         <p:nvSpPr>
           <p:cNvPr id="82" name="Shape 82"/>
-          <p:cNvSpPr txBox="1"/>
+          <p:cNvSpPr txBox="1">
+            <a:spLocks noGrp="1"/>
+          </p:cNvSpPr>
           <p:nvPr>
-            <p:ph idx="1" type="body"/>
+            <p:ph type="body" idx="1"/>
           </p:nvPr>
         </p:nvSpPr>
         <p:spPr>
@@ -7212,7 +7689,7 @@
           </a:prstGeom>
         </p:spPr>
         <p:txBody>
-          <a:bodyPr anchorCtr="0" anchor="t" bIns="91425" lIns="91425" rIns="91425" tIns="91425">
+          <a:bodyPr lIns="91425" tIns="91425" rIns="91425" bIns="91425" anchor="t" anchorCtr="0">
             <a:noAutofit/>
           </a:bodyPr>
           <a:lstStyle/>
@@ -7229,7 +7706,7 @@
             </a:r>
           </a:p>
           <a:p>
-            <a:pPr indent="-228600" lvl="0" marL="457200" rtl="0">
+            <a:pPr marL="457200" lvl="0" indent="-228600" rtl="0">
               <a:lnSpc>
                 <a:spcPct val="200000"/>
               </a:lnSpc>
@@ -7243,7 +7720,7 @@
             </a:r>
           </a:p>
           <a:p>
-            <a:pPr indent="-228600" lvl="0" marL="457200" rtl="0">
+            <a:pPr marL="457200" lvl="0" indent="-228600" rtl="0">
               <a:lnSpc>
                 <a:spcPct val="200000"/>
               </a:lnSpc>
@@ -7257,7 +7734,7 @@
             </a:r>
           </a:p>
           <a:p>
-            <a:pPr indent="-228600" lvl="0" marL="457200" rtl="0">
+            <a:pPr marL="457200" lvl="0" indent="-228600" rtl="0">
               <a:lnSpc>
                 <a:spcPct val="200000"/>
               </a:lnSpc>
@@ -7289,9 +7766,6 @@
               </a:spcBef>
               <a:buNone/>
             </a:pPr>
-            <a:r>
-              <a:t/>
-            </a:r>
             <a:endParaRPr/>
           </a:p>
           <a:p>
@@ -7313,9 +7787,6 @@
               </a:spcBef>
               <a:buNone/>
             </a:pPr>
-            <a:r>
-              <a:t/>
-            </a:r>
             <a:endParaRPr/>
           </a:p>
         </p:txBody>
@@ -7359,12 +7830,12 @@
 </p:sld>
 </file>
 
-<file path=ppt/slides/slide3.xml><?xml version="1.0" encoding="utf-8"?>
-<p:sld xmlns:a="http://schemas.openxmlformats.org/drawingml/2006/main" xmlns:r="http://schemas.openxmlformats.org/officeDocument/2006/relationships" xmlns:mc="http://schemas.openxmlformats.org/markup-compatibility/2006" xmlns:mv="urn:schemas-microsoft-com:mac:vml" xmlns:p="http://schemas.openxmlformats.org/presentationml/2006/main" xmlns:c="http://schemas.openxmlformats.org/drawingml/2006/chart" xmlns:dgm="http://schemas.openxmlformats.org/drawingml/2006/diagram" xmlns:o="urn:schemas-microsoft-com:office:office" xmlns:v="urn:schemas-microsoft-com:vml" xmlns:pvml="urn:schemas-microsoft-com:office:powerpoint" xmlns:com="http://schemas.openxmlformats.org/drawingml/2006/compatibility" xmlns:p14="http://schemas.microsoft.com/office/powerpoint/2010/main">
+<file path=ppt/slides/slide4.xml><?xml version="1.0" encoding="utf-8"?>
+<p:sld xmlns:a="http://schemas.openxmlformats.org/drawingml/2006/main" xmlns:r="http://schemas.openxmlformats.org/officeDocument/2006/relationships" xmlns:p="http://schemas.openxmlformats.org/presentationml/2006/main">
   <p:cSld>
     <p:spTree>
       <p:nvGrpSpPr>
-        <p:cNvPr id="87" name="Shape 87"/>
+        <p:cNvPr id="1" name="Shape 87"/>
         <p:cNvGrpSpPr/>
         <p:nvPr/>
       </p:nvGrpSpPr>
@@ -7379,7 +7850,9 @@
       <p:sp>
         <p:nvSpPr>
           <p:cNvPr id="88" name="Shape 88"/>
-          <p:cNvSpPr txBox="1"/>
+          <p:cNvSpPr txBox="1">
+            <a:spLocks noGrp="1"/>
+          </p:cNvSpPr>
           <p:nvPr>
             <p:ph type="title"/>
           </p:nvPr>
@@ -7394,7 +7867,7 @@
           </a:prstGeom>
         </p:spPr>
         <p:txBody>
-          <a:bodyPr anchorCtr="0" anchor="ctr" bIns="91425" lIns="91425" rIns="91425" tIns="91425">
+          <a:bodyPr lIns="91425" tIns="91425" rIns="91425" bIns="91425" anchor="ctr" anchorCtr="0">
             <a:noAutofit/>
           </a:bodyPr>
           <a:lstStyle/>
@@ -7423,12 +7896,12 @@
 </p:sld>
 </file>
 
-<file path=ppt/slides/slide4.xml><?xml version="1.0" encoding="utf-8"?>
-<p:sld xmlns:a="http://schemas.openxmlformats.org/drawingml/2006/main" xmlns:r="http://schemas.openxmlformats.org/officeDocument/2006/relationships" xmlns:mc="http://schemas.openxmlformats.org/markup-compatibility/2006" xmlns:mv="urn:schemas-microsoft-com:mac:vml" xmlns:p="http://schemas.openxmlformats.org/presentationml/2006/main" xmlns:c="http://schemas.openxmlformats.org/drawingml/2006/chart" xmlns:dgm="http://schemas.openxmlformats.org/drawingml/2006/diagram" xmlns:o="urn:schemas-microsoft-com:office:office" xmlns:v="urn:schemas-microsoft-com:vml" xmlns:pvml="urn:schemas-microsoft-com:office:powerpoint" xmlns:com="http://schemas.openxmlformats.org/drawingml/2006/compatibility" xmlns:p14="http://schemas.microsoft.com/office/powerpoint/2010/main">
+<file path=ppt/slides/slide5.xml><?xml version="1.0" encoding="utf-8"?>
+<p:sld xmlns:a="http://schemas.openxmlformats.org/drawingml/2006/main" xmlns:r="http://schemas.openxmlformats.org/officeDocument/2006/relationships" xmlns:p="http://schemas.openxmlformats.org/presentationml/2006/main">
   <p:cSld>
     <p:spTree>
       <p:nvGrpSpPr>
-        <p:cNvPr id="92" name="Shape 92"/>
+        <p:cNvPr id="1" name="Shape 92"/>
         <p:cNvGrpSpPr/>
         <p:nvPr/>
       </p:nvGrpSpPr>
@@ -7443,9 +7916,11 @@
       <p:sp>
         <p:nvSpPr>
           <p:cNvPr id="93" name="Shape 93"/>
-          <p:cNvSpPr txBox="1"/>
+          <p:cNvSpPr txBox="1">
+            <a:spLocks noGrp="1"/>
+          </p:cNvSpPr>
           <p:nvPr>
-            <p:ph idx="1" type="body"/>
+            <p:ph type="body" idx="1"/>
           </p:nvPr>
         </p:nvSpPr>
         <p:spPr>
@@ -7458,7 +7933,7 @@
           </a:prstGeom>
         </p:spPr>
         <p:txBody>
-          <a:bodyPr anchorCtr="0" anchor="ctr" bIns="91425" lIns="91425" rIns="91425" tIns="91425">
+          <a:bodyPr lIns="91425" tIns="91425" rIns="91425" bIns="91425" anchor="ctr" anchorCtr="0">
             <a:noAutofit/>
           </a:bodyPr>
           <a:lstStyle/>
@@ -7519,18 +7994,18 @@
             <a:avLst/>
           </a:prstGeom>
           <a:noFill/>
-          <a:ln cap="flat" cmpd="sng" w="38100">
+          <a:ln w="38100" cap="flat" cmpd="sng">
             <a:solidFill>
               <a:srgbClr val="FF0000"/>
             </a:solidFill>
             <a:prstDash val="solid"/>
             <a:round/>
-            <a:headEnd len="med" w="med" type="none"/>
-            <a:tailEnd len="med" w="med" type="none"/>
+            <a:headEnd type="none" w="med" len="med"/>
+            <a:tailEnd type="none" w="med" len="med"/>
           </a:ln>
         </p:spPr>
         <p:txBody>
-          <a:bodyPr anchorCtr="0" anchor="ctr" bIns="91425" lIns="91425" rIns="91425" tIns="91425">
+          <a:bodyPr lIns="91425" tIns="91425" rIns="91425" bIns="91425" anchor="ctr" anchorCtr="0">
             <a:noAutofit/>
           </a:bodyPr>
           <a:lstStyle/>
@@ -7541,9 +8016,6 @@
               </a:spcBef>
               <a:buNone/>
             </a:pPr>
-            <a:r>
-              <a:t/>
-            </a:r>
             <a:endParaRPr/>
           </a:p>
         </p:txBody>
@@ -7587,12 +8059,12 @@
 </p:sld>
 </file>
 
-<file path=ppt/slides/slide5.xml><?xml version="1.0" encoding="utf-8"?>
-<p:sld xmlns:a="http://schemas.openxmlformats.org/drawingml/2006/main" xmlns:r="http://schemas.openxmlformats.org/officeDocument/2006/relationships" xmlns:mc="http://schemas.openxmlformats.org/markup-compatibility/2006" xmlns:mv="urn:schemas-microsoft-com:mac:vml" xmlns:p="http://schemas.openxmlformats.org/presentationml/2006/main" xmlns:c="http://schemas.openxmlformats.org/drawingml/2006/chart" xmlns:dgm="http://schemas.openxmlformats.org/drawingml/2006/diagram" xmlns:o="urn:schemas-microsoft-com:office:office" xmlns:v="urn:schemas-microsoft-com:vml" xmlns:pvml="urn:schemas-microsoft-com:office:powerpoint" xmlns:com="http://schemas.openxmlformats.org/drawingml/2006/compatibility" xmlns:p14="http://schemas.microsoft.com/office/powerpoint/2010/main">
+<file path=ppt/slides/slide6.xml><?xml version="1.0" encoding="utf-8"?>
+<p:sld xmlns:a="http://schemas.openxmlformats.org/drawingml/2006/main" xmlns:r="http://schemas.openxmlformats.org/officeDocument/2006/relationships" xmlns:p="http://schemas.openxmlformats.org/presentationml/2006/main">
   <p:cSld>
     <p:spTree>
       <p:nvGrpSpPr>
-        <p:cNvPr id="100" name="Shape 100"/>
+        <p:cNvPr id="1" name="Shape 100"/>
         <p:cNvGrpSpPr/>
         <p:nvPr/>
       </p:nvGrpSpPr>
@@ -7607,9 +8079,11 @@
       <p:sp>
         <p:nvSpPr>
           <p:cNvPr id="101" name="Shape 101"/>
-          <p:cNvSpPr txBox="1"/>
+          <p:cNvSpPr txBox="1">
+            <a:spLocks noGrp="1"/>
+          </p:cNvSpPr>
           <p:nvPr>
-            <p:ph idx="1" type="body"/>
+            <p:ph type="body" idx="1"/>
           </p:nvPr>
         </p:nvSpPr>
         <p:spPr>
@@ -7622,7 +8096,7 @@
           </a:prstGeom>
         </p:spPr>
         <p:txBody>
-          <a:bodyPr anchorCtr="0" anchor="ctr" bIns="91425" lIns="91425" rIns="91425" tIns="91425">
+          <a:bodyPr lIns="91425" tIns="91425" rIns="91425" bIns="91425" anchor="ctr" anchorCtr="0">
             <a:noAutofit/>
           </a:bodyPr>
           <a:lstStyle/>
@@ -7683,18 +8157,18 @@
             <a:avLst/>
           </a:prstGeom>
           <a:noFill/>
-          <a:ln cap="flat" cmpd="sng" w="38100">
+          <a:ln w="38100" cap="flat" cmpd="sng">
             <a:solidFill>
               <a:srgbClr val="FF0000"/>
             </a:solidFill>
             <a:prstDash val="solid"/>
             <a:round/>
-            <a:headEnd len="med" w="med" type="none"/>
-            <a:tailEnd len="med" w="med" type="none"/>
+            <a:headEnd type="none" w="med" len="med"/>
+            <a:tailEnd type="none" w="med" len="med"/>
           </a:ln>
         </p:spPr>
         <p:txBody>
-          <a:bodyPr anchorCtr="0" anchor="ctr" bIns="91425" lIns="91425" rIns="91425" tIns="91425">
+          <a:bodyPr lIns="91425" tIns="91425" rIns="91425" bIns="91425" anchor="ctr" anchorCtr="0">
             <a:noAutofit/>
           </a:bodyPr>
           <a:lstStyle/>
@@ -7705,9 +8179,6 @@
               </a:spcBef>
               <a:buNone/>
             </a:pPr>
-            <a:r>
-              <a:t/>
-            </a:r>
             <a:endParaRPr/>
           </a:p>
         </p:txBody>
@@ -7751,12 +8222,12 @@
 </p:sld>
 </file>
 
-<file path=ppt/slides/slide6.xml><?xml version="1.0" encoding="utf-8"?>
-<p:sld xmlns:a="http://schemas.openxmlformats.org/drawingml/2006/main" xmlns:r="http://schemas.openxmlformats.org/officeDocument/2006/relationships" xmlns:mc="http://schemas.openxmlformats.org/markup-compatibility/2006" xmlns:mv="urn:schemas-microsoft-com:mac:vml" xmlns:p="http://schemas.openxmlformats.org/presentationml/2006/main" xmlns:c="http://schemas.openxmlformats.org/drawingml/2006/chart" xmlns:dgm="http://schemas.openxmlformats.org/drawingml/2006/diagram" xmlns:o="urn:schemas-microsoft-com:office:office" xmlns:v="urn:schemas-microsoft-com:vml" xmlns:pvml="urn:schemas-microsoft-com:office:powerpoint" xmlns:com="http://schemas.openxmlformats.org/drawingml/2006/compatibility" xmlns:p14="http://schemas.microsoft.com/office/powerpoint/2010/main">
+<file path=ppt/slides/slide7.xml><?xml version="1.0" encoding="utf-8"?>
+<p:sld xmlns:a="http://schemas.openxmlformats.org/drawingml/2006/main" xmlns:r="http://schemas.openxmlformats.org/officeDocument/2006/relationships" xmlns:p="http://schemas.openxmlformats.org/presentationml/2006/main">
   <p:cSld>
     <p:spTree>
       <p:nvGrpSpPr>
-        <p:cNvPr id="108" name="Shape 108"/>
+        <p:cNvPr id="1" name="Shape 108"/>
         <p:cNvGrpSpPr/>
         <p:nvPr/>
       </p:nvGrpSpPr>
@@ -7771,9 +8242,11 @@
       <p:sp>
         <p:nvSpPr>
           <p:cNvPr id="109" name="Shape 109"/>
-          <p:cNvSpPr txBox="1"/>
+          <p:cNvSpPr txBox="1">
+            <a:spLocks noGrp="1"/>
+          </p:cNvSpPr>
           <p:nvPr>
-            <p:ph idx="1" type="body"/>
+            <p:ph type="body" idx="1"/>
           </p:nvPr>
         </p:nvSpPr>
         <p:spPr>
@@ -7786,7 +8259,7 @@
           </a:prstGeom>
         </p:spPr>
         <p:txBody>
-          <a:bodyPr anchorCtr="0" anchor="ctr" bIns="91425" lIns="91425" rIns="91425" tIns="91425">
+          <a:bodyPr lIns="91425" tIns="91425" rIns="91425" bIns="91425" anchor="ctr" anchorCtr="0">
             <a:noAutofit/>
           </a:bodyPr>
           <a:lstStyle/>
@@ -7871,12 +8344,12 @@
 </p:sld>
 </file>
 
-<file path=ppt/slides/slide7.xml><?xml version="1.0" encoding="utf-8"?>
-<p:sld xmlns:a="http://schemas.openxmlformats.org/drawingml/2006/main" xmlns:r="http://schemas.openxmlformats.org/officeDocument/2006/relationships" xmlns:mc="http://schemas.openxmlformats.org/markup-compatibility/2006" xmlns:mv="urn:schemas-microsoft-com:mac:vml" xmlns:p="http://schemas.openxmlformats.org/presentationml/2006/main" xmlns:c="http://schemas.openxmlformats.org/drawingml/2006/chart" xmlns:dgm="http://schemas.openxmlformats.org/drawingml/2006/diagram" xmlns:o="urn:schemas-microsoft-com:office:office" xmlns:v="urn:schemas-microsoft-com:vml" xmlns:pvml="urn:schemas-microsoft-com:office:powerpoint" xmlns:com="http://schemas.openxmlformats.org/drawingml/2006/compatibility" xmlns:p14="http://schemas.microsoft.com/office/powerpoint/2010/main">
+<file path=ppt/slides/slide8.xml><?xml version="1.0" encoding="utf-8"?>
+<p:sld xmlns:a="http://schemas.openxmlformats.org/drawingml/2006/main" xmlns:r="http://schemas.openxmlformats.org/officeDocument/2006/relationships" xmlns:p="http://schemas.openxmlformats.org/presentationml/2006/main">
   <p:cSld>
     <p:spTree>
       <p:nvGrpSpPr>
-        <p:cNvPr id="115" name="Shape 115"/>
+        <p:cNvPr id="1" name="Shape 115"/>
         <p:cNvGrpSpPr/>
         <p:nvPr/>
       </p:nvGrpSpPr>
@@ -7891,7 +8364,9 @@
       <p:sp>
         <p:nvSpPr>
           <p:cNvPr id="116" name="Shape 116"/>
-          <p:cNvSpPr txBox="1"/>
+          <p:cNvSpPr txBox="1">
+            <a:spLocks noGrp="1"/>
+          </p:cNvSpPr>
           <p:nvPr>
             <p:ph type="title"/>
           </p:nvPr>
@@ -7906,7 +8381,7 @@
           </a:prstGeom>
         </p:spPr>
         <p:txBody>
-          <a:bodyPr anchorCtr="0" anchor="ctr" bIns="91425" lIns="91425" rIns="91425" tIns="91425">
+          <a:bodyPr lIns="91425" tIns="91425" rIns="91425" bIns="91425" anchor="ctr" anchorCtr="0">
             <a:noAutofit/>
           </a:bodyPr>
           <a:lstStyle/>
@@ -7935,12 +8410,12 @@
 </p:sld>
 </file>
 
-<file path=ppt/slides/slide8.xml><?xml version="1.0" encoding="utf-8"?>
-<p:sld xmlns:a="http://schemas.openxmlformats.org/drawingml/2006/main" xmlns:r="http://schemas.openxmlformats.org/officeDocument/2006/relationships" xmlns:mc="http://schemas.openxmlformats.org/markup-compatibility/2006" xmlns:mv="urn:schemas-microsoft-com:mac:vml" xmlns:p="http://schemas.openxmlformats.org/presentationml/2006/main" xmlns:c="http://schemas.openxmlformats.org/drawingml/2006/chart" xmlns:dgm="http://schemas.openxmlformats.org/drawingml/2006/diagram" xmlns:o="urn:schemas-microsoft-com:office:office" xmlns:v="urn:schemas-microsoft-com:vml" xmlns:pvml="urn:schemas-microsoft-com:office:powerpoint" xmlns:com="http://schemas.openxmlformats.org/drawingml/2006/compatibility" xmlns:p14="http://schemas.microsoft.com/office/powerpoint/2010/main">
+<file path=ppt/slides/slide9.xml><?xml version="1.0" encoding="utf-8"?>
+<p:sld xmlns:a="http://schemas.openxmlformats.org/drawingml/2006/main" xmlns:r="http://schemas.openxmlformats.org/officeDocument/2006/relationships" xmlns:p="http://schemas.openxmlformats.org/presentationml/2006/main">
   <p:cSld>
     <p:spTree>
       <p:nvGrpSpPr>
-        <p:cNvPr id="120" name="Shape 120"/>
+        <p:cNvPr id="1" name="Shape 120"/>
         <p:cNvGrpSpPr/>
         <p:nvPr/>
       </p:nvGrpSpPr>
@@ -7955,9 +8430,11 @@
       <p:sp>
         <p:nvSpPr>
           <p:cNvPr id="121" name="Shape 121"/>
-          <p:cNvSpPr txBox="1"/>
+          <p:cNvSpPr txBox="1">
+            <a:spLocks noGrp="1"/>
+          </p:cNvSpPr>
           <p:nvPr>
-            <p:ph idx="1" type="body"/>
+            <p:ph type="body" idx="1"/>
           </p:nvPr>
         </p:nvSpPr>
         <p:spPr>
@@ -7970,7 +8447,7 @@
           </a:prstGeom>
         </p:spPr>
         <p:txBody>
-          <a:bodyPr anchorCtr="0" anchor="ctr" bIns="91425" lIns="91425" rIns="91425" tIns="91425">
+          <a:bodyPr lIns="91425" tIns="91425" rIns="91425" bIns="91425" anchor="ctr" anchorCtr="0">
             <a:noAutofit/>
           </a:bodyPr>
           <a:lstStyle/>
@@ -8031,18 +8508,18 @@
             <a:avLst/>
           </a:prstGeom>
           <a:noFill/>
-          <a:ln cap="flat" cmpd="sng" w="38100">
+          <a:ln w="38100" cap="flat" cmpd="sng">
             <a:solidFill>
               <a:srgbClr val="FF0000"/>
             </a:solidFill>
             <a:prstDash val="solid"/>
             <a:round/>
-            <a:headEnd len="med" w="med" type="none"/>
-            <a:tailEnd len="med" w="med" type="none"/>
+            <a:headEnd type="none" w="med" len="med"/>
+            <a:tailEnd type="none" w="med" len="med"/>
           </a:ln>
         </p:spPr>
         <p:txBody>
-          <a:bodyPr anchorCtr="0" anchor="ctr" bIns="91425" lIns="91425" rIns="91425" tIns="91425">
+          <a:bodyPr lIns="91425" tIns="91425" rIns="91425" bIns="91425" anchor="ctr" anchorCtr="0">
             <a:noAutofit/>
           </a:bodyPr>
           <a:lstStyle/>
@@ -8053,9 +8530,6 @@
               </a:spcBef>
               <a:buNone/>
             </a:pPr>
-            <a:r>
-              <a:t/>
-            </a:r>
             <a:endParaRPr/>
           </a:p>
         </p:txBody>
@@ -8071,144 +8545,8 @@
 </p:sld>
 </file>
 
-<file path=ppt/slides/slide9.xml><?xml version="1.0" encoding="utf-8"?>
-<p:sld xmlns:a="http://schemas.openxmlformats.org/drawingml/2006/main" xmlns:r="http://schemas.openxmlformats.org/officeDocument/2006/relationships" xmlns:mc="http://schemas.openxmlformats.org/markup-compatibility/2006" xmlns:mv="urn:schemas-microsoft-com:mac:vml" xmlns:p="http://schemas.openxmlformats.org/presentationml/2006/main" xmlns:c="http://schemas.openxmlformats.org/drawingml/2006/chart" xmlns:dgm="http://schemas.openxmlformats.org/drawingml/2006/diagram" xmlns:o="urn:schemas-microsoft-com:office:office" xmlns:v="urn:schemas-microsoft-com:vml" xmlns:pvml="urn:schemas-microsoft-com:office:powerpoint" xmlns:com="http://schemas.openxmlformats.org/drawingml/2006/compatibility" xmlns:p14="http://schemas.microsoft.com/office/powerpoint/2010/main">
-  <p:cSld>
-    <p:spTree>
-      <p:nvGrpSpPr>
-        <p:cNvPr id="127" name="Shape 127"/>
-        <p:cNvGrpSpPr/>
-        <p:nvPr/>
-      </p:nvGrpSpPr>
-      <p:grpSpPr>
-        <a:xfrm>
-          <a:off x="0" y="0"/>
-          <a:ext cx="0" cy="0"/>
-          <a:chOff x="0" y="0"/>
-          <a:chExt cx="0" cy="0"/>
-        </a:xfrm>
-      </p:grpSpPr>
-      <p:sp>
-        <p:nvSpPr>
-          <p:cNvPr id="128" name="Shape 128"/>
-          <p:cNvSpPr txBox="1"/>
-          <p:nvPr>
-            <p:ph idx="1" type="body"/>
-          </p:nvPr>
-        </p:nvSpPr>
-        <p:spPr>
-          <a:xfrm>
-            <a:off x="57150" y="4696825"/>
-            <a:ext cx="8381999" cy="446700"/>
-          </a:xfrm>
-          <a:prstGeom prst="rect">
-            <a:avLst/>
-          </a:prstGeom>
-        </p:spPr>
-        <p:txBody>
-          <a:bodyPr anchorCtr="0" anchor="ctr" bIns="91425" lIns="91425" rIns="91425" tIns="91425">
-            <a:noAutofit/>
-          </a:bodyPr>
-          <a:lstStyle/>
-          <a:p>
-            <a:pPr lvl="0">
-              <a:spcBef>
-                <a:spcPts val="0"/>
-              </a:spcBef>
-              <a:buNone/>
-            </a:pPr>
-            <a:r>
-              <a:rPr lang="en"/>
-              <a:t>List of Students</a:t>
-            </a:r>
-          </a:p>
-        </p:txBody>
-      </p:sp>
-      <p:pic>
-        <p:nvPicPr>
-          <p:cNvPr id="129" name="Shape 129"/>
-          <p:cNvPicPr preferRelativeResize="0"/>
-          <p:nvPr/>
-        </p:nvPicPr>
-        <p:blipFill>
-          <a:blip r:embed="rId3">
-            <a:alphaModFix/>
-          </a:blip>
-          <a:stretch>
-            <a:fillRect/>
-          </a:stretch>
-        </p:blipFill>
-        <p:spPr>
-          <a:xfrm>
-            <a:off x="1339079" y="0"/>
-            <a:ext cx="6465840" cy="4696824"/>
-          </a:xfrm>
-          <a:prstGeom prst="rect">
-            <a:avLst/>
-          </a:prstGeom>
-          <a:noFill/>
-          <a:ln>
-            <a:noFill/>
-          </a:ln>
-        </p:spPr>
-      </p:pic>
-      <p:sp>
-        <p:nvSpPr>
-          <p:cNvPr id="130" name="Shape 130"/>
-          <p:cNvSpPr/>
-          <p:nvPr/>
-        </p:nvSpPr>
-        <p:spPr>
-          <a:xfrm>
-            <a:off x="3024375" y="3780475"/>
-            <a:ext cx="2386499" cy="446700"/>
-          </a:xfrm>
-          <a:prstGeom prst="rect">
-            <a:avLst/>
-          </a:prstGeom>
-          <a:noFill/>
-          <a:ln cap="flat" cmpd="sng" w="38100">
-            <a:solidFill>
-              <a:srgbClr val="FF0000"/>
-            </a:solidFill>
-            <a:prstDash val="solid"/>
-            <a:round/>
-            <a:headEnd len="med" w="med" type="none"/>
-            <a:tailEnd len="med" w="med" type="none"/>
-          </a:ln>
-        </p:spPr>
-        <p:txBody>
-          <a:bodyPr anchorCtr="0" anchor="ctr" bIns="91425" lIns="91425" rIns="91425" tIns="91425">
-            <a:noAutofit/>
-          </a:bodyPr>
-          <a:lstStyle/>
-          <a:p>
-            <a:pPr lvl="0">
-              <a:spcBef>
-                <a:spcPts val="0"/>
-              </a:spcBef>
-              <a:buNone/>
-            </a:pPr>
-            <a:r>
-              <a:t/>
-            </a:r>
-            <a:endParaRPr/>
-          </a:p>
-        </p:txBody>
-      </p:sp>
-    </p:spTree>
-  </p:cSld>
-  <p:clrMapOvr>
-    <a:masterClrMapping/>
-  </p:clrMapOvr>
-  <p:transition spd="slow">
-    <p:cut/>
-  </p:transition>
-</p:sld>
-</file>
-
-<file path=ppt/theme/theme.xml><?xml version="1.0" encoding="utf-8"?>
-<a:theme xmlns:a="http://schemas.openxmlformats.org/drawingml/2006/main" xmlns:r="http://schemas.openxmlformats.org/officeDocument/2006/relationships" name="material">
+<file path=ppt/theme/theme1.xml><?xml version="1.0" encoding="utf-8"?>
+<a:theme xmlns:a="http://schemas.openxmlformats.org/drawingml/2006/main" name="material">
   <a:themeElements>
     <a:clrScheme name="Material">
       <a:dk1>
@@ -8483,11 +8821,13 @@
       </a:bgFillStyleLst>
     </a:fmtScheme>
   </a:themeElements>
+  <a:objectDefaults/>
+  <a:extraClrSchemeLst/>
 </a:theme>
 </file>
 
-<file path=ppt/theme/theme1.xml><?xml version="1.0" encoding="utf-8"?>
-<a:theme xmlns:a="http://schemas.openxmlformats.org/drawingml/2006/main" xmlns:r="http://schemas.openxmlformats.org/officeDocument/2006/relationships" name="Custom Theme">
+<file path=ppt/theme/theme2.xml><?xml version="1.0" encoding="utf-8"?>
+<a:theme xmlns:a="http://schemas.openxmlformats.org/drawingml/2006/main" name="Custom Theme">
   <a:themeElements>
     <a:clrScheme name="Default">
       <a:dk1>
@@ -8762,5 +9102,7 @@
       </a:bgFillStyleLst>
     </a:fmtScheme>
   </a:themeElements>
+  <a:objectDefaults/>
+  <a:extraClrSchemeLst/>
 </a:theme>
 </file>